--- a/Minterate-Presentation.pptx
+++ b/Minterate-Presentation.pptx
@@ -1,30 +1,30 @@
 
 <file path=ppt/presentation.xml><?xml version="1.0" encoding="utf-8"?>
-<p:presentation xmlns:a="http://schemas.openxmlformats.org/drawingml/2006/main" xmlns:r="http://schemas.openxmlformats.org/officeDocument/2006/relationships" xmlns:p="http://schemas.openxmlformats.org/presentationml/2006/main" xmlns:m="http://schemas.openxmlformats.org/officeDocument/2006/math" xmlns:a14="http://schemas.microsoft.com/office/drawing/2010/main">
+<p:presentation xmlns:a="http://schemas.openxmlformats.org/drawingml/2006/main" xmlns:r="http://schemas.openxmlformats.org/officeDocument/2006/relationships" xmlns:p="http://schemas.openxmlformats.org/presentationml/2006/main">
   <p:sldMasterIdLst>
-    <p:sldMasterId id="2147483648" r:id="rId5"/>
+    <p:sldMasterId id="2147483648" r:id="rId1"/>
   </p:sldMasterIdLst>
   <p:notesMasterIdLst>
-    <p:notesMasterId r:id="rId7"/>
+    <p:notesMasterId r:id="rId19"/>
   </p:notesMasterIdLst>
   <p:sldIdLst>
-    <p:sldId id="256" r:id="rId8"/>
-    <p:sldId id="257" r:id="rId9"/>
-    <p:sldId id="258" r:id="rId10"/>
-    <p:sldId id="259" r:id="rId11"/>
-    <p:sldId id="260" r:id="rId12"/>
-    <p:sldId id="261" r:id="rId13"/>
-    <p:sldId id="262" r:id="rId14"/>
-    <p:sldId id="263" r:id="rId15"/>
-    <p:sldId id="264" r:id="rId16"/>
-    <p:sldId id="265" r:id="rId17"/>
-    <p:sldId id="266" r:id="rId18"/>
-    <p:sldId id="267" r:id="rId19"/>
-    <p:sldId id="268" r:id="rId20"/>
-    <p:sldId id="269" r:id="rId21"/>
-    <p:sldId id="270" r:id="rId22"/>
-    <p:sldId id="271" r:id="rId23"/>
-    <p:sldId id="272" r:id="rId24"/>
+    <p:sldId id="256" r:id="rId2"/>
+    <p:sldId id="257" r:id="rId3"/>
+    <p:sldId id="258" r:id="rId4"/>
+    <p:sldId id="259" r:id="rId5"/>
+    <p:sldId id="260" r:id="rId6"/>
+    <p:sldId id="261" r:id="rId7"/>
+    <p:sldId id="262" r:id="rId8"/>
+    <p:sldId id="263" r:id="rId9"/>
+    <p:sldId id="264" r:id="rId10"/>
+    <p:sldId id="265" r:id="rId11"/>
+    <p:sldId id="266" r:id="rId12"/>
+    <p:sldId id="267" r:id="rId13"/>
+    <p:sldId id="268" r:id="rId14"/>
+    <p:sldId id="269" r:id="rId15"/>
+    <p:sldId id="270" r:id="rId16"/>
+    <p:sldId id="271" r:id="rId17"/>
+    <p:sldId id="272" r:id="rId18"/>
   </p:sldIdLst>
   <p:sldSz cx="18288000" cy="10287000"/>
   <p:notesSz cx="6858000" cy="9144000"/>
@@ -44,7 +44,7 @@
       <a:buFontTx/>
       <a:buNone/>
       <a:tabLst/>
-      <a:defRPr b="0" baseline="0" cap="none" i="0" spc="0" strike="noStrike" sz="1800" u="none" kumimoji="0" normalizeH="0">
+      <a:defRPr kumimoji="0" sz="1800" b="0" i="0" u="none" strike="noStrike" cap="none" spc="0" normalizeH="0" baseline="0">
         <a:ln>
           <a:noFill/>
         </a:ln>
@@ -70,7 +70,7 @@
       <a:buFontTx/>
       <a:buNone/>
       <a:tabLst/>
-      <a:defRPr b="0" baseline="0" cap="none" i="0" spc="0" strike="noStrike" sz="1800" u="none" kumimoji="0" normalizeH="0">
+      <a:defRPr kumimoji="0" sz="1800" b="0" i="0" u="none" strike="noStrike" cap="none" spc="0" normalizeH="0" baseline="0">
         <a:ln>
           <a:noFill/>
         </a:ln>
@@ -100,7 +100,7 @@
       <a:buFontTx/>
       <a:buNone/>
       <a:tabLst/>
-      <a:defRPr b="0" baseline="0" cap="none" i="0" spc="0" strike="noStrike" sz="1800" u="none" kumimoji="0" normalizeH="0">
+      <a:defRPr kumimoji="0" sz="1800" b="0" i="0" u="none" strike="noStrike" cap="none" spc="0" normalizeH="0" baseline="0">
         <a:ln>
           <a:noFill/>
         </a:ln>
@@ -130,7 +130,7 @@
       <a:buFontTx/>
       <a:buNone/>
       <a:tabLst/>
-      <a:defRPr b="0" baseline="0" cap="none" i="0" spc="0" strike="noStrike" sz="1800" u="none" kumimoji="0" normalizeH="0">
+      <a:defRPr kumimoji="0" sz="1800" b="0" i="0" u="none" strike="noStrike" cap="none" spc="0" normalizeH="0" baseline="0">
         <a:ln>
           <a:noFill/>
         </a:ln>
@@ -160,7 +160,7 @@
       <a:buFontTx/>
       <a:buNone/>
       <a:tabLst/>
-      <a:defRPr b="0" baseline="0" cap="none" i="0" spc="0" strike="noStrike" sz="1800" u="none" kumimoji="0" normalizeH="0">
+      <a:defRPr kumimoji="0" sz="1800" b="0" i="0" u="none" strike="noStrike" cap="none" spc="0" normalizeH="0" baseline="0">
         <a:ln>
           <a:noFill/>
         </a:ln>
@@ -190,7 +190,7 @@
       <a:buFontTx/>
       <a:buNone/>
       <a:tabLst/>
-      <a:defRPr b="0" baseline="0" cap="none" i="0" spc="0" strike="noStrike" sz="1800" u="none" kumimoji="0" normalizeH="0">
+      <a:defRPr kumimoji="0" sz="1800" b="0" i="0" u="none" strike="noStrike" cap="none" spc="0" normalizeH="0" baseline="0">
         <a:ln>
           <a:noFill/>
         </a:ln>
@@ -220,7 +220,7 @@
       <a:buFontTx/>
       <a:buNone/>
       <a:tabLst/>
-      <a:defRPr b="0" baseline="0" cap="none" i="0" spc="0" strike="noStrike" sz="1800" u="none" kumimoji="0" normalizeH="0">
+      <a:defRPr kumimoji="0" sz="1800" b="0" i="0" u="none" strike="noStrike" cap="none" spc="0" normalizeH="0" baseline="0">
         <a:ln>
           <a:noFill/>
         </a:ln>
@@ -250,7 +250,7 @@
       <a:buFontTx/>
       <a:buNone/>
       <a:tabLst/>
-      <a:defRPr b="0" baseline="0" cap="none" i="0" spc="0" strike="noStrike" sz="1800" u="none" kumimoji="0" normalizeH="0">
+      <a:defRPr kumimoji="0" sz="1800" b="0" i="0" u="none" strike="noStrike" cap="none" spc="0" normalizeH="0" baseline="0">
         <a:ln>
           <a:noFill/>
         </a:ln>
@@ -280,7 +280,7 @@
       <a:buFontTx/>
       <a:buNone/>
       <a:tabLst/>
-      <a:defRPr b="0" baseline="0" cap="none" i="0" spc="0" strike="noStrike" sz="1800" u="none" kumimoji="0" normalizeH="0">
+      <a:defRPr kumimoji="0" sz="1800" b="0" i="0" u="none" strike="noStrike" cap="none" spc="0" normalizeH="0" baseline="0">
         <a:ln>
           <a:noFill/>
         </a:ln>
@@ -310,7 +310,7 @@
       <a:buFontTx/>
       <a:buNone/>
       <a:tabLst/>
-      <a:defRPr b="0" baseline="0" cap="none" i="0" spc="0" strike="noStrike" sz="1800" u="none" kumimoji="0" normalizeH="0">
+      <a:defRPr kumimoji="0" sz="1800" b="0" i="0" u="none" strike="noStrike" cap="none" spc="0" normalizeH="0" baseline="0">
         <a:ln>
           <a:noFill/>
         </a:ln>
@@ -329,13 +329,14 @@
 </p:presentation>
 </file>
 
-<file path=ppt/commentAuthors.xml><?xml version="1.0" encoding="utf-8"?>
-<p:cmAuthorLst xmlns:a="http://schemas.openxmlformats.org/drawingml/2006/main" xmlns:r="http://schemas.openxmlformats.org/officeDocument/2006/relationships" xmlns:p="http://schemas.openxmlformats.org/presentationml/2006/main" xmlns:m="http://schemas.openxmlformats.org/officeDocument/2006/math" xmlns:a14="http://schemas.microsoft.com/office/drawing/2010/main"/>
-</file>
-
 <file path=ppt/notesMasters/notesMaster1.xml><?xml version="1.0" encoding="utf-8"?>
-<p:notesMaster xmlns:a="http://schemas.openxmlformats.org/drawingml/2006/main" xmlns:r="http://schemas.openxmlformats.org/officeDocument/2006/relationships" xmlns:p="http://schemas.openxmlformats.org/presentationml/2006/main" xmlns:m="http://schemas.openxmlformats.org/officeDocument/2006/math" xmlns:a14="http://schemas.microsoft.com/office/drawing/2010/main">
+<p:notesMaster xmlns:a="http://schemas.openxmlformats.org/drawingml/2006/main" xmlns:r="http://schemas.openxmlformats.org/officeDocument/2006/relationships" xmlns:p="http://schemas.openxmlformats.org/presentationml/2006/main">
   <p:cSld>
+    <p:bg>
+      <p:bgRef idx="1001">
+        <a:schemeClr val="bg1"/>
+      </p:bgRef>
+    </p:bg>
     <p:spTree>
       <p:nvGrpSpPr>
         <p:cNvPr id="1" name=""/>
@@ -353,7 +354,9 @@
       <p:sp>
         <p:nvSpPr>
           <p:cNvPr id="91" name="Shape 91"/>
-          <p:cNvSpPr/>
+          <p:cNvSpPr>
+            <a:spLocks noGrp="1" noRot="1" noChangeAspect="1"/>
+          </p:cNvSpPr>
           <p:nvPr>
             <p:ph type="sldImg"/>
           </p:nvPr>
@@ -371,14 +374,16 @@
           <a:bodyPr/>
           <a:lstStyle/>
           <a:p>
-            <a:pPr/>
+            <a:endParaRPr/>
           </a:p>
         </p:txBody>
       </p:sp>
       <p:sp>
         <p:nvSpPr>
           <p:cNvPr id="92" name="Shape 92"/>
-          <p:cNvSpPr/>
+          <p:cNvSpPr>
+            <a:spLocks noGrp="1"/>
+          </p:cNvSpPr>
           <p:nvPr>
             <p:ph type="body" sz="quarter" idx="1"/>
           </p:nvPr>
@@ -396,7 +401,7 @@
           <a:bodyPr/>
           <a:lstStyle/>
           <a:p>
-            <a:pPr/>
+            <a:endParaRPr/>
           </a:p>
         </p:txBody>
       </p:sp>
@@ -481,7 +486,7 @@
 </file>
 
 <file path=ppt/slideLayouts/slideLayout1.xml><?xml version="1.0" encoding="utf-8"?>
-<p:sldLayout xmlns:a="http://schemas.openxmlformats.org/drawingml/2006/main" xmlns:r="http://schemas.openxmlformats.org/officeDocument/2006/relationships" xmlns:p="http://schemas.openxmlformats.org/presentationml/2006/main" xmlns:m="http://schemas.openxmlformats.org/officeDocument/2006/math" xmlns:a14="http://schemas.microsoft.com/office/drawing/2010/main" type="title" showMasterSp="1" showMasterPhAnim="1">
+<p:sldLayout xmlns:a="http://schemas.openxmlformats.org/drawingml/2006/main" xmlns:r="http://schemas.openxmlformats.org/officeDocument/2006/relationships" xmlns:p="http://schemas.openxmlformats.org/presentationml/2006/main" type="title">
   <p:cSld name="Title Slide">
     <p:spTree>
       <p:nvGrpSpPr>
@@ -500,7 +505,9 @@
       <p:sp>
         <p:nvSpPr>
           <p:cNvPr id="11" name="Title Text"/>
-          <p:cNvSpPr txBox="1"/>
+          <p:cNvSpPr txBox="1">
+            <a:spLocks noGrp="1"/>
+          </p:cNvSpPr>
           <p:nvPr>
             <p:ph type="title"/>
           </p:nvPr>
@@ -518,7 +525,6 @@
           <a:bodyPr/>
           <a:lstStyle/>
           <a:p>
-            <a:pPr/>
             <a:r>
               <a:t>Title Text</a:t>
             </a:r>
@@ -528,7 +534,9 @@
       <p:sp>
         <p:nvSpPr>
           <p:cNvPr id="12" name="Body Level One…"/>
-          <p:cNvSpPr txBox="1"/>
+          <p:cNvSpPr txBox="1">
+            <a:spLocks noGrp="1"/>
+          </p:cNvSpPr>
           <p:nvPr>
             <p:ph type="body" sz="quarter" idx="1"/>
           </p:nvPr>
@@ -597,7 +605,6 @@
             </a:lvl5pPr>
           </a:lstStyle>
           <a:p>
-            <a:pPr/>
             <a:r>
               <a:t>Body Level One</a:t>
             </a:r>
@@ -631,7 +638,9 @@
       <p:sp>
         <p:nvSpPr>
           <p:cNvPr id="13" name="Slide Number"/>
-          <p:cNvSpPr txBox="1"/>
+          <p:cNvSpPr txBox="1">
+            <a:spLocks noGrp="1"/>
+          </p:cNvSpPr>
           <p:nvPr>
             <p:ph type="sldNum" sz="quarter" idx="2"/>
           </p:nvPr>
@@ -645,8 +654,10 @@
           <a:bodyPr/>
           <a:lstStyle/>
           <a:p>
-            <a:pPr/>
-            <a:fld id="{86CB4B4D-7CA3-9044-876B-883B54F8677D}" type="slidenum"/>
+            <a:fld id="{86CB4B4D-7CA3-9044-876B-883B54F8677D}" type="slidenum">
+              <a:t>‹#›</a:t>
+            </a:fld>
+            <a:endParaRPr/>
           </a:p>
         </p:txBody>
       </p:sp>
@@ -655,12 +666,12 @@
   <p:clrMapOvr>
     <a:masterClrMapping/>
   </p:clrMapOvr>
-  <p:transition xmlns:p14="http://schemas.microsoft.com/office/powerpoint/2010/main" spd="med" advClick="1"/>
+  <p:transition spd="med"/>
 </p:sldLayout>
 </file>
 
 <file path=ppt/slideLayouts/slideLayout2.xml><?xml version="1.0" encoding="utf-8"?>
-<p:sldLayout xmlns:a="http://schemas.openxmlformats.org/drawingml/2006/main" xmlns:r="http://schemas.openxmlformats.org/officeDocument/2006/relationships" xmlns:p="http://schemas.openxmlformats.org/presentationml/2006/main" xmlns:m="http://schemas.openxmlformats.org/officeDocument/2006/math" xmlns:a14="http://schemas.microsoft.com/office/drawing/2010/main" type="tx" showMasterSp="1" showMasterPhAnim="1">
+<p:sldLayout xmlns:a="http://schemas.openxmlformats.org/drawingml/2006/main" xmlns:r="http://schemas.openxmlformats.org/officeDocument/2006/relationships" xmlns:p="http://schemas.openxmlformats.org/presentationml/2006/main" type="tx">
   <p:cSld name="Title and Content">
     <p:spTree>
       <p:nvGrpSpPr>
@@ -679,7 +690,9 @@
       <p:sp>
         <p:nvSpPr>
           <p:cNvPr id="20" name="Title Text"/>
-          <p:cNvSpPr txBox="1"/>
+          <p:cNvSpPr txBox="1">
+            <a:spLocks noGrp="1"/>
+          </p:cNvSpPr>
           <p:nvPr>
             <p:ph type="title"/>
           </p:nvPr>
@@ -697,7 +710,6 @@
           <a:bodyPr/>
           <a:lstStyle/>
           <a:p>
-            <a:pPr/>
             <a:r>
               <a:t>Title Text</a:t>
             </a:r>
@@ -707,7 +719,9 @@
       <p:sp>
         <p:nvSpPr>
           <p:cNvPr id="21" name="Body Level One…"/>
-          <p:cNvSpPr txBox="1"/>
+          <p:cNvSpPr txBox="1">
+            <a:spLocks noGrp="1"/>
+          </p:cNvSpPr>
           <p:nvPr>
             <p:ph type="body" sz="quarter" idx="1"/>
           </p:nvPr>
@@ -725,7 +739,6 @@
           <a:bodyPr/>
           <a:lstStyle/>
           <a:p>
-            <a:pPr/>
             <a:r>
               <a:t>Body Level One</a:t>
             </a:r>
@@ -759,7 +772,9 @@
       <p:sp>
         <p:nvSpPr>
           <p:cNvPr id="22" name="Slide Number"/>
-          <p:cNvSpPr txBox="1"/>
+          <p:cNvSpPr txBox="1">
+            <a:spLocks noGrp="1"/>
+          </p:cNvSpPr>
           <p:nvPr>
             <p:ph type="sldNum" sz="quarter" idx="2"/>
           </p:nvPr>
@@ -773,8 +788,10 @@
           <a:bodyPr/>
           <a:lstStyle/>
           <a:p>
-            <a:pPr/>
-            <a:fld id="{86CB4B4D-7CA3-9044-876B-883B54F8677D}" type="slidenum"/>
+            <a:fld id="{86CB4B4D-7CA3-9044-876B-883B54F8677D}" type="slidenum">
+              <a:t>‹#›</a:t>
+            </a:fld>
+            <a:endParaRPr/>
           </a:p>
         </p:txBody>
       </p:sp>
@@ -783,12 +800,12 @@
   <p:clrMapOvr>
     <a:masterClrMapping/>
   </p:clrMapOvr>
-  <p:transition xmlns:p14="http://schemas.microsoft.com/office/powerpoint/2010/main" spd="med" advClick="1"/>
+  <p:transition spd="med"/>
 </p:sldLayout>
 </file>
 
 <file path=ppt/slideLayouts/slideLayout3.xml><?xml version="1.0" encoding="utf-8"?>
-<p:sldLayout xmlns:a="http://schemas.openxmlformats.org/drawingml/2006/main" xmlns:r="http://schemas.openxmlformats.org/officeDocument/2006/relationships" xmlns:p="http://schemas.openxmlformats.org/presentationml/2006/main" xmlns:m="http://schemas.openxmlformats.org/officeDocument/2006/math" xmlns:a14="http://schemas.microsoft.com/office/drawing/2010/main" type="tx" showMasterSp="1" showMasterPhAnim="1">
+<p:sldLayout xmlns:a="http://schemas.openxmlformats.org/drawingml/2006/main" xmlns:r="http://schemas.openxmlformats.org/officeDocument/2006/relationships" xmlns:p="http://schemas.openxmlformats.org/presentationml/2006/main" type="tx">
   <p:cSld name="Section Header">
     <p:spTree>
       <p:nvGrpSpPr>
@@ -807,7 +824,9 @@
       <p:sp>
         <p:nvSpPr>
           <p:cNvPr id="29" name="Title Text"/>
-          <p:cNvSpPr txBox="1"/>
+          <p:cNvSpPr txBox="1">
+            <a:spLocks noGrp="1"/>
+          </p:cNvSpPr>
           <p:nvPr>
             <p:ph type="title"/>
           </p:nvPr>
@@ -825,11 +844,10 @@
           <a:bodyPr anchor="t"/>
           <a:lstStyle>
             <a:lvl1pPr algn="l">
-              <a:defRPr b="1" cap="all" sz="4000"/>
+              <a:defRPr sz="4000" b="1" cap="all"/>
             </a:lvl1pPr>
           </a:lstStyle>
           <a:p>
-            <a:pPr/>
             <a:r>
               <a:t>Title Text</a:t>
             </a:r>
@@ -839,7 +857,9 @@
       <p:sp>
         <p:nvSpPr>
           <p:cNvPr id="30" name="Body Level One…"/>
-          <p:cNvSpPr txBox="1"/>
+          <p:cNvSpPr txBox="1">
+            <a:spLocks noGrp="1"/>
+          </p:cNvSpPr>
           <p:nvPr>
             <p:ph type="body" sz="quarter" idx="1"/>
           </p:nvPr>
@@ -923,7 +943,6 @@
             </a:lvl5pPr>
           </a:lstStyle>
           <a:p>
-            <a:pPr/>
             <a:r>
               <a:t>Body Level One</a:t>
             </a:r>
@@ -957,7 +976,9 @@
       <p:sp>
         <p:nvSpPr>
           <p:cNvPr id="31" name="Slide Number"/>
-          <p:cNvSpPr txBox="1"/>
+          <p:cNvSpPr txBox="1">
+            <a:spLocks noGrp="1"/>
+          </p:cNvSpPr>
           <p:nvPr>
             <p:ph type="sldNum" sz="quarter" idx="2"/>
           </p:nvPr>
@@ -971,8 +992,10 @@
           <a:bodyPr/>
           <a:lstStyle/>
           <a:p>
-            <a:pPr/>
-            <a:fld id="{86CB4B4D-7CA3-9044-876B-883B54F8677D}" type="slidenum"/>
+            <a:fld id="{86CB4B4D-7CA3-9044-876B-883B54F8677D}" type="slidenum">
+              <a:t>‹#›</a:t>
+            </a:fld>
+            <a:endParaRPr/>
           </a:p>
         </p:txBody>
       </p:sp>
@@ -981,12 +1004,12 @@
   <p:clrMapOvr>
     <a:masterClrMapping/>
   </p:clrMapOvr>
-  <p:transition xmlns:p14="http://schemas.microsoft.com/office/powerpoint/2010/main" spd="med" advClick="1"/>
+  <p:transition spd="med"/>
 </p:sldLayout>
 </file>
 
 <file path=ppt/slideLayouts/slideLayout4.xml><?xml version="1.0" encoding="utf-8"?>
-<p:sldLayout xmlns:a="http://schemas.openxmlformats.org/drawingml/2006/main" xmlns:r="http://schemas.openxmlformats.org/officeDocument/2006/relationships" xmlns:p="http://schemas.openxmlformats.org/presentationml/2006/main" xmlns:m="http://schemas.openxmlformats.org/officeDocument/2006/math" xmlns:a14="http://schemas.microsoft.com/office/drawing/2010/main" type="tx" showMasterSp="1" showMasterPhAnim="1">
+<p:sldLayout xmlns:a="http://schemas.openxmlformats.org/drawingml/2006/main" xmlns:r="http://schemas.openxmlformats.org/officeDocument/2006/relationships" xmlns:p="http://schemas.openxmlformats.org/presentationml/2006/main" type="tx">
   <p:cSld name="Two Content">
     <p:spTree>
       <p:nvGrpSpPr>
@@ -1005,7 +1028,9 @@
       <p:sp>
         <p:nvSpPr>
           <p:cNvPr id="38" name="Title Text"/>
-          <p:cNvSpPr txBox="1"/>
+          <p:cNvSpPr txBox="1">
+            <a:spLocks noGrp="1"/>
+          </p:cNvSpPr>
           <p:nvPr>
             <p:ph type="title"/>
           </p:nvPr>
@@ -1023,7 +1048,6 @@
           <a:bodyPr/>
           <a:lstStyle/>
           <a:p>
-            <a:pPr/>
             <a:r>
               <a:t>Title Text</a:t>
             </a:r>
@@ -1033,7 +1057,9 @@
       <p:sp>
         <p:nvSpPr>
           <p:cNvPr id="39" name="Body Level One…"/>
-          <p:cNvSpPr txBox="1"/>
+          <p:cNvSpPr txBox="1">
+            <a:spLocks noGrp="1"/>
+          </p:cNvSpPr>
           <p:nvPr>
             <p:ph type="body" sz="quarter" idx="1"/>
           </p:nvPr>
@@ -1082,7 +1108,6 @@
             </a:lvl5pPr>
           </a:lstStyle>
           <a:p>
-            <a:pPr/>
             <a:r>
               <a:t>Body Level One</a:t>
             </a:r>
@@ -1116,7 +1141,9 @@
       <p:sp>
         <p:nvSpPr>
           <p:cNvPr id="40" name="Slide Number"/>
-          <p:cNvSpPr txBox="1"/>
+          <p:cNvSpPr txBox="1">
+            <a:spLocks noGrp="1"/>
+          </p:cNvSpPr>
           <p:nvPr>
             <p:ph type="sldNum" sz="quarter" idx="2"/>
           </p:nvPr>
@@ -1130,8 +1157,10 @@
           <a:bodyPr/>
           <a:lstStyle/>
           <a:p>
-            <a:pPr/>
-            <a:fld id="{86CB4B4D-7CA3-9044-876B-883B54F8677D}" type="slidenum"/>
+            <a:fld id="{86CB4B4D-7CA3-9044-876B-883B54F8677D}" type="slidenum">
+              <a:t>‹#›</a:t>
+            </a:fld>
+            <a:endParaRPr/>
           </a:p>
         </p:txBody>
       </p:sp>
@@ -1140,12 +1169,12 @@
   <p:clrMapOvr>
     <a:masterClrMapping/>
   </p:clrMapOvr>
-  <p:transition xmlns:p14="http://schemas.microsoft.com/office/powerpoint/2010/main" spd="med" advClick="1"/>
+  <p:transition spd="med"/>
 </p:sldLayout>
 </file>
 
 <file path=ppt/slideLayouts/slideLayout5.xml><?xml version="1.0" encoding="utf-8"?>
-<p:sldLayout xmlns:a="http://schemas.openxmlformats.org/drawingml/2006/main" xmlns:r="http://schemas.openxmlformats.org/officeDocument/2006/relationships" xmlns:p="http://schemas.openxmlformats.org/presentationml/2006/main" xmlns:m="http://schemas.openxmlformats.org/officeDocument/2006/math" xmlns:a14="http://schemas.microsoft.com/office/drawing/2010/main" type="tx" showMasterSp="1" showMasterPhAnim="1">
+<p:sldLayout xmlns:a="http://schemas.openxmlformats.org/drawingml/2006/main" xmlns:r="http://schemas.openxmlformats.org/officeDocument/2006/relationships" xmlns:p="http://schemas.openxmlformats.org/presentationml/2006/main" type="tx">
   <p:cSld name="Comparison">
     <p:spTree>
       <p:nvGrpSpPr>
@@ -1164,7 +1193,9 @@
       <p:sp>
         <p:nvSpPr>
           <p:cNvPr id="47" name="Title Text"/>
-          <p:cNvSpPr txBox="1"/>
+          <p:cNvSpPr txBox="1">
+            <a:spLocks noGrp="1"/>
+          </p:cNvSpPr>
           <p:nvPr>
             <p:ph type="title"/>
           </p:nvPr>
@@ -1182,7 +1213,6 @@
           <a:bodyPr/>
           <a:lstStyle/>
           <a:p>
-            <a:pPr/>
             <a:r>
               <a:t>Title Text</a:t>
             </a:r>
@@ -1192,7 +1222,9 @@
       <p:sp>
         <p:nvSpPr>
           <p:cNvPr id="48" name="Body Level One…"/>
-          <p:cNvSpPr txBox="1"/>
+          <p:cNvSpPr txBox="1">
+            <a:spLocks noGrp="1"/>
+          </p:cNvSpPr>
           <p:nvPr>
             <p:ph type="body" sz="quarter" idx="1"/>
           </p:nvPr>
@@ -1216,7 +1248,7 @@
               <a:buSzTx/>
               <a:buFontTx/>
               <a:buNone/>
-              <a:defRPr b="1" sz="2400"/>
+              <a:defRPr sz="2400" b="1"/>
             </a:lvl1pPr>
             <a:lvl2pPr marL="0" indent="457200">
               <a:spcBef>
@@ -1225,7 +1257,7 @@
               <a:buSzTx/>
               <a:buFontTx/>
               <a:buNone/>
-              <a:defRPr b="1" sz="2400"/>
+              <a:defRPr sz="2400" b="1"/>
             </a:lvl2pPr>
             <a:lvl3pPr marL="0" indent="914400">
               <a:spcBef>
@@ -1234,7 +1266,7 @@
               <a:buSzTx/>
               <a:buFontTx/>
               <a:buNone/>
-              <a:defRPr b="1" sz="2400"/>
+              <a:defRPr sz="2400" b="1"/>
             </a:lvl3pPr>
             <a:lvl4pPr marL="0" indent="1371600">
               <a:spcBef>
@@ -1243,7 +1275,7 @@
               <a:buSzTx/>
               <a:buFontTx/>
               <a:buNone/>
-              <a:defRPr b="1" sz="2400"/>
+              <a:defRPr sz="2400" b="1"/>
             </a:lvl4pPr>
             <a:lvl5pPr marL="0" indent="1828800">
               <a:spcBef>
@@ -1252,11 +1284,10 @@
               <a:buSzTx/>
               <a:buFontTx/>
               <a:buNone/>
-              <a:defRPr b="1" sz="2400"/>
+              <a:defRPr sz="2400" b="1"/>
             </a:lvl5pPr>
           </a:lstStyle>
           <a:p>
-            <a:pPr/>
             <a:r>
               <a:t>Body Level One</a:t>
             </a:r>
@@ -1290,7 +1321,9 @@
       <p:sp>
         <p:nvSpPr>
           <p:cNvPr id="49" name="Text Placeholder 4"/>
-          <p:cNvSpPr/>
+          <p:cNvSpPr>
+            <a:spLocks noGrp="1"/>
+          </p:cNvSpPr>
           <p:nvPr>
             <p:ph type="body" sz="quarter" idx="21"/>
           </p:nvPr>
@@ -1315,15 +1348,18 @@
               <a:buSzTx/>
               <a:buFontTx/>
               <a:buNone/>
-              <a:defRPr b="1" sz="2400"/>
+              <a:defRPr sz="2400" b="1"/>
             </a:pPr>
+            <a:endParaRPr/>
           </a:p>
         </p:txBody>
       </p:sp>
       <p:sp>
         <p:nvSpPr>
           <p:cNvPr id="50" name="Slide Number"/>
-          <p:cNvSpPr txBox="1"/>
+          <p:cNvSpPr txBox="1">
+            <a:spLocks noGrp="1"/>
+          </p:cNvSpPr>
           <p:nvPr>
             <p:ph type="sldNum" sz="quarter" idx="2"/>
           </p:nvPr>
@@ -1337,8 +1373,10 @@
           <a:bodyPr/>
           <a:lstStyle/>
           <a:p>
-            <a:pPr/>
-            <a:fld id="{86CB4B4D-7CA3-9044-876B-883B54F8677D}" type="slidenum"/>
+            <a:fld id="{86CB4B4D-7CA3-9044-876B-883B54F8677D}" type="slidenum">
+              <a:t>‹#›</a:t>
+            </a:fld>
+            <a:endParaRPr/>
           </a:p>
         </p:txBody>
       </p:sp>
@@ -1347,12 +1385,12 @@
   <p:clrMapOvr>
     <a:masterClrMapping/>
   </p:clrMapOvr>
-  <p:transition xmlns:p14="http://schemas.microsoft.com/office/powerpoint/2010/main" spd="med" advClick="1"/>
+  <p:transition spd="med"/>
 </p:sldLayout>
 </file>
 
 <file path=ppt/slideLayouts/slideLayout6.xml><?xml version="1.0" encoding="utf-8"?>
-<p:sldLayout xmlns:a="http://schemas.openxmlformats.org/drawingml/2006/main" xmlns:r="http://schemas.openxmlformats.org/officeDocument/2006/relationships" xmlns:p="http://schemas.openxmlformats.org/presentationml/2006/main" xmlns:m="http://schemas.openxmlformats.org/officeDocument/2006/math" xmlns:a14="http://schemas.microsoft.com/office/drawing/2010/main" type="tx" showMasterSp="1" showMasterPhAnim="1">
+<p:sldLayout xmlns:a="http://schemas.openxmlformats.org/drawingml/2006/main" xmlns:r="http://schemas.openxmlformats.org/officeDocument/2006/relationships" xmlns:p="http://schemas.openxmlformats.org/presentationml/2006/main" type="tx">
   <p:cSld name="Title Only">
     <p:spTree>
       <p:nvGrpSpPr>
@@ -1371,7 +1409,9 @@
       <p:sp>
         <p:nvSpPr>
           <p:cNvPr id="57" name="Title Text"/>
-          <p:cNvSpPr txBox="1"/>
+          <p:cNvSpPr txBox="1">
+            <a:spLocks noGrp="1"/>
+          </p:cNvSpPr>
           <p:nvPr>
             <p:ph type="title"/>
           </p:nvPr>
@@ -1389,7 +1429,6 @@
           <a:bodyPr/>
           <a:lstStyle/>
           <a:p>
-            <a:pPr/>
             <a:r>
               <a:t>Title Text</a:t>
             </a:r>
@@ -1399,7 +1438,9 @@
       <p:sp>
         <p:nvSpPr>
           <p:cNvPr id="58" name="Slide Number"/>
-          <p:cNvSpPr txBox="1"/>
+          <p:cNvSpPr txBox="1">
+            <a:spLocks noGrp="1"/>
+          </p:cNvSpPr>
           <p:nvPr>
             <p:ph type="sldNum" sz="quarter" idx="2"/>
           </p:nvPr>
@@ -1413,8 +1454,10 @@
           <a:bodyPr/>
           <a:lstStyle/>
           <a:p>
-            <a:pPr/>
-            <a:fld id="{86CB4B4D-7CA3-9044-876B-883B54F8677D}" type="slidenum"/>
+            <a:fld id="{86CB4B4D-7CA3-9044-876B-883B54F8677D}" type="slidenum">
+              <a:t>‹#›</a:t>
+            </a:fld>
+            <a:endParaRPr/>
           </a:p>
         </p:txBody>
       </p:sp>
@@ -1423,12 +1466,12 @@
   <p:clrMapOvr>
     <a:masterClrMapping/>
   </p:clrMapOvr>
-  <p:transition xmlns:p14="http://schemas.microsoft.com/office/powerpoint/2010/main" spd="med" advClick="1"/>
+  <p:transition spd="med"/>
 </p:sldLayout>
 </file>
 
 <file path=ppt/slideLayouts/slideLayout7.xml><?xml version="1.0" encoding="utf-8"?>
-<p:sldLayout xmlns:a="http://schemas.openxmlformats.org/drawingml/2006/main" xmlns:r="http://schemas.openxmlformats.org/officeDocument/2006/relationships" xmlns:p="http://schemas.openxmlformats.org/presentationml/2006/main" xmlns:m="http://schemas.openxmlformats.org/officeDocument/2006/math" xmlns:a14="http://schemas.microsoft.com/office/drawing/2010/main" type="tx" showMasterSp="1" showMasterPhAnim="1">
+<p:sldLayout xmlns:a="http://schemas.openxmlformats.org/drawingml/2006/main" xmlns:r="http://schemas.openxmlformats.org/officeDocument/2006/relationships" xmlns:p="http://schemas.openxmlformats.org/presentationml/2006/main" type="tx">
   <p:cSld name="Blank">
     <p:spTree>
       <p:nvGrpSpPr>
@@ -1447,7 +1490,9 @@
       <p:sp>
         <p:nvSpPr>
           <p:cNvPr id="65" name="Slide Number"/>
-          <p:cNvSpPr txBox="1"/>
+          <p:cNvSpPr txBox="1">
+            <a:spLocks noGrp="1"/>
+          </p:cNvSpPr>
           <p:nvPr>
             <p:ph type="sldNum" sz="quarter" idx="2"/>
           </p:nvPr>
@@ -1461,8 +1506,10 @@
           <a:bodyPr/>
           <a:lstStyle/>
           <a:p>
-            <a:pPr/>
-            <a:fld id="{86CB4B4D-7CA3-9044-876B-883B54F8677D}" type="slidenum"/>
+            <a:fld id="{86CB4B4D-7CA3-9044-876B-883B54F8677D}" type="slidenum">
+              <a:t>‹#›</a:t>
+            </a:fld>
+            <a:endParaRPr/>
           </a:p>
         </p:txBody>
       </p:sp>
@@ -1471,12 +1518,12 @@
   <p:clrMapOvr>
     <a:masterClrMapping/>
   </p:clrMapOvr>
-  <p:transition xmlns:p14="http://schemas.microsoft.com/office/powerpoint/2010/main" spd="med" advClick="1"/>
+  <p:transition spd="med"/>
 </p:sldLayout>
 </file>
 
 <file path=ppt/slideLayouts/slideLayout8.xml><?xml version="1.0" encoding="utf-8"?>
-<p:sldLayout xmlns:a="http://schemas.openxmlformats.org/drawingml/2006/main" xmlns:r="http://schemas.openxmlformats.org/officeDocument/2006/relationships" xmlns:p="http://schemas.openxmlformats.org/presentationml/2006/main" xmlns:m="http://schemas.openxmlformats.org/officeDocument/2006/math" xmlns:a14="http://schemas.microsoft.com/office/drawing/2010/main" type="tx" showMasterSp="1" showMasterPhAnim="1">
+<p:sldLayout xmlns:a="http://schemas.openxmlformats.org/drawingml/2006/main" xmlns:r="http://schemas.openxmlformats.org/officeDocument/2006/relationships" xmlns:p="http://schemas.openxmlformats.org/presentationml/2006/main" type="tx">
   <p:cSld name="Content with Caption">
     <p:spTree>
       <p:nvGrpSpPr>
@@ -1495,7 +1542,9 @@
       <p:sp>
         <p:nvSpPr>
           <p:cNvPr id="72" name="Title Text"/>
-          <p:cNvSpPr txBox="1"/>
+          <p:cNvSpPr txBox="1">
+            <a:spLocks noGrp="1"/>
+          </p:cNvSpPr>
           <p:nvPr>
             <p:ph type="title"/>
           </p:nvPr>
@@ -1513,11 +1562,10 @@
           <a:bodyPr anchor="b"/>
           <a:lstStyle>
             <a:lvl1pPr algn="l">
-              <a:defRPr b="1" sz="2000"/>
+              <a:defRPr sz="2000" b="1"/>
             </a:lvl1pPr>
           </a:lstStyle>
           <a:p>
-            <a:pPr/>
             <a:r>
               <a:t>Title Text</a:t>
             </a:r>
@@ -1527,7 +1575,9 @@
       <p:sp>
         <p:nvSpPr>
           <p:cNvPr id="73" name="Body Level One…"/>
-          <p:cNvSpPr txBox="1"/>
+          <p:cNvSpPr txBox="1">
+            <a:spLocks noGrp="1"/>
+          </p:cNvSpPr>
           <p:nvPr>
             <p:ph type="body" sz="quarter" idx="1"/>
           </p:nvPr>
@@ -1545,7 +1595,6 @@
           <a:bodyPr/>
           <a:lstStyle/>
           <a:p>
-            <a:pPr/>
             <a:r>
               <a:t>Body Level One</a:t>
             </a:r>
@@ -1579,7 +1628,9 @@
       <p:sp>
         <p:nvSpPr>
           <p:cNvPr id="74" name="Text Placeholder 3"/>
-          <p:cNvSpPr/>
+          <p:cNvSpPr>
+            <a:spLocks noGrp="1"/>
+          </p:cNvSpPr>
           <p:nvPr>
             <p:ph type="body" sz="quarter" idx="21"/>
           </p:nvPr>
@@ -1606,13 +1657,16 @@
               <a:buNone/>
               <a:defRPr sz="1400"/>
             </a:pPr>
+            <a:endParaRPr/>
           </a:p>
         </p:txBody>
       </p:sp>
       <p:sp>
         <p:nvSpPr>
           <p:cNvPr id="75" name="Slide Number"/>
-          <p:cNvSpPr txBox="1"/>
+          <p:cNvSpPr txBox="1">
+            <a:spLocks noGrp="1"/>
+          </p:cNvSpPr>
           <p:nvPr>
             <p:ph type="sldNum" sz="quarter" idx="2"/>
           </p:nvPr>
@@ -1626,8 +1680,10 @@
           <a:bodyPr/>
           <a:lstStyle/>
           <a:p>
-            <a:pPr/>
-            <a:fld id="{86CB4B4D-7CA3-9044-876B-883B54F8677D}" type="slidenum"/>
+            <a:fld id="{86CB4B4D-7CA3-9044-876B-883B54F8677D}" type="slidenum">
+              <a:t>‹#›</a:t>
+            </a:fld>
+            <a:endParaRPr/>
           </a:p>
         </p:txBody>
       </p:sp>
@@ -1636,12 +1692,12 @@
   <p:clrMapOvr>
     <a:masterClrMapping/>
   </p:clrMapOvr>
-  <p:transition xmlns:p14="http://schemas.microsoft.com/office/powerpoint/2010/main" spd="med" advClick="1"/>
+  <p:transition spd="med"/>
 </p:sldLayout>
 </file>
 
 <file path=ppt/slideLayouts/slideLayout9.xml><?xml version="1.0" encoding="utf-8"?>
-<p:sldLayout xmlns:a="http://schemas.openxmlformats.org/drawingml/2006/main" xmlns:r="http://schemas.openxmlformats.org/officeDocument/2006/relationships" xmlns:p="http://schemas.openxmlformats.org/presentationml/2006/main" xmlns:m="http://schemas.openxmlformats.org/officeDocument/2006/math" xmlns:a14="http://schemas.microsoft.com/office/drawing/2010/main" type="tx" showMasterSp="1" showMasterPhAnim="1">
+<p:sldLayout xmlns:a="http://schemas.openxmlformats.org/drawingml/2006/main" xmlns:r="http://schemas.openxmlformats.org/officeDocument/2006/relationships" xmlns:p="http://schemas.openxmlformats.org/presentationml/2006/main" type="tx">
   <p:cSld name="Picture with Caption">
     <p:spTree>
       <p:nvGrpSpPr>
@@ -1660,7 +1716,9 @@
       <p:sp>
         <p:nvSpPr>
           <p:cNvPr id="82" name="Title Text"/>
-          <p:cNvSpPr txBox="1"/>
+          <p:cNvSpPr txBox="1">
+            <a:spLocks noGrp="1"/>
+          </p:cNvSpPr>
           <p:nvPr>
             <p:ph type="title"/>
           </p:nvPr>
@@ -1678,11 +1736,10 @@
           <a:bodyPr anchor="b"/>
           <a:lstStyle>
             <a:lvl1pPr algn="l">
-              <a:defRPr b="1" sz="2000"/>
+              <a:defRPr sz="2000" b="1"/>
             </a:lvl1pPr>
           </a:lstStyle>
           <a:p>
-            <a:pPr/>
             <a:r>
               <a:t>Title Text</a:t>
             </a:r>
@@ -1692,7 +1749,9 @@
       <p:sp>
         <p:nvSpPr>
           <p:cNvPr id="83" name="Picture Placeholder 2"/>
-          <p:cNvSpPr/>
+          <p:cNvSpPr>
+            <a:spLocks noGrp="1"/>
+          </p:cNvSpPr>
           <p:nvPr>
             <p:ph type="pic" sz="quarter" idx="21"/>
           </p:nvPr>
@@ -1712,14 +1771,16 @@
           </a:bodyPr>
           <a:lstStyle/>
           <a:p>
-            <a:pPr/>
+            <a:endParaRPr/>
           </a:p>
         </p:txBody>
       </p:sp>
       <p:sp>
         <p:nvSpPr>
           <p:cNvPr id="84" name="Body Level One…"/>
-          <p:cNvSpPr txBox="1"/>
+          <p:cNvSpPr txBox="1">
+            <a:spLocks noGrp="1"/>
+          </p:cNvSpPr>
           <p:nvPr>
             <p:ph type="body" sz="quarter" idx="1"/>
           </p:nvPr>
@@ -1783,7 +1844,6 @@
             </a:lvl5pPr>
           </a:lstStyle>
           <a:p>
-            <a:pPr/>
             <a:r>
               <a:t>Body Level One</a:t>
             </a:r>
@@ -1817,7 +1877,9 @@
       <p:sp>
         <p:nvSpPr>
           <p:cNvPr id="85" name="Slide Number"/>
-          <p:cNvSpPr txBox="1"/>
+          <p:cNvSpPr txBox="1">
+            <a:spLocks noGrp="1"/>
+          </p:cNvSpPr>
           <p:nvPr>
             <p:ph type="sldNum" sz="quarter" idx="2"/>
           </p:nvPr>
@@ -1831,8 +1893,10 @@
           <a:bodyPr/>
           <a:lstStyle/>
           <a:p>
-            <a:pPr/>
-            <a:fld id="{86CB4B4D-7CA3-9044-876B-883B54F8677D}" type="slidenum"/>
+            <a:fld id="{86CB4B4D-7CA3-9044-876B-883B54F8677D}" type="slidenum">
+              <a:t>‹#›</a:t>
+            </a:fld>
+            <a:endParaRPr/>
           </a:p>
         </p:txBody>
       </p:sp>
@@ -1841,18 +1905,19 @@
   <p:clrMapOvr>
     <a:masterClrMapping/>
   </p:clrMapOvr>
-  <p:transition xmlns:p14="http://schemas.microsoft.com/office/powerpoint/2010/main" spd="med" advClick="1"/>
+  <p:transition spd="med"/>
 </p:sldLayout>
 </file>
 
 <file path=ppt/slideMasters/slideMaster1.xml><?xml version="1.0" encoding="utf-8"?>
-<p:sldMaster xmlns:a="http://schemas.openxmlformats.org/drawingml/2006/main" xmlns:r="http://schemas.openxmlformats.org/officeDocument/2006/relationships" xmlns:p="http://schemas.openxmlformats.org/presentationml/2006/main" xmlns:m="http://schemas.openxmlformats.org/officeDocument/2006/math" xmlns:a14="http://schemas.microsoft.com/office/drawing/2010/main">
+<p:sldMaster xmlns:a="http://schemas.openxmlformats.org/drawingml/2006/main" xmlns:r="http://schemas.openxmlformats.org/officeDocument/2006/relationships" xmlns:p="http://schemas.openxmlformats.org/presentationml/2006/main">
   <p:cSld>
     <p:bg>
       <p:bgPr>
         <a:solidFill>
           <a:srgbClr val="FFFFFF"/>
         </a:solidFill>
+        <a:effectLst/>
       </p:bgPr>
     </p:bg>
     <p:spTree>
@@ -1872,7 +1937,9 @@
       <p:sp>
         <p:nvSpPr>
           <p:cNvPr id="2" name="Title Text"/>
-          <p:cNvSpPr txBox="1"/>
+          <p:cNvSpPr txBox="1">
+            <a:spLocks noGrp="1"/>
+          </p:cNvSpPr>
           <p:nvPr>
             <p:ph type="title"/>
           </p:nvPr>
@@ -1890,17 +1957,16 @@
           </a:ln>
           <a:extLst>
             <a:ext uri="{C572A759-6A51-4108-AA02-DFA0A04FC94B}">
-              <ma14:wrappingTextBoxFlag xmlns:ma14="http://schemas.microsoft.com/office/mac/drawingml/2011/main" val="1"/>
+              <ma14:wrappingTextBoxFlag xmlns:ma14="http://schemas.microsoft.com/office/mac/drawingml/2011/main" xmlns:a14="http://schemas.microsoft.com/office/drawing/2010/main" xmlns:m="http://schemas.openxmlformats.org/officeDocument/2006/math" xmlns="" val="1"/>
             </a:ext>
           </a:extLst>
         </p:spPr>
         <p:txBody>
           <a:bodyPr lIns="45719" rIns="45719" anchor="ctr">
-            <a:normAutofit fontScale="100000" lnSpcReduction="0"/>
+            <a:normAutofit/>
           </a:bodyPr>
           <a:lstStyle/>
           <a:p>
-            <a:pPr/>
             <a:r>
               <a:t>Title Text</a:t>
             </a:r>
@@ -1910,7 +1976,9 @@
       <p:sp>
         <p:nvSpPr>
           <p:cNvPr id="3" name="Body Level One…"/>
-          <p:cNvSpPr txBox="1"/>
+          <p:cNvSpPr txBox="1">
+            <a:spLocks noGrp="1"/>
+          </p:cNvSpPr>
           <p:nvPr>
             <p:ph type="body" idx="1"/>
           </p:nvPr>
@@ -1928,17 +1996,16 @@
           </a:ln>
           <a:extLst>
             <a:ext uri="{C572A759-6A51-4108-AA02-DFA0A04FC94B}">
-              <ma14:wrappingTextBoxFlag xmlns:ma14="http://schemas.microsoft.com/office/mac/drawingml/2011/main" val="1"/>
+              <ma14:wrappingTextBoxFlag xmlns:ma14="http://schemas.microsoft.com/office/mac/drawingml/2011/main" xmlns:a14="http://schemas.microsoft.com/office/drawing/2010/main" xmlns:m="http://schemas.openxmlformats.org/officeDocument/2006/math" xmlns="" val="1"/>
             </a:ext>
           </a:extLst>
         </p:spPr>
         <p:txBody>
           <a:bodyPr lIns="45719" rIns="45719">
-            <a:normAutofit fontScale="100000" lnSpcReduction="0"/>
+            <a:normAutofit/>
           </a:bodyPr>
           <a:lstStyle/>
           <a:p>
-            <a:pPr/>
             <a:r>
               <a:t>Body Level One</a:t>
             </a:r>
@@ -1972,7 +2039,9 @@
       <p:sp>
         <p:nvSpPr>
           <p:cNvPr id="4" name="Slide Number"/>
-          <p:cNvSpPr txBox="1"/>
+          <p:cNvSpPr txBox="1">
+            <a:spLocks noGrp="1"/>
+          </p:cNvSpPr>
           <p:nvPr>
             <p:ph type="sldNum" sz="quarter" idx="2"/>
           </p:nvPr>
@@ -2003,8 +2072,10 @@
             </a:lvl1pPr>
           </a:lstStyle>
           <a:p>
-            <a:pPr/>
-            <a:fld id="{86CB4B4D-7CA3-9044-876B-883B54F8677D}" type="slidenum"/>
+            <a:fld id="{86CB4B4D-7CA3-9044-876B-883B54F8677D}" type="slidenum">
+              <a:t>‹#›</a:t>
+            </a:fld>
+            <a:endParaRPr/>
           </a:p>
         </p:txBody>
       </p:sp>
@@ -2012,17 +2083,17 @@
   </p:cSld>
   <p:clrMap bg1="lt1" tx1="dk1" bg2="lt2" tx2="dk2" accent1="accent1" accent2="accent2" accent3="accent3" accent4="accent4" accent5="accent5" accent6="accent6" hlink="hlink" folHlink="folHlink"/>
   <p:sldLayoutIdLst>
-    <p:sldLayoutId id="2147483649" r:id="rId2"/>
-    <p:sldLayoutId id="2147483650" r:id="rId3"/>
-    <p:sldLayoutId id="2147483651" r:id="rId4"/>
-    <p:sldLayoutId id="2147483652" r:id="rId5"/>
-    <p:sldLayoutId id="2147483653" r:id="rId6"/>
-    <p:sldLayoutId id="2147483654" r:id="rId7"/>
-    <p:sldLayoutId id="2147483655" r:id="rId8"/>
-    <p:sldLayoutId id="2147483656" r:id="rId9"/>
-    <p:sldLayoutId id="2147483657" r:id="rId10"/>
+    <p:sldLayoutId id="2147483649" r:id="rId1"/>
+    <p:sldLayoutId id="2147483650" r:id="rId2"/>
+    <p:sldLayoutId id="2147483651" r:id="rId3"/>
+    <p:sldLayoutId id="2147483652" r:id="rId4"/>
+    <p:sldLayoutId id="2147483653" r:id="rId5"/>
+    <p:sldLayoutId id="2147483654" r:id="rId6"/>
+    <p:sldLayoutId id="2147483655" r:id="rId7"/>
+    <p:sldLayoutId id="2147483656" r:id="rId8"/>
+    <p:sldLayoutId id="2147483657" r:id="rId9"/>
   </p:sldLayoutIdLst>
-  <p:transition xmlns:p14="http://schemas.microsoft.com/office/powerpoint/2010/main" spd="med" advClick="1"/>
+  <p:transition spd="med"/>
   <p:txStyles>
     <p:titleStyle>
       <a:lvl1pPr marL="0" marR="0" indent="0" algn="ctr" defTabSz="914400" rtl="0" latinLnBrk="0">
@@ -2040,7 +2111,7 @@
         <a:buFontTx/>
         <a:buNone/>
         <a:tabLst/>
-        <a:defRPr b="0" baseline="0" cap="none" i="0" spc="0" strike="noStrike" sz="4400" u="none">
+        <a:defRPr sz="4400" b="0" i="0" u="none" strike="noStrike" cap="none" spc="0" baseline="0">
           <a:solidFill>
             <a:srgbClr val="000000"/>
           </a:solidFill>
@@ -2066,7 +2137,7 @@
         <a:buFontTx/>
         <a:buNone/>
         <a:tabLst/>
-        <a:defRPr b="0" baseline="0" cap="none" i="0" spc="0" strike="noStrike" sz="4400" u="none">
+        <a:defRPr sz="4400" b="0" i="0" u="none" strike="noStrike" cap="none" spc="0" baseline="0">
           <a:solidFill>
             <a:srgbClr val="000000"/>
           </a:solidFill>
@@ -2092,7 +2163,7 @@
         <a:buFontTx/>
         <a:buNone/>
         <a:tabLst/>
-        <a:defRPr b="0" baseline="0" cap="none" i="0" spc="0" strike="noStrike" sz="4400" u="none">
+        <a:defRPr sz="4400" b="0" i="0" u="none" strike="noStrike" cap="none" spc="0" baseline="0">
           <a:solidFill>
             <a:srgbClr val="000000"/>
           </a:solidFill>
@@ -2118,7 +2189,7 @@
         <a:buFontTx/>
         <a:buNone/>
         <a:tabLst/>
-        <a:defRPr b="0" baseline="0" cap="none" i="0" spc="0" strike="noStrike" sz="4400" u="none">
+        <a:defRPr sz="4400" b="0" i="0" u="none" strike="noStrike" cap="none" spc="0" baseline="0">
           <a:solidFill>
             <a:srgbClr val="000000"/>
           </a:solidFill>
@@ -2144,7 +2215,7 @@
         <a:buFontTx/>
         <a:buNone/>
         <a:tabLst/>
-        <a:defRPr b="0" baseline="0" cap="none" i="0" spc="0" strike="noStrike" sz="4400" u="none">
+        <a:defRPr sz="4400" b="0" i="0" u="none" strike="noStrike" cap="none" spc="0" baseline="0">
           <a:solidFill>
             <a:srgbClr val="000000"/>
           </a:solidFill>
@@ -2170,7 +2241,7 @@
         <a:buFontTx/>
         <a:buNone/>
         <a:tabLst/>
-        <a:defRPr b="0" baseline="0" cap="none" i="0" spc="0" strike="noStrike" sz="4400" u="none">
+        <a:defRPr sz="4400" b="0" i="0" u="none" strike="noStrike" cap="none" spc="0" baseline="0">
           <a:solidFill>
             <a:srgbClr val="000000"/>
           </a:solidFill>
@@ -2196,7 +2267,7 @@
         <a:buFontTx/>
         <a:buNone/>
         <a:tabLst/>
-        <a:defRPr b="0" baseline="0" cap="none" i="0" spc="0" strike="noStrike" sz="4400" u="none">
+        <a:defRPr sz="4400" b="0" i="0" u="none" strike="noStrike" cap="none" spc="0" baseline="0">
           <a:solidFill>
             <a:srgbClr val="000000"/>
           </a:solidFill>
@@ -2222,7 +2293,7 @@
         <a:buFontTx/>
         <a:buNone/>
         <a:tabLst/>
-        <a:defRPr b="0" baseline="0" cap="none" i="0" spc="0" strike="noStrike" sz="4400" u="none">
+        <a:defRPr sz="4400" b="0" i="0" u="none" strike="noStrike" cap="none" spc="0" baseline="0">
           <a:solidFill>
             <a:srgbClr val="000000"/>
           </a:solidFill>
@@ -2248,7 +2319,7 @@
         <a:buFontTx/>
         <a:buNone/>
         <a:tabLst/>
-        <a:defRPr b="0" baseline="0" cap="none" i="0" spc="0" strike="noStrike" sz="4400" u="none">
+        <a:defRPr sz="4400" b="0" i="0" u="none" strike="noStrike" cap="none" spc="0" baseline="0">
           <a:solidFill>
             <a:srgbClr val="000000"/>
           </a:solidFill>
@@ -2276,7 +2347,7 @@
         <a:buFont typeface="Arial"/>
         <a:buChar char="•"/>
         <a:tabLst/>
-        <a:defRPr b="0" baseline="0" cap="none" i="0" spc="0" strike="noStrike" sz="3200" u="none">
+        <a:defRPr sz="3200" b="0" i="0" u="none" strike="noStrike" cap="none" spc="0" baseline="0">
           <a:solidFill>
             <a:srgbClr val="000000"/>
           </a:solidFill>
@@ -2302,7 +2373,7 @@
         <a:buFont typeface="Arial"/>
         <a:buChar char="–"/>
         <a:tabLst/>
-        <a:defRPr b="0" baseline="0" cap="none" i="0" spc="0" strike="noStrike" sz="3200" u="none">
+        <a:defRPr sz="3200" b="0" i="0" u="none" strike="noStrike" cap="none" spc="0" baseline="0">
           <a:solidFill>
             <a:srgbClr val="000000"/>
           </a:solidFill>
@@ -2328,7 +2399,7 @@
         <a:buFont typeface="Arial"/>
         <a:buChar char="•"/>
         <a:tabLst/>
-        <a:defRPr b="0" baseline="0" cap="none" i="0" spc="0" strike="noStrike" sz="3200" u="none">
+        <a:defRPr sz="3200" b="0" i="0" u="none" strike="noStrike" cap="none" spc="0" baseline="0">
           <a:solidFill>
             <a:srgbClr val="000000"/>
           </a:solidFill>
@@ -2354,7 +2425,7 @@
         <a:buFont typeface="Arial"/>
         <a:buChar char="–"/>
         <a:tabLst/>
-        <a:defRPr b="0" baseline="0" cap="none" i="0" spc="0" strike="noStrike" sz="3200" u="none">
+        <a:defRPr sz="3200" b="0" i="0" u="none" strike="noStrike" cap="none" spc="0" baseline="0">
           <a:solidFill>
             <a:srgbClr val="000000"/>
           </a:solidFill>
@@ -2380,7 +2451,7 @@
         <a:buFont typeface="Arial"/>
         <a:buChar char="»"/>
         <a:tabLst/>
-        <a:defRPr b="0" baseline="0" cap="none" i="0" spc="0" strike="noStrike" sz="3200" u="none">
+        <a:defRPr sz="3200" b="0" i="0" u="none" strike="noStrike" cap="none" spc="0" baseline="0">
           <a:solidFill>
             <a:srgbClr val="000000"/>
           </a:solidFill>
@@ -2406,7 +2477,7 @@
         <a:buFont typeface="Arial"/>
         <a:buChar char="•"/>
         <a:tabLst/>
-        <a:defRPr b="0" baseline="0" cap="none" i="0" spc="0" strike="noStrike" sz="3200" u="none">
+        <a:defRPr sz="3200" b="0" i="0" u="none" strike="noStrike" cap="none" spc="0" baseline="0">
           <a:solidFill>
             <a:srgbClr val="000000"/>
           </a:solidFill>
@@ -2432,7 +2503,7 @@
         <a:buFont typeface="Arial"/>
         <a:buChar char="•"/>
         <a:tabLst/>
-        <a:defRPr b="0" baseline="0" cap="none" i="0" spc="0" strike="noStrike" sz="3200" u="none">
+        <a:defRPr sz="3200" b="0" i="0" u="none" strike="noStrike" cap="none" spc="0" baseline="0">
           <a:solidFill>
             <a:srgbClr val="000000"/>
           </a:solidFill>
@@ -2458,7 +2529,7 @@
         <a:buFont typeface="Arial"/>
         <a:buChar char="•"/>
         <a:tabLst/>
-        <a:defRPr b="0" baseline="0" cap="none" i="0" spc="0" strike="noStrike" sz="3200" u="none">
+        <a:defRPr sz="3200" b="0" i="0" u="none" strike="noStrike" cap="none" spc="0" baseline="0">
           <a:solidFill>
             <a:srgbClr val="000000"/>
           </a:solidFill>
@@ -2484,7 +2555,7 @@
         <a:buFont typeface="Arial"/>
         <a:buChar char="•"/>
         <a:tabLst/>
-        <a:defRPr b="0" baseline="0" cap="none" i="0" spc="0" strike="noStrike" sz="3200" u="none">
+        <a:defRPr sz="3200" b="0" i="0" u="none" strike="noStrike" cap="none" spc="0" baseline="0">
           <a:solidFill>
             <a:srgbClr val="000000"/>
           </a:solidFill>
@@ -2512,7 +2583,7 @@
         <a:buFontTx/>
         <a:buNone/>
         <a:tabLst/>
-        <a:defRPr b="0" baseline="0" cap="none" i="0" spc="0" strike="noStrike" sz="1200" u="none">
+        <a:defRPr sz="1200" b="0" i="0" u="none" strike="noStrike" cap="none" spc="0" baseline="0">
           <a:solidFill>
             <a:schemeClr val="tx1"/>
           </a:solidFill>
@@ -2538,7 +2609,7 @@
         <a:buFontTx/>
         <a:buNone/>
         <a:tabLst/>
-        <a:defRPr b="0" baseline="0" cap="none" i="0" spc="0" strike="noStrike" sz="1200" u="none">
+        <a:defRPr sz="1200" b="0" i="0" u="none" strike="noStrike" cap="none" spc="0" baseline="0">
           <a:solidFill>
             <a:schemeClr val="tx1"/>
           </a:solidFill>
@@ -2564,7 +2635,7 @@
         <a:buFontTx/>
         <a:buNone/>
         <a:tabLst/>
-        <a:defRPr b="0" baseline="0" cap="none" i="0" spc="0" strike="noStrike" sz="1200" u="none">
+        <a:defRPr sz="1200" b="0" i="0" u="none" strike="noStrike" cap="none" spc="0" baseline="0">
           <a:solidFill>
             <a:schemeClr val="tx1"/>
           </a:solidFill>
@@ -2590,7 +2661,7 @@
         <a:buFontTx/>
         <a:buNone/>
         <a:tabLst/>
-        <a:defRPr b="0" baseline="0" cap="none" i="0" spc="0" strike="noStrike" sz="1200" u="none">
+        <a:defRPr sz="1200" b="0" i="0" u="none" strike="noStrike" cap="none" spc="0" baseline="0">
           <a:solidFill>
             <a:schemeClr val="tx1"/>
           </a:solidFill>
@@ -2616,7 +2687,7 @@
         <a:buFontTx/>
         <a:buNone/>
         <a:tabLst/>
-        <a:defRPr b="0" baseline="0" cap="none" i="0" spc="0" strike="noStrike" sz="1200" u="none">
+        <a:defRPr sz="1200" b="0" i="0" u="none" strike="noStrike" cap="none" spc="0" baseline="0">
           <a:solidFill>
             <a:schemeClr val="tx1"/>
           </a:solidFill>
@@ -2642,7 +2713,7 @@
         <a:buFontTx/>
         <a:buNone/>
         <a:tabLst/>
-        <a:defRPr b="0" baseline="0" cap="none" i="0" spc="0" strike="noStrike" sz="1200" u="none">
+        <a:defRPr sz="1200" b="0" i="0" u="none" strike="noStrike" cap="none" spc="0" baseline="0">
           <a:solidFill>
             <a:schemeClr val="tx1"/>
           </a:solidFill>
@@ -2668,7 +2739,7 @@
         <a:buFontTx/>
         <a:buNone/>
         <a:tabLst/>
-        <a:defRPr b="0" baseline="0" cap="none" i="0" spc="0" strike="noStrike" sz="1200" u="none">
+        <a:defRPr sz="1200" b="0" i="0" u="none" strike="noStrike" cap="none" spc="0" baseline="0">
           <a:solidFill>
             <a:schemeClr val="tx1"/>
           </a:solidFill>
@@ -2694,7 +2765,7 @@
         <a:buFontTx/>
         <a:buNone/>
         <a:tabLst/>
-        <a:defRPr b="0" baseline="0" cap="none" i="0" spc="0" strike="noStrike" sz="1200" u="none">
+        <a:defRPr sz="1200" b="0" i="0" u="none" strike="noStrike" cap="none" spc="0" baseline="0">
           <a:solidFill>
             <a:schemeClr val="tx1"/>
           </a:solidFill>
@@ -2720,7 +2791,7 @@
         <a:buFontTx/>
         <a:buNone/>
         <a:tabLst/>
-        <a:defRPr b="0" baseline="0" cap="none" i="0" spc="0" strike="noStrike" sz="1200" u="none">
+        <a:defRPr sz="1200" b="0" i="0" u="none" strike="noStrike" cap="none" spc="0" baseline="0">
           <a:solidFill>
             <a:schemeClr val="tx1"/>
           </a:solidFill>
@@ -2737,13 +2808,14 @@
 </file>
 
 <file path=ppt/slides/slide1.xml><?xml version="1.0" encoding="utf-8"?>
-<p:sld xmlns:a="http://schemas.openxmlformats.org/drawingml/2006/main" xmlns:r="http://schemas.openxmlformats.org/officeDocument/2006/relationships" xmlns:p="http://schemas.openxmlformats.org/presentationml/2006/main" xmlns:m="http://schemas.openxmlformats.org/officeDocument/2006/math" xmlns:a14="http://schemas.microsoft.com/office/drawing/2010/main" showMasterSp="1" showMasterPhAnim="1">
+<p:sld xmlns:a="http://schemas.openxmlformats.org/drawingml/2006/main" xmlns:r="http://schemas.openxmlformats.org/officeDocument/2006/relationships" xmlns:p="http://schemas.openxmlformats.org/presentationml/2006/main">
   <p:cSld>
     <p:bg>
       <p:bgPr>
         <a:solidFill>
           <a:srgbClr val="92A2CC"/>
         </a:solidFill>
+        <a:effectLst/>
       </p:bgPr>
     </p:bg>
     <p:spTree>
@@ -2791,7 +2863,7 @@
             </a:cxnLst>
             <a:rect l="0" t="0" r="r" b="b"/>
             <a:pathLst>
-              <a:path w="21600" h="21600" fill="norm" stroke="1" extrusionOk="0">
+              <a:path w="21600" h="21600" extrusionOk="0">
                 <a:moveTo>
                   <a:pt x="3762" y="0"/>
                 </a:moveTo>
@@ -2847,7 +2919,7 @@
           <a:bodyPr lIns="45719" rIns="45719"/>
           <a:lstStyle/>
           <a:p>
-            <a:pPr/>
+            <a:endParaRPr/>
           </a:p>
         </p:txBody>
       </p:sp>
@@ -2882,7 +2954,7 @@
             </a:cxnLst>
             <a:rect l="0" t="0" r="r" b="b"/>
             <a:pathLst>
-              <a:path w="21600" h="21600" fill="norm" stroke="1" extrusionOk="0">
+              <a:path w="21600" h="21600" extrusionOk="0">
                 <a:moveTo>
                   <a:pt x="2339" y="0"/>
                 </a:moveTo>
@@ -2953,7 +3025,7 @@
           <a:bodyPr lIns="45719" rIns="45719"/>
           <a:lstStyle/>
           <a:p>
-            <a:pPr/>
+            <a:endParaRPr/>
           </a:p>
         </p:txBody>
       </p:sp>
@@ -2988,7 +3060,7 @@
             </a:cxnLst>
             <a:rect l="0" t="0" r="r" b="b"/>
             <a:pathLst>
-              <a:path w="21600" h="21600" fill="norm" stroke="1" extrusionOk="0">
+              <a:path w="21600" h="21600" extrusionOk="0">
                 <a:moveTo>
                   <a:pt x="155" y="0"/>
                 </a:moveTo>
@@ -3039,7 +3111,7 @@
           <a:bodyPr lIns="45719" rIns="45719"/>
           <a:lstStyle/>
           <a:p>
-            <a:pPr/>
+            <a:endParaRPr/>
           </a:p>
         </p:txBody>
       </p:sp>
@@ -3074,7 +3146,7 @@
             </a:cxnLst>
             <a:rect l="0" t="0" r="r" b="b"/>
             <a:pathLst>
-              <a:path w="21600" h="21600" fill="norm" stroke="1" extrusionOk="0">
+              <a:path w="21600" h="21600" extrusionOk="0">
                 <a:moveTo>
                   <a:pt x="772" y="0"/>
                 </a:moveTo>
@@ -3125,7 +3197,7 @@
           <a:bodyPr lIns="45719" rIns="45719"/>
           <a:lstStyle/>
           <a:p>
-            <a:pPr/>
+            <a:endParaRPr/>
           </a:p>
         </p:txBody>
       </p:sp>
@@ -3174,7 +3246,7 @@
               </a:cxnLst>
               <a:rect l="0" t="0" r="r" b="b"/>
               <a:pathLst>
-                <a:path w="21600" h="21600" fill="norm" stroke="1" extrusionOk="0">
+                <a:path w="21600" h="21600" extrusionOk="0">
                   <a:moveTo>
                     <a:pt x="18555" y="0"/>
                   </a:moveTo>
@@ -3341,7 +3413,7 @@
             </a:bodyPr>
             <a:lstStyle/>
             <a:p>
-              <a:pPr/>
+              <a:endParaRPr/>
             </a:p>
           </p:txBody>
         </p:sp>
@@ -3376,7 +3448,7 @@
               </a:cxnLst>
               <a:rect l="0" t="0" r="r" b="b"/>
               <a:pathLst>
-                <a:path w="21588" h="21600" fill="norm" stroke="1" extrusionOk="0">
+                <a:path w="21588" h="21600" extrusionOk="0">
                   <a:moveTo>
                     <a:pt x="19578" y="0"/>
                   </a:moveTo>
@@ -3452,7 +3524,7 @@
               <a:round/>
             </a:ln>
             <a:effectLst>
-              <a:outerShdw sx="100000" sy="100000" kx="0" ky="0" algn="b" rotWithShape="0" blurRad="38100" dist="23000" dir="5400000">
+              <a:outerShdw blurRad="38100" dist="23000" dir="5400000" rotWithShape="0">
                 <a:srgbClr val="000000">
                   <a:alpha val="35000"/>
                 </a:srgbClr>
@@ -3472,6 +3544,7 @@
                   </a:solidFill>
                 </a:defRPr>
               </a:pPr>
+              <a:endParaRPr dirty="0"/>
             </a:p>
           </p:txBody>
         </p:sp>
@@ -3506,7 +3579,7 @@
               </a:cxnLst>
               <a:rect l="0" t="0" r="r" b="b"/>
               <a:pathLst>
-                <a:path w="21600" h="21600" fill="norm" stroke="1" extrusionOk="0">
+                <a:path w="21600" h="21600" extrusionOk="0">
                   <a:moveTo>
                     <a:pt x="20260" y="0"/>
                   </a:moveTo>
@@ -3555,7 +3628,7 @@
             </a:bodyPr>
             <a:lstStyle/>
             <a:p>
-              <a:pPr/>
+              <a:endParaRPr/>
             </a:p>
           </p:txBody>
         </p:sp>
@@ -3590,7 +3663,7 @@
               </a:cxnLst>
               <a:rect l="0" t="0" r="r" b="b"/>
               <a:pathLst>
-                <a:path w="20676" h="21566" fill="norm" stroke="1" extrusionOk="0">
+                <a:path w="20676" h="21566" extrusionOk="0">
                   <a:moveTo>
                     <a:pt x="10338" y="0"/>
                   </a:moveTo>
@@ -3643,7 +3716,7 @@
             </a:bodyPr>
             <a:lstStyle/>
             <a:p>
-              <a:pPr/>
+              <a:endParaRPr/>
             </a:p>
           </p:txBody>
         </p:sp>
@@ -3678,7 +3751,7 @@
               </a:cxnLst>
               <a:rect l="0" t="0" r="r" b="b"/>
               <a:pathLst>
-                <a:path w="21600" h="21600" fill="norm" stroke="1" extrusionOk="0">
+                <a:path w="21600" h="21600" extrusionOk="0">
                   <a:moveTo>
                     <a:pt x="0" y="2700"/>
                   </a:moveTo>
@@ -3717,7 +3790,7 @@
             </a:bodyPr>
             <a:lstStyle/>
             <a:p>
-              <a:pPr/>
+              <a:endParaRPr/>
             </a:p>
           </p:txBody>
         </p:sp>
@@ -3752,7 +3825,7 @@
               </a:cxnLst>
               <a:rect l="0" t="0" r="r" b="b"/>
               <a:pathLst>
-                <a:path w="21600" h="21600" fill="norm" stroke="1" extrusionOk="0">
+                <a:path w="21600" h="21600" extrusionOk="0">
                   <a:moveTo>
                     <a:pt x="0" y="1497"/>
                   </a:moveTo>
@@ -3791,7 +3864,7 @@
             </a:bodyPr>
             <a:lstStyle/>
             <a:p>
-              <a:pPr/>
+              <a:endParaRPr/>
             </a:p>
           </p:txBody>
         </p:sp>
@@ -3826,7 +3899,7 @@
               </a:cxnLst>
               <a:rect l="0" t="0" r="r" b="b"/>
               <a:pathLst>
-                <a:path w="21600" h="21600" fill="norm" stroke="1" extrusionOk="0">
+                <a:path w="21600" h="21600" extrusionOk="0">
                   <a:moveTo>
                     <a:pt x="0" y="1563"/>
                   </a:moveTo>
@@ -3865,7 +3938,7 @@
             </a:bodyPr>
             <a:lstStyle/>
             <a:p>
-              <a:pPr/>
+              <a:endParaRPr/>
             </a:p>
           </p:txBody>
         </p:sp>
@@ -3900,7 +3973,7 @@
               </a:cxnLst>
               <a:rect l="0" t="0" r="r" b="b"/>
               <a:pathLst>
-                <a:path w="21600" h="21600" fill="norm" stroke="1" extrusionOk="0">
+                <a:path w="21600" h="21600" extrusionOk="0">
                   <a:moveTo>
                     <a:pt x="0" y="0"/>
                   </a:moveTo>
@@ -3939,7 +4012,7 @@
             </a:bodyPr>
             <a:lstStyle/>
             <a:p>
-              <a:pPr/>
+              <a:endParaRPr/>
             </a:p>
           </p:txBody>
         </p:sp>
@@ -3974,7 +4047,7 @@
               </a:cxnLst>
               <a:rect l="0" t="0" r="r" b="b"/>
               <a:pathLst>
-                <a:path w="21600" h="21600" fill="norm" stroke="1" extrusionOk="0">
+                <a:path w="21600" h="21600" extrusionOk="0">
                   <a:moveTo>
                     <a:pt x="21600" y="4938"/>
                   </a:moveTo>
@@ -4141,7 +4214,7 @@
             </a:bodyPr>
             <a:lstStyle/>
             <a:p>
-              <a:pPr/>
+              <a:endParaRPr/>
             </a:p>
           </p:txBody>
         </p:sp>
@@ -4154,7 +4227,7 @@
         </p:nvSpPr>
         <p:spPr>
           <a:xfrm>
-            <a:off x="1113629" y="5629693"/>
+            <a:off x="780555" y="5629692"/>
             <a:ext cx="1808660" cy="2006836"/>
           </a:xfrm>
           <a:prstGeom prst="rect">
@@ -4174,7 +4247,7 @@
           <a:bodyPr lIns="45719" rIns="45719"/>
           <a:lstStyle/>
           <a:p>
-            <a:pPr/>
+            <a:endParaRPr/>
           </a:p>
         </p:txBody>
       </p:sp>
@@ -4197,7 +4270,7 @@
           </a:ln>
           <a:extLst>
             <a:ext uri="{C572A759-6A51-4108-AA02-DFA0A04FC94B}">
-              <ma14:wrappingTextBoxFlag xmlns:ma14="http://schemas.microsoft.com/office/mac/drawingml/2011/main" val="1"/>
+              <ma14:wrappingTextBoxFlag xmlns:ma14="http://schemas.microsoft.com/office/mac/drawingml/2011/main" xmlns:a14="http://schemas.microsoft.com/office/drawing/2010/main" xmlns:m="http://schemas.openxmlformats.org/officeDocument/2006/math" xmlns="" val="1"/>
             </a:ext>
           </a:extLst>
         </p:spPr>
@@ -4210,7 +4283,7 @@
               <a:lnSpc>
                 <a:spcPts val="4100"/>
               </a:lnSpc>
-              <a:defRPr spc="195" sz="2900">
+              <a:defRPr sz="2900" spc="195">
                 <a:solidFill>
                   <a:srgbClr val="2B2A2A"/>
                 </a:solidFill>
@@ -4222,7 +4295,6 @@
             </a:lvl1pPr>
           </a:lstStyle>
           <a:p>
-            <a:pPr/>
             <a:r>
               <a:t>REVOLUTIONIZING MOBILE PAYMENTS</a:t>
             </a:r>
@@ -4248,7 +4320,7 @@
           </a:ln>
           <a:extLst>
             <a:ext uri="{C572A759-6A51-4108-AA02-DFA0A04FC94B}">
-              <ma14:wrappingTextBoxFlag xmlns:ma14="http://schemas.microsoft.com/office/mac/drawingml/2011/main" val="1"/>
+              <ma14:wrappingTextBoxFlag xmlns:ma14="http://schemas.microsoft.com/office/mac/drawingml/2011/main" xmlns:a14="http://schemas.microsoft.com/office/drawing/2010/main" xmlns:m="http://schemas.openxmlformats.org/officeDocument/2006/math" xmlns="" val="1"/>
             </a:ext>
           </a:extLst>
         </p:spPr>
@@ -4273,7 +4345,6 @@
             </a:lvl1pPr>
           </a:lstStyle>
           <a:p>
-            <a:pPr/>
             <a:r>
               <a:t>Minterate</a:t>
             </a:r>
@@ -4299,7 +4370,7 @@
           </a:ln>
           <a:extLst>
             <a:ext uri="{C572A759-6A51-4108-AA02-DFA0A04FC94B}">
-              <ma14:wrappingTextBoxFlag xmlns:ma14="http://schemas.microsoft.com/office/mac/drawingml/2011/main" val="1"/>
+              <ma14:wrappingTextBoxFlag xmlns:ma14="http://schemas.microsoft.com/office/mac/drawingml/2011/main" xmlns:a14="http://schemas.microsoft.com/office/drawing/2010/main" xmlns:m="http://schemas.openxmlformats.org/officeDocument/2006/math" xmlns="" val="1"/>
             </a:ext>
           </a:extLst>
         </p:spPr>
@@ -4324,7 +4395,6 @@
             </a:lvl1pPr>
           </a:lstStyle>
           <a:p>
-            <a:pPr/>
             <a:r>
               <a:t>Payment App</a:t>
             </a:r>
@@ -4339,7 +4409,7 @@
         </p:nvSpPr>
         <p:spPr>
           <a:xfrm>
-            <a:off x="1113629" y="7760352"/>
+            <a:off x="812351" y="7889654"/>
             <a:ext cx="1806604" cy="255775"/>
           </a:xfrm>
           <a:prstGeom prst="rect">
@@ -4350,7 +4420,7 @@
           </a:ln>
           <a:extLst>
             <a:ext uri="{C572A759-6A51-4108-AA02-DFA0A04FC94B}">
-              <ma14:wrappingTextBoxFlag xmlns:ma14="http://schemas.microsoft.com/office/mac/drawingml/2011/main" val="1"/>
+              <ma14:wrappingTextBoxFlag xmlns:ma14="http://schemas.microsoft.com/office/mac/drawingml/2011/main" xmlns:a14="http://schemas.microsoft.com/office/drawing/2010/main" xmlns:m="http://schemas.openxmlformats.org/officeDocument/2006/math" xmlns="" val="1"/>
             </a:ext>
           </a:extLst>
         </p:spPr>
@@ -4375,8 +4445,8 @@
             </a:lvl1pPr>
           </a:lstStyle>
           <a:p>
-            <a:pPr/>
             <a:r>
+              <a:rPr dirty="0"/>
               <a:t>Payment App</a:t>
             </a:r>
           </a:p>
@@ -4401,7 +4471,7 @@
           </a:ln>
           <a:extLst>
             <a:ext uri="{C572A759-6A51-4108-AA02-DFA0A04FC94B}">
-              <ma14:wrappingTextBoxFlag xmlns:ma14="http://schemas.microsoft.com/office/mac/drawingml/2011/main" val="1"/>
+              <ma14:wrappingTextBoxFlag xmlns:ma14="http://schemas.microsoft.com/office/mac/drawingml/2011/main" xmlns:a14="http://schemas.microsoft.com/office/drawing/2010/main" xmlns:m="http://schemas.openxmlformats.org/officeDocument/2006/math" xmlns="" val="1"/>
             </a:ext>
           </a:extLst>
         </p:spPr>
@@ -4423,7 +4493,6 @@
             </a:lvl1pPr>
           </a:lstStyle>
           <a:p>
-            <a:pPr/>
             <a:r>
               <a:t>[24A10357]   Natali Dahary     205871049</a:t>
             </a:r>
@@ -4449,7 +4518,7 @@
           </a:ln>
           <a:extLst>
             <a:ext uri="{C572A759-6A51-4108-AA02-DFA0A04FC94B}">
-              <ma14:wrappingTextBoxFlag xmlns:ma14="http://schemas.microsoft.com/office/mac/drawingml/2011/main" val="1"/>
+              <ma14:wrappingTextBoxFlag xmlns:ma14="http://schemas.microsoft.com/office/mac/drawingml/2011/main" xmlns:a14="http://schemas.microsoft.com/office/drawing/2010/main" xmlns:m="http://schemas.openxmlformats.org/officeDocument/2006/math" xmlns="" val="1"/>
             </a:ext>
           </a:extLst>
         </p:spPr>
@@ -4471,7 +4540,6 @@
             </a:lvl1pPr>
           </a:lstStyle>
           <a:p>
-            <a:pPr/>
             <a:r>
               <a:t>[24A10357]   Shalev Sharabi   313287823</a:t>
             </a:r>
@@ -4486,7 +4554,7 @@
         </p:nvSpPr>
         <p:spPr>
           <a:xfrm>
-            <a:off x="511156" y="4567709"/>
+            <a:off x="119495" y="4530940"/>
             <a:ext cx="3192317" cy="824390"/>
           </a:xfrm>
           <a:prstGeom prst="rect">
@@ -4506,7 +4574,7 @@
           <a:bodyPr lIns="45719" rIns="45719"/>
           <a:lstStyle/>
           <a:p>
-            <a:pPr/>
+            <a:endParaRPr/>
           </a:p>
         </p:txBody>
       </p:sp>
@@ -4515,18 +4583,19 @@
   <p:clrMapOvr>
     <a:masterClrMapping/>
   </p:clrMapOvr>
-  <p:transition xmlns:p14="http://schemas.microsoft.com/office/powerpoint/2010/main" spd="med" advClick="1"/>
+  <p:transition spd="med"/>
 </p:sld>
 </file>
 
 <file path=ppt/slides/slide10.xml><?xml version="1.0" encoding="utf-8"?>
-<p:sld xmlns:a="http://schemas.openxmlformats.org/drawingml/2006/main" xmlns:r="http://schemas.openxmlformats.org/officeDocument/2006/relationships" xmlns:p="http://schemas.openxmlformats.org/presentationml/2006/main" xmlns:m="http://schemas.openxmlformats.org/officeDocument/2006/math" xmlns:a14="http://schemas.microsoft.com/office/drawing/2010/main" showMasterSp="1" showMasterPhAnim="1">
+<p:sld xmlns:a="http://schemas.openxmlformats.org/drawingml/2006/main" xmlns:r="http://schemas.openxmlformats.org/officeDocument/2006/relationships" xmlns:p="http://schemas.openxmlformats.org/presentationml/2006/main">
   <p:cSld>
     <p:bg>
       <p:bgPr>
         <a:solidFill>
           <a:srgbClr val="92A2CC"/>
         </a:solidFill>
+        <a:effectLst/>
       </p:bgPr>
     </p:bg>
     <p:spTree>
@@ -4574,7 +4643,7 @@
             </a:cxnLst>
             <a:rect l="0" t="0" r="r" b="b"/>
             <a:pathLst>
-              <a:path w="21600" h="21600" fill="norm" stroke="1" extrusionOk="0">
+              <a:path w="21600" h="21600" extrusionOk="0">
                 <a:moveTo>
                   <a:pt x="3762" y="0"/>
                 </a:moveTo>
@@ -4630,7 +4699,7 @@
           <a:bodyPr lIns="45719" rIns="45719"/>
           <a:lstStyle/>
           <a:p>
-            <a:pPr/>
+            <a:endParaRPr/>
           </a:p>
         </p:txBody>
       </p:sp>
@@ -4665,7 +4734,7 @@
             </a:cxnLst>
             <a:rect l="0" t="0" r="r" b="b"/>
             <a:pathLst>
-              <a:path w="21600" h="21600" fill="norm" stroke="1" extrusionOk="0">
+              <a:path w="21600" h="21600" extrusionOk="0">
                 <a:moveTo>
                   <a:pt x="251" y="0"/>
                 </a:moveTo>
@@ -4716,7 +4785,7 @@
           <a:bodyPr lIns="45719" rIns="45719"/>
           <a:lstStyle/>
           <a:p>
-            <a:pPr/>
+            <a:endParaRPr/>
           </a:p>
         </p:txBody>
       </p:sp>
@@ -4748,7 +4817,7 @@
           <a:bodyPr lIns="45719" rIns="45719"/>
           <a:lstStyle/>
           <a:p>
-            <a:pPr/>
+            <a:endParaRPr/>
           </a:p>
         </p:txBody>
       </p:sp>
@@ -4780,7 +4849,7 @@
           <a:bodyPr lIns="45719" rIns="45719"/>
           <a:lstStyle/>
           <a:p>
-            <a:pPr/>
+            <a:endParaRPr/>
           </a:p>
         </p:txBody>
       </p:sp>
@@ -4812,7 +4881,7 @@
           <a:bodyPr lIns="45719" rIns="45719"/>
           <a:lstStyle/>
           <a:p>
-            <a:pPr/>
+            <a:endParaRPr/>
           </a:p>
         </p:txBody>
       </p:sp>
@@ -4844,7 +4913,7 @@
           <a:bodyPr lIns="45719" rIns="45719"/>
           <a:lstStyle/>
           <a:p>
-            <a:pPr/>
+            <a:endParaRPr/>
           </a:p>
         </p:txBody>
       </p:sp>
@@ -4867,7 +4936,7 @@
           </a:ln>
           <a:extLst>
             <a:ext uri="{C572A759-6A51-4108-AA02-DFA0A04FC94B}">
-              <ma14:wrappingTextBoxFlag xmlns:ma14="http://schemas.microsoft.com/office/mac/drawingml/2011/main" val="1"/>
+              <ma14:wrappingTextBoxFlag xmlns:ma14="http://schemas.microsoft.com/office/mac/drawingml/2011/main" xmlns:a14="http://schemas.microsoft.com/office/drawing/2010/main" xmlns:m="http://schemas.openxmlformats.org/officeDocument/2006/math" xmlns="" val="1"/>
             </a:ext>
           </a:extLst>
         </p:spPr>
@@ -4892,7 +4961,6 @@
             </a:lvl1pPr>
           </a:lstStyle>
           <a:p>
-            <a:pPr/>
             <a:r>
               <a:t>User's personal menu</a:t>
             </a:r>
@@ -4927,7 +4995,7 @@
           <a:bodyPr lIns="45719" rIns="45719"/>
           <a:lstStyle/>
           <a:p>
-            <a:pPr/>
+            <a:endParaRPr/>
           </a:p>
         </p:txBody>
       </p:sp>
@@ -4936,18 +5004,19 @@
   <p:clrMapOvr>
     <a:masterClrMapping/>
   </p:clrMapOvr>
-  <p:transition xmlns:p14="http://schemas.microsoft.com/office/powerpoint/2010/main" spd="med" advClick="1"/>
+  <p:transition spd="med"/>
 </p:sld>
 </file>
 
 <file path=ppt/slides/slide11.xml><?xml version="1.0" encoding="utf-8"?>
-<p:sld xmlns:a="http://schemas.openxmlformats.org/drawingml/2006/main" xmlns:r="http://schemas.openxmlformats.org/officeDocument/2006/relationships" xmlns:p="http://schemas.openxmlformats.org/presentationml/2006/main" xmlns:m="http://schemas.openxmlformats.org/officeDocument/2006/math" xmlns:a14="http://schemas.microsoft.com/office/drawing/2010/main" showMasterSp="1" showMasterPhAnim="1">
+<p:sld xmlns:a="http://schemas.openxmlformats.org/drawingml/2006/main" xmlns:r="http://schemas.openxmlformats.org/officeDocument/2006/relationships" xmlns:p="http://schemas.openxmlformats.org/presentationml/2006/main">
   <p:cSld>
     <p:bg>
       <p:bgPr>
         <a:solidFill>
           <a:srgbClr val="92A2CC"/>
         </a:solidFill>
+        <a:effectLst/>
       </p:bgPr>
     </p:bg>
     <p:spTree>
@@ -4995,7 +5064,7 @@
             </a:cxnLst>
             <a:rect l="0" t="0" r="r" b="b"/>
             <a:pathLst>
-              <a:path w="21600" h="21600" fill="norm" stroke="1" extrusionOk="0">
+              <a:path w="21600" h="21600" extrusionOk="0">
                 <a:moveTo>
                   <a:pt x="3762" y="0"/>
                 </a:moveTo>
@@ -5051,7 +5120,7 @@
           <a:bodyPr lIns="45719" rIns="45719"/>
           <a:lstStyle/>
           <a:p>
-            <a:pPr/>
+            <a:endParaRPr/>
           </a:p>
         </p:txBody>
       </p:sp>
@@ -5086,7 +5155,7 @@
             </a:cxnLst>
             <a:rect l="0" t="0" r="r" b="b"/>
             <a:pathLst>
-              <a:path w="21600" h="21600" fill="norm" stroke="1" extrusionOk="0">
+              <a:path w="21600" h="21600" extrusionOk="0">
                 <a:moveTo>
                   <a:pt x="251" y="0"/>
                 </a:moveTo>
@@ -5137,7 +5206,7 @@
           <a:bodyPr lIns="45719" rIns="45719"/>
           <a:lstStyle/>
           <a:p>
-            <a:pPr/>
+            <a:endParaRPr/>
           </a:p>
         </p:txBody>
       </p:sp>
@@ -5169,7 +5238,7 @@
           <a:bodyPr lIns="45719" rIns="45719"/>
           <a:lstStyle/>
           <a:p>
-            <a:pPr/>
+            <a:endParaRPr/>
           </a:p>
         </p:txBody>
       </p:sp>
@@ -5201,7 +5270,7 @@
           <a:bodyPr lIns="45719" rIns="45719"/>
           <a:lstStyle/>
           <a:p>
-            <a:pPr/>
+            <a:endParaRPr/>
           </a:p>
         </p:txBody>
       </p:sp>
@@ -5233,7 +5302,7 @@
           <a:bodyPr lIns="45719" rIns="45719"/>
           <a:lstStyle/>
           <a:p>
-            <a:pPr/>
+            <a:endParaRPr/>
           </a:p>
         </p:txBody>
       </p:sp>
@@ -5265,7 +5334,7 @@
           <a:bodyPr lIns="45719" rIns="45719"/>
           <a:lstStyle/>
           <a:p>
-            <a:pPr/>
+            <a:endParaRPr/>
           </a:p>
         </p:txBody>
       </p:sp>
@@ -5288,7 +5357,7 @@
           </a:ln>
           <a:extLst>
             <a:ext uri="{C572A759-6A51-4108-AA02-DFA0A04FC94B}">
-              <ma14:wrappingTextBoxFlag xmlns:ma14="http://schemas.microsoft.com/office/mac/drawingml/2011/main" val="1"/>
+              <ma14:wrappingTextBoxFlag xmlns:ma14="http://schemas.microsoft.com/office/mac/drawingml/2011/main" xmlns:a14="http://schemas.microsoft.com/office/drawing/2010/main" xmlns:m="http://schemas.openxmlformats.org/officeDocument/2006/math" xmlns="" val="1"/>
             </a:ext>
           </a:extLst>
         </p:spPr>
@@ -5313,7 +5382,6 @@
             </a:lvl1pPr>
           </a:lstStyle>
           <a:p>
-            <a:pPr/>
             <a:r>
               <a:t>User settings menu</a:t>
             </a:r>
@@ -5348,7 +5416,7 @@
           <a:bodyPr lIns="45719" rIns="45719"/>
           <a:lstStyle/>
           <a:p>
-            <a:pPr/>
+            <a:endParaRPr/>
           </a:p>
         </p:txBody>
       </p:sp>
@@ -5357,18 +5425,19 @@
   <p:clrMapOvr>
     <a:masterClrMapping/>
   </p:clrMapOvr>
-  <p:transition xmlns:p14="http://schemas.microsoft.com/office/powerpoint/2010/main" spd="med" advClick="1"/>
+  <p:transition spd="med"/>
 </p:sld>
 </file>
 
 <file path=ppt/slides/slide12.xml><?xml version="1.0" encoding="utf-8"?>
-<p:sld xmlns:a="http://schemas.openxmlformats.org/drawingml/2006/main" xmlns:r="http://schemas.openxmlformats.org/officeDocument/2006/relationships" xmlns:p="http://schemas.openxmlformats.org/presentationml/2006/main" xmlns:m="http://schemas.openxmlformats.org/officeDocument/2006/math" xmlns:a14="http://schemas.microsoft.com/office/drawing/2010/main" showMasterSp="1" showMasterPhAnim="1">
+<p:sld xmlns:a="http://schemas.openxmlformats.org/drawingml/2006/main" xmlns:r="http://schemas.openxmlformats.org/officeDocument/2006/relationships" xmlns:p="http://schemas.openxmlformats.org/presentationml/2006/main">
   <p:cSld>
     <p:bg>
       <p:bgPr>
         <a:solidFill>
           <a:srgbClr val="92A2CC"/>
         </a:solidFill>
+        <a:effectLst/>
       </p:bgPr>
     </p:bg>
     <p:spTree>
@@ -5416,7 +5485,7 @@
             </a:cxnLst>
             <a:rect l="0" t="0" r="r" b="b"/>
             <a:pathLst>
-              <a:path w="21600" h="21600" fill="norm" stroke="1" extrusionOk="0">
+              <a:path w="21600" h="21600" extrusionOk="0">
                 <a:moveTo>
                   <a:pt x="3762" y="0"/>
                 </a:moveTo>
@@ -5472,7 +5541,7 @@
           <a:bodyPr lIns="45719" rIns="45719"/>
           <a:lstStyle/>
           <a:p>
-            <a:pPr/>
+            <a:endParaRPr/>
           </a:p>
         </p:txBody>
       </p:sp>
@@ -5507,7 +5576,7 @@
             </a:cxnLst>
             <a:rect l="0" t="0" r="r" b="b"/>
             <a:pathLst>
-              <a:path w="21600" h="21600" fill="norm" stroke="1" extrusionOk="0">
+              <a:path w="21600" h="21600" extrusionOk="0">
                 <a:moveTo>
                   <a:pt x="251" y="0"/>
                 </a:moveTo>
@@ -5558,7 +5627,7 @@
           <a:bodyPr lIns="45719" rIns="45719"/>
           <a:lstStyle/>
           <a:p>
-            <a:pPr/>
+            <a:endParaRPr/>
           </a:p>
         </p:txBody>
       </p:sp>
@@ -5590,7 +5659,7 @@
           <a:bodyPr lIns="45719" rIns="45719"/>
           <a:lstStyle/>
           <a:p>
-            <a:pPr/>
+            <a:endParaRPr/>
           </a:p>
         </p:txBody>
       </p:sp>
@@ -5622,7 +5691,7 @@
           <a:bodyPr lIns="45719" rIns="45719"/>
           <a:lstStyle/>
           <a:p>
-            <a:pPr/>
+            <a:endParaRPr/>
           </a:p>
         </p:txBody>
       </p:sp>
@@ -5654,7 +5723,7 @@
           <a:bodyPr lIns="45719" rIns="45719"/>
           <a:lstStyle/>
           <a:p>
-            <a:pPr/>
+            <a:endParaRPr/>
           </a:p>
         </p:txBody>
       </p:sp>
@@ -5677,7 +5746,7 @@
           </a:ln>
           <a:extLst>
             <a:ext uri="{C572A759-6A51-4108-AA02-DFA0A04FC94B}">
-              <ma14:wrappingTextBoxFlag xmlns:ma14="http://schemas.microsoft.com/office/mac/drawingml/2011/main" val="1"/>
+              <ma14:wrappingTextBoxFlag xmlns:ma14="http://schemas.microsoft.com/office/mac/drawingml/2011/main" xmlns:a14="http://schemas.microsoft.com/office/drawing/2010/main" xmlns:m="http://schemas.openxmlformats.org/officeDocument/2006/math" xmlns="" val="1"/>
             </a:ext>
           </a:extLst>
         </p:spPr>
@@ -5702,7 +5771,6 @@
             </a:lvl1pPr>
           </a:lstStyle>
           <a:p>
-            <a:pPr/>
             <a:r>
               <a:t>User settings menu</a:t>
             </a:r>
@@ -5737,7 +5805,7 @@
           <a:bodyPr lIns="45719" rIns="45719"/>
           <a:lstStyle/>
           <a:p>
-            <a:pPr/>
+            <a:endParaRPr/>
           </a:p>
         </p:txBody>
       </p:sp>
@@ -5746,18 +5814,19 @@
   <p:clrMapOvr>
     <a:masterClrMapping/>
   </p:clrMapOvr>
-  <p:transition xmlns:p14="http://schemas.microsoft.com/office/powerpoint/2010/main" spd="med" advClick="1"/>
+  <p:transition spd="med"/>
 </p:sld>
 </file>
 
 <file path=ppt/slides/slide13.xml><?xml version="1.0" encoding="utf-8"?>
-<p:sld xmlns:a="http://schemas.openxmlformats.org/drawingml/2006/main" xmlns:r="http://schemas.openxmlformats.org/officeDocument/2006/relationships" xmlns:p="http://schemas.openxmlformats.org/presentationml/2006/main" xmlns:m="http://schemas.openxmlformats.org/officeDocument/2006/math" xmlns:a14="http://schemas.microsoft.com/office/drawing/2010/main" showMasterSp="1" showMasterPhAnim="1">
+<p:sld xmlns:a="http://schemas.openxmlformats.org/drawingml/2006/main" xmlns:r="http://schemas.openxmlformats.org/officeDocument/2006/relationships" xmlns:p="http://schemas.openxmlformats.org/presentationml/2006/main">
   <p:cSld>
     <p:bg>
       <p:bgPr>
         <a:solidFill>
           <a:srgbClr val="92A2CC"/>
         </a:solidFill>
+        <a:effectLst/>
       </p:bgPr>
     </p:bg>
     <p:spTree>
@@ -5805,7 +5874,7 @@
             </a:cxnLst>
             <a:rect l="0" t="0" r="r" b="b"/>
             <a:pathLst>
-              <a:path w="21600" h="21600" fill="norm" stroke="1" extrusionOk="0">
+              <a:path w="21600" h="21600" extrusionOk="0">
                 <a:moveTo>
                   <a:pt x="3762" y="0"/>
                 </a:moveTo>
@@ -5861,7 +5930,7 @@
           <a:bodyPr lIns="45719" rIns="45719"/>
           <a:lstStyle/>
           <a:p>
-            <a:pPr/>
+            <a:endParaRPr/>
           </a:p>
         </p:txBody>
       </p:sp>
@@ -5896,7 +5965,7 @@
             </a:cxnLst>
             <a:rect l="0" t="0" r="r" b="b"/>
             <a:pathLst>
-              <a:path w="21600" h="21600" fill="norm" stroke="1" extrusionOk="0">
+              <a:path w="21600" h="21600" extrusionOk="0">
                 <a:moveTo>
                   <a:pt x="251" y="0"/>
                 </a:moveTo>
@@ -5947,7 +6016,7 @@
           <a:bodyPr lIns="45719" rIns="45719"/>
           <a:lstStyle/>
           <a:p>
-            <a:pPr/>
+            <a:endParaRPr/>
           </a:p>
         </p:txBody>
       </p:sp>
@@ -5979,7 +6048,7 @@
           <a:bodyPr lIns="45719" rIns="45719"/>
           <a:lstStyle/>
           <a:p>
-            <a:pPr/>
+            <a:endParaRPr/>
           </a:p>
         </p:txBody>
       </p:sp>
@@ -6011,7 +6080,7 @@
           <a:bodyPr lIns="45719" rIns="45719"/>
           <a:lstStyle/>
           <a:p>
-            <a:pPr/>
+            <a:endParaRPr/>
           </a:p>
         </p:txBody>
       </p:sp>
@@ -6043,7 +6112,7 @@
           <a:bodyPr lIns="45719" rIns="45719"/>
           <a:lstStyle/>
           <a:p>
-            <a:pPr/>
+            <a:endParaRPr/>
           </a:p>
         </p:txBody>
       </p:sp>
@@ -6066,7 +6135,7 @@
           </a:ln>
           <a:extLst>
             <a:ext uri="{C572A759-6A51-4108-AA02-DFA0A04FC94B}">
-              <ma14:wrappingTextBoxFlag xmlns:ma14="http://schemas.microsoft.com/office/mac/drawingml/2011/main" val="1"/>
+              <ma14:wrappingTextBoxFlag xmlns:ma14="http://schemas.microsoft.com/office/mac/drawingml/2011/main" xmlns:a14="http://schemas.microsoft.com/office/drawing/2010/main" xmlns:m="http://schemas.openxmlformats.org/officeDocument/2006/math" xmlns="" val="1"/>
             </a:ext>
           </a:extLst>
         </p:spPr>
@@ -6091,7 +6160,6 @@
             </a:lvl1pPr>
           </a:lstStyle>
           <a:p>
-            <a:pPr/>
             <a:r>
               <a:t>Option to give a loan</a:t>
             </a:r>
@@ -6126,7 +6194,7 @@
           <a:bodyPr lIns="45719" rIns="45719"/>
           <a:lstStyle/>
           <a:p>
-            <a:pPr/>
+            <a:endParaRPr/>
           </a:p>
         </p:txBody>
       </p:sp>
@@ -6149,7 +6217,7 @@
           </a:ln>
           <a:extLst>
             <a:ext uri="{C572A759-6A51-4108-AA02-DFA0A04FC94B}">
-              <ma14:wrappingTextBoxFlag xmlns:ma14="http://schemas.microsoft.com/office/mac/drawingml/2011/main" val="1"/>
+              <ma14:wrappingTextBoxFlag xmlns:ma14="http://schemas.microsoft.com/office/mac/drawingml/2011/main" xmlns:a14="http://schemas.microsoft.com/office/drawing/2010/main" xmlns:m="http://schemas.openxmlformats.org/officeDocument/2006/math" xmlns="" val="1"/>
             </a:ext>
           </a:extLst>
         </p:spPr>
@@ -6174,7 +6242,6 @@
             </a:lvl1pPr>
           </a:lstStyle>
           <a:p>
-            <a:pPr/>
             <a:r>
               <a:t>Application Screens</a:t>
             </a:r>
@@ -6186,18 +6253,19 @@
   <p:clrMapOvr>
     <a:masterClrMapping/>
   </p:clrMapOvr>
-  <p:transition xmlns:p14="http://schemas.microsoft.com/office/powerpoint/2010/main" spd="med" advClick="1"/>
+  <p:transition spd="med"/>
 </p:sld>
 </file>
 
 <file path=ppt/slides/slide14.xml><?xml version="1.0" encoding="utf-8"?>
-<p:sld xmlns:a="http://schemas.openxmlformats.org/drawingml/2006/main" xmlns:r="http://schemas.openxmlformats.org/officeDocument/2006/relationships" xmlns:p="http://schemas.openxmlformats.org/presentationml/2006/main" xmlns:m="http://schemas.openxmlformats.org/officeDocument/2006/math" xmlns:a14="http://schemas.microsoft.com/office/drawing/2010/main" showMasterSp="1" showMasterPhAnim="1">
+<p:sld xmlns:a="http://schemas.openxmlformats.org/drawingml/2006/main" xmlns:r="http://schemas.openxmlformats.org/officeDocument/2006/relationships" xmlns:p="http://schemas.openxmlformats.org/presentationml/2006/main">
   <p:cSld>
     <p:bg>
       <p:bgPr>
         <a:solidFill>
           <a:srgbClr val="92A2CC"/>
         </a:solidFill>
+        <a:effectLst/>
       </p:bgPr>
     </p:bg>
     <p:spTree>
@@ -6245,7 +6313,7 @@
             </a:cxnLst>
             <a:rect l="0" t="0" r="r" b="b"/>
             <a:pathLst>
-              <a:path w="21600" h="21600" fill="norm" stroke="1" extrusionOk="0">
+              <a:path w="21600" h="21600" extrusionOk="0">
                 <a:moveTo>
                   <a:pt x="3762" y="0"/>
                 </a:moveTo>
@@ -6301,7 +6369,7 @@
           <a:bodyPr lIns="45719" rIns="45719"/>
           <a:lstStyle/>
           <a:p>
-            <a:pPr/>
+            <a:endParaRPr/>
           </a:p>
         </p:txBody>
       </p:sp>
@@ -6336,7 +6404,7 @@
             </a:cxnLst>
             <a:rect l="0" t="0" r="r" b="b"/>
             <a:pathLst>
-              <a:path w="21600" h="21600" fill="norm" stroke="1" extrusionOk="0">
+              <a:path w="21600" h="21600" extrusionOk="0">
                 <a:moveTo>
                   <a:pt x="251" y="0"/>
                 </a:moveTo>
@@ -6387,7 +6455,7 @@
           <a:bodyPr lIns="45719" rIns="45719"/>
           <a:lstStyle/>
           <a:p>
-            <a:pPr/>
+            <a:endParaRPr/>
           </a:p>
         </p:txBody>
       </p:sp>
@@ -6419,7 +6487,7 @@
           <a:bodyPr lIns="45719" rIns="45719"/>
           <a:lstStyle/>
           <a:p>
-            <a:pPr/>
+            <a:endParaRPr/>
           </a:p>
         </p:txBody>
       </p:sp>
@@ -6451,7 +6519,7 @@
           <a:bodyPr lIns="45719" rIns="45719"/>
           <a:lstStyle/>
           <a:p>
-            <a:pPr/>
+            <a:endParaRPr/>
           </a:p>
         </p:txBody>
       </p:sp>
@@ -6483,7 +6551,7 @@
           <a:bodyPr lIns="45719" rIns="45719"/>
           <a:lstStyle/>
           <a:p>
-            <a:pPr/>
+            <a:endParaRPr/>
           </a:p>
         </p:txBody>
       </p:sp>
@@ -6506,7 +6574,7 @@
           </a:ln>
           <a:extLst>
             <a:ext uri="{C572A759-6A51-4108-AA02-DFA0A04FC94B}">
-              <ma14:wrappingTextBoxFlag xmlns:ma14="http://schemas.microsoft.com/office/mac/drawingml/2011/main" val="1"/>
+              <ma14:wrappingTextBoxFlag xmlns:ma14="http://schemas.microsoft.com/office/mac/drawingml/2011/main" xmlns:a14="http://schemas.microsoft.com/office/drawing/2010/main" xmlns:m="http://schemas.openxmlformats.org/officeDocument/2006/math" xmlns="" val="1"/>
             </a:ext>
           </a:extLst>
         </p:spPr>
@@ -6531,7 +6599,6 @@
             </a:lvl1pPr>
           </a:lstStyle>
           <a:p>
-            <a:pPr/>
             <a:r>
               <a:t>Option to get a loan</a:t>
             </a:r>
@@ -6566,7 +6633,7 @@
           <a:bodyPr lIns="45719" rIns="45719"/>
           <a:lstStyle/>
           <a:p>
-            <a:pPr/>
+            <a:endParaRPr/>
           </a:p>
         </p:txBody>
       </p:sp>
@@ -6575,18 +6642,19 @@
   <p:clrMapOvr>
     <a:masterClrMapping/>
   </p:clrMapOvr>
-  <p:transition xmlns:p14="http://schemas.microsoft.com/office/powerpoint/2010/main" spd="med" advClick="1"/>
+  <p:transition spd="med"/>
 </p:sld>
 </file>
 
 <file path=ppt/slides/slide15.xml><?xml version="1.0" encoding="utf-8"?>
-<p:sld xmlns:a="http://schemas.openxmlformats.org/drawingml/2006/main" xmlns:r="http://schemas.openxmlformats.org/officeDocument/2006/relationships" xmlns:p="http://schemas.openxmlformats.org/presentationml/2006/main" xmlns:m="http://schemas.openxmlformats.org/officeDocument/2006/math" xmlns:a14="http://schemas.microsoft.com/office/drawing/2010/main" showMasterSp="1" showMasterPhAnim="1">
+<p:sld xmlns:a="http://schemas.openxmlformats.org/drawingml/2006/main" xmlns:r="http://schemas.openxmlformats.org/officeDocument/2006/relationships" xmlns:p="http://schemas.openxmlformats.org/presentationml/2006/main">
   <p:cSld>
     <p:bg>
       <p:bgPr>
         <a:solidFill>
           <a:srgbClr val="92A2CC"/>
         </a:solidFill>
+        <a:effectLst/>
       </p:bgPr>
     </p:bg>
     <p:spTree>
@@ -6634,7 +6702,7 @@
             </a:cxnLst>
             <a:rect l="0" t="0" r="r" b="b"/>
             <a:pathLst>
-              <a:path w="21600" h="21600" fill="norm" stroke="1" extrusionOk="0">
+              <a:path w="21600" h="21600" extrusionOk="0">
                 <a:moveTo>
                   <a:pt x="3762" y="0"/>
                 </a:moveTo>
@@ -6690,7 +6758,7 @@
           <a:bodyPr lIns="45719" rIns="45719"/>
           <a:lstStyle/>
           <a:p>
-            <a:pPr/>
+            <a:endParaRPr/>
           </a:p>
         </p:txBody>
       </p:sp>
@@ -6725,7 +6793,7 @@
             </a:cxnLst>
             <a:rect l="0" t="0" r="r" b="b"/>
             <a:pathLst>
-              <a:path w="21600" h="21600" fill="norm" stroke="1" extrusionOk="0">
+              <a:path w="21600" h="21600" extrusionOk="0">
                 <a:moveTo>
                   <a:pt x="251" y="0"/>
                 </a:moveTo>
@@ -6776,7 +6844,7 @@
           <a:bodyPr lIns="45719" rIns="45719"/>
           <a:lstStyle/>
           <a:p>
-            <a:pPr/>
+            <a:endParaRPr/>
           </a:p>
         </p:txBody>
       </p:sp>
@@ -6808,7 +6876,7 @@
           <a:bodyPr lIns="45719" rIns="45719"/>
           <a:lstStyle/>
           <a:p>
-            <a:pPr/>
+            <a:endParaRPr/>
           </a:p>
         </p:txBody>
       </p:sp>
@@ -6840,7 +6908,7 @@
           <a:bodyPr lIns="45719" rIns="45719"/>
           <a:lstStyle/>
           <a:p>
-            <a:pPr/>
+            <a:endParaRPr/>
           </a:p>
         </p:txBody>
       </p:sp>
@@ -6872,7 +6940,7 @@
           <a:bodyPr lIns="45719" rIns="45719"/>
           <a:lstStyle/>
           <a:p>
-            <a:pPr/>
+            <a:endParaRPr/>
           </a:p>
         </p:txBody>
       </p:sp>
@@ -6895,7 +6963,7 @@
           </a:ln>
           <a:extLst>
             <a:ext uri="{C572A759-6A51-4108-AA02-DFA0A04FC94B}">
-              <ma14:wrappingTextBoxFlag xmlns:ma14="http://schemas.microsoft.com/office/mac/drawingml/2011/main" val="1"/>
+              <ma14:wrappingTextBoxFlag xmlns:ma14="http://schemas.microsoft.com/office/mac/drawingml/2011/main" xmlns:a14="http://schemas.microsoft.com/office/drawing/2010/main" xmlns:m="http://schemas.openxmlformats.org/officeDocument/2006/math" xmlns="" val="1"/>
             </a:ext>
           </a:extLst>
         </p:spPr>
@@ -6920,7 +6988,6 @@
             </a:lvl1pPr>
           </a:lstStyle>
           <a:p>
-            <a:pPr/>
             <a:r>
               <a:t>Option to get a loan</a:t>
             </a:r>
@@ -6955,7 +7022,7 @@
           <a:bodyPr lIns="45719" rIns="45719"/>
           <a:lstStyle/>
           <a:p>
-            <a:pPr/>
+            <a:endParaRPr/>
           </a:p>
         </p:txBody>
       </p:sp>
@@ -6964,18 +7031,19 @@
   <p:clrMapOvr>
     <a:masterClrMapping/>
   </p:clrMapOvr>
-  <p:transition xmlns:p14="http://schemas.microsoft.com/office/powerpoint/2010/main" spd="med" advClick="1"/>
+  <p:transition spd="med"/>
 </p:sld>
 </file>
 
 <file path=ppt/slides/slide16.xml><?xml version="1.0" encoding="utf-8"?>
-<p:sld xmlns:a="http://schemas.openxmlformats.org/drawingml/2006/main" xmlns:r="http://schemas.openxmlformats.org/officeDocument/2006/relationships" xmlns:p="http://schemas.openxmlformats.org/presentationml/2006/main" xmlns:m="http://schemas.openxmlformats.org/officeDocument/2006/math" xmlns:a14="http://schemas.microsoft.com/office/drawing/2010/main" showMasterSp="1" showMasterPhAnim="1">
+<p:sld xmlns:a="http://schemas.openxmlformats.org/drawingml/2006/main" xmlns:r="http://schemas.openxmlformats.org/officeDocument/2006/relationships" xmlns:p="http://schemas.openxmlformats.org/presentationml/2006/main">
   <p:cSld>
     <p:bg>
       <p:bgPr>
         <a:solidFill>
           <a:srgbClr val="92A2CC"/>
         </a:solidFill>
+        <a:effectLst/>
       </p:bgPr>
     </p:bg>
     <p:spTree>
@@ -7023,7 +7091,7 @@
             </a:cxnLst>
             <a:rect l="0" t="0" r="r" b="b"/>
             <a:pathLst>
-              <a:path w="21600" h="21600" fill="norm" stroke="1" extrusionOk="0">
+              <a:path w="21600" h="21600" extrusionOk="0">
                 <a:moveTo>
                   <a:pt x="3762" y="0"/>
                 </a:moveTo>
@@ -7079,7 +7147,7 @@
           <a:bodyPr lIns="45719" rIns="45719"/>
           <a:lstStyle/>
           <a:p>
-            <a:pPr/>
+            <a:endParaRPr/>
           </a:p>
         </p:txBody>
       </p:sp>
@@ -7114,7 +7182,7 @@
             </a:cxnLst>
             <a:rect l="0" t="0" r="r" b="b"/>
             <a:pathLst>
-              <a:path w="21600" h="21600" fill="norm" stroke="1" extrusionOk="0">
+              <a:path w="21600" h="21600" extrusionOk="0">
                 <a:moveTo>
                   <a:pt x="251" y="0"/>
                 </a:moveTo>
@@ -7165,7 +7233,7 @@
           <a:bodyPr lIns="45719" rIns="45719"/>
           <a:lstStyle/>
           <a:p>
-            <a:pPr/>
+            <a:endParaRPr/>
           </a:p>
         </p:txBody>
       </p:sp>
@@ -7197,7 +7265,7 @@
           <a:bodyPr lIns="45719" rIns="45719"/>
           <a:lstStyle/>
           <a:p>
-            <a:pPr/>
+            <a:endParaRPr/>
           </a:p>
         </p:txBody>
       </p:sp>
@@ -7229,7 +7297,7 @@
           <a:bodyPr lIns="45719" rIns="45719"/>
           <a:lstStyle/>
           <a:p>
-            <a:pPr/>
+            <a:endParaRPr/>
           </a:p>
         </p:txBody>
       </p:sp>
@@ -7261,7 +7329,7 @@
           <a:bodyPr lIns="45719" rIns="45719"/>
           <a:lstStyle/>
           <a:p>
-            <a:pPr/>
+            <a:endParaRPr/>
           </a:p>
         </p:txBody>
       </p:sp>
@@ -7293,7 +7361,7 @@
           <a:bodyPr lIns="45719" rIns="45719"/>
           <a:lstStyle/>
           <a:p>
-            <a:pPr/>
+            <a:endParaRPr/>
           </a:p>
         </p:txBody>
       </p:sp>
@@ -7316,7 +7384,7 @@
           </a:ln>
           <a:extLst>
             <a:ext uri="{C572A759-6A51-4108-AA02-DFA0A04FC94B}">
-              <ma14:wrappingTextBoxFlag xmlns:ma14="http://schemas.microsoft.com/office/mac/drawingml/2011/main" val="1"/>
+              <ma14:wrappingTextBoxFlag xmlns:ma14="http://schemas.microsoft.com/office/mac/drawingml/2011/main" xmlns:a14="http://schemas.microsoft.com/office/drawing/2010/main" xmlns:m="http://schemas.openxmlformats.org/officeDocument/2006/math" xmlns="" val="1"/>
             </a:ext>
           </a:extLst>
         </p:spPr>
@@ -7341,7 +7409,6 @@
             </a:lvl1pPr>
           </a:lstStyle>
           <a:p>
-            <a:pPr/>
             <a:r>
               <a:t>password reset</a:t>
             </a:r>
@@ -7376,7 +7443,7 @@
           <a:bodyPr lIns="45719" rIns="45719"/>
           <a:lstStyle/>
           <a:p>
-            <a:pPr/>
+            <a:endParaRPr/>
           </a:p>
         </p:txBody>
       </p:sp>
@@ -7385,18 +7452,19 @@
   <p:clrMapOvr>
     <a:masterClrMapping/>
   </p:clrMapOvr>
-  <p:transition xmlns:p14="http://schemas.microsoft.com/office/powerpoint/2010/main" spd="med" advClick="1"/>
+  <p:transition spd="med"/>
 </p:sld>
 </file>
 
 <file path=ppt/slides/slide17.xml><?xml version="1.0" encoding="utf-8"?>
-<p:sld xmlns:a="http://schemas.openxmlformats.org/drawingml/2006/main" xmlns:r="http://schemas.openxmlformats.org/officeDocument/2006/relationships" xmlns:p="http://schemas.openxmlformats.org/presentationml/2006/main" xmlns:m="http://schemas.openxmlformats.org/officeDocument/2006/math" xmlns:a14="http://schemas.microsoft.com/office/drawing/2010/main" showMasterSp="1" showMasterPhAnim="1">
+<p:sld xmlns:a="http://schemas.openxmlformats.org/drawingml/2006/main" xmlns:r="http://schemas.openxmlformats.org/officeDocument/2006/relationships" xmlns:p="http://schemas.openxmlformats.org/presentationml/2006/main">
   <p:cSld>
     <p:bg>
       <p:bgPr>
         <a:solidFill>
           <a:srgbClr val="92A2CC"/>
         </a:solidFill>
+        <a:effectLst/>
       </p:bgPr>
     </p:bg>
     <p:spTree>
@@ -7444,7 +7512,7 @@
             </a:cxnLst>
             <a:rect l="0" t="0" r="r" b="b"/>
             <a:pathLst>
-              <a:path w="21600" h="21600" fill="norm" stroke="1" extrusionOk="0">
+              <a:path w="21600" h="21600" extrusionOk="0">
                 <a:moveTo>
                   <a:pt x="3762" y="0"/>
                 </a:moveTo>
@@ -7500,7 +7568,7 @@
           <a:bodyPr lIns="45719" rIns="45719"/>
           <a:lstStyle/>
           <a:p>
-            <a:pPr/>
+            <a:endParaRPr/>
           </a:p>
         </p:txBody>
       </p:sp>
@@ -7535,7 +7603,7 @@
             </a:cxnLst>
             <a:rect l="0" t="0" r="r" b="b"/>
             <a:pathLst>
-              <a:path w="21600" h="21600" fill="norm" stroke="1" extrusionOk="0">
+              <a:path w="21600" h="21600" extrusionOk="0">
                 <a:moveTo>
                   <a:pt x="2339" y="0"/>
                 </a:moveTo>
@@ -7606,7 +7674,7 @@
           <a:bodyPr lIns="45719" rIns="45719"/>
           <a:lstStyle/>
           <a:p>
-            <a:pPr/>
+            <a:endParaRPr/>
           </a:p>
         </p:txBody>
       </p:sp>
@@ -7641,7 +7709,7 @@
             </a:cxnLst>
             <a:rect l="0" t="0" r="r" b="b"/>
             <a:pathLst>
-              <a:path w="21600" h="21600" fill="norm" stroke="1" extrusionOk="0">
+              <a:path w="21600" h="21600" extrusionOk="0">
                 <a:moveTo>
                   <a:pt x="224" y="0"/>
                 </a:moveTo>
@@ -7712,7 +7780,7 @@
           <a:bodyPr lIns="45719" rIns="45719"/>
           <a:lstStyle/>
           <a:p>
-            <a:pPr/>
+            <a:endParaRPr/>
           </a:p>
         </p:txBody>
       </p:sp>
@@ -7761,7 +7829,7 @@
               </a:cxnLst>
               <a:rect l="0" t="0" r="r" b="b"/>
               <a:pathLst>
-                <a:path w="21600" h="21600" fill="norm" stroke="1" extrusionOk="0">
+                <a:path w="21600" h="21600" extrusionOk="0">
                   <a:moveTo>
                     <a:pt x="18555" y="0"/>
                   </a:moveTo>
@@ -7928,7 +7996,7 @@
             </a:bodyPr>
             <a:lstStyle/>
             <a:p>
-              <a:pPr/>
+              <a:endParaRPr/>
             </a:p>
           </p:txBody>
         </p:sp>
@@ -7963,7 +8031,7 @@
               </a:cxnLst>
               <a:rect l="0" t="0" r="r" b="b"/>
               <a:pathLst>
-                <a:path w="21588" h="21600" fill="norm" stroke="1" extrusionOk="0">
+                <a:path w="21588" h="21600" extrusionOk="0">
                   <a:moveTo>
                     <a:pt x="19578" y="0"/>
                   </a:moveTo>
@@ -8046,7 +8114,7 @@
             </a:bodyPr>
             <a:lstStyle/>
             <a:p>
-              <a:pPr/>
+              <a:endParaRPr/>
             </a:p>
           </p:txBody>
         </p:sp>
@@ -8081,7 +8149,7 @@
               </a:cxnLst>
               <a:rect l="0" t="0" r="r" b="b"/>
               <a:pathLst>
-                <a:path w="21600" h="21600" fill="norm" stroke="1" extrusionOk="0">
+                <a:path w="21600" h="21600" extrusionOk="0">
                   <a:moveTo>
                     <a:pt x="20260" y="0"/>
                   </a:moveTo>
@@ -8130,7 +8198,7 @@
             </a:bodyPr>
             <a:lstStyle/>
             <a:p>
-              <a:pPr/>
+              <a:endParaRPr/>
             </a:p>
           </p:txBody>
         </p:sp>
@@ -8165,7 +8233,7 @@
               </a:cxnLst>
               <a:rect l="0" t="0" r="r" b="b"/>
               <a:pathLst>
-                <a:path w="20676" h="21566" fill="norm" stroke="1" extrusionOk="0">
+                <a:path w="20676" h="21566" extrusionOk="0">
                   <a:moveTo>
                     <a:pt x="10338" y="0"/>
                   </a:moveTo>
@@ -8218,7 +8286,7 @@
             </a:bodyPr>
             <a:lstStyle/>
             <a:p>
-              <a:pPr/>
+              <a:endParaRPr/>
             </a:p>
           </p:txBody>
         </p:sp>
@@ -8253,7 +8321,7 @@
               </a:cxnLst>
               <a:rect l="0" t="0" r="r" b="b"/>
               <a:pathLst>
-                <a:path w="21600" h="21600" fill="norm" stroke="1" extrusionOk="0">
+                <a:path w="21600" h="21600" extrusionOk="0">
                   <a:moveTo>
                     <a:pt x="0" y="2700"/>
                   </a:moveTo>
@@ -8292,7 +8360,7 @@
             </a:bodyPr>
             <a:lstStyle/>
             <a:p>
-              <a:pPr/>
+              <a:endParaRPr/>
             </a:p>
           </p:txBody>
         </p:sp>
@@ -8327,7 +8395,7 @@
               </a:cxnLst>
               <a:rect l="0" t="0" r="r" b="b"/>
               <a:pathLst>
-                <a:path w="21600" h="21600" fill="norm" stroke="1" extrusionOk="0">
+                <a:path w="21600" h="21600" extrusionOk="0">
                   <a:moveTo>
                     <a:pt x="0" y="1497"/>
                   </a:moveTo>
@@ -8366,7 +8434,7 @@
             </a:bodyPr>
             <a:lstStyle/>
             <a:p>
-              <a:pPr/>
+              <a:endParaRPr/>
             </a:p>
           </p:txBody>
         </p:sp>
@@ -8401,7 +8469,7 @@
               </a:cxnLst>
               <a:rect l="0" t="0" r="r" b="b"/>
               <a:pathLst>
-                <a:path w="21600" h="21600" fill="norm" stroke="1" extrusionOk="0">
+                <a:path w="21600" h="21600" extrusionOk="0">
                   <a:moveTo>
                     <a:pt x="0" y="1563"/>
                   </a:moveTo>
@@ -8440,7 +8508,7 @@
             </a:bodyPr>
             <a:lstStyle/>
             <a:p>
-              <a:pPr/>
+              <a:endParaRPr/>
             </a:p>
           </p:txBody>
         </p:sp>
@@ -8475,7 +8543,7 @@
               </a:cxnLst>
               <a:rect l="0" t="0" r="r" b="b"/>
               <a:pathLst>
-                <a:path w="21600" h="21600" fill="norm" stroke="1" extrusionOk="0">
+                <a:path w="21600" h="21600" extrusionOk="0">
                   <a:moveTo>
                     <a:pt x="0" y="0"/>
                   </a:moveTo>
@@ -8514,7 +8582,7 @@
             </a:bodyPr>
             <a:lstStyle/>
             <a:p>
-              <a:pPr/>
+              <a:endParaRPr/>
             </a:p>
           </p:txBody>
         </p:sp>
@@ -8549,7 +8617,7 @@
               </a:cxnLst>
               <a:rect l="0" t="0" r="r" b="b"/>
               <a:pathLst>
-                <a:path w="21600" h="21600" fill="norm" stroke="1" extrusionOk="0">
+                <a:path w="21600" h="21600" extrusionOk="0">
                   <a:moveTo>
                     <a:pt x="21600" y="4938"/>
                   </a:moveTo>
@@ -8716,7 +8784,7 @@
             </a:bodyPr>
             <a:lstStyle/>
             <a:p>
-              <a:pPr/>
+              <a:endParaRPr/>
             </a:p>
           </p:txBody>
         </p:sp>
@@ -8749,7 +8817,7 @@
           <a:bodyPr lIns="45719" rIns="45719"/>
           <a:lstStyle/>
           <a:p>
-            <a:pPr/>
+            <a:endParaRPr/>
           </a:p>
         </p:txBody>
       </p:sp>
@@ -8772,7 +8840,7 @@
           </a:ln>
           <a:extLst>
             <a:ext uri="{C572A759-6A51-4108-AA02-DFA0A04FC94B}">
-              <ma14:wrappingTextBoxFlag xmlns:ma14="http://schemas.microsoft.com/office/mac/drawingml/2011/main" val="1"/>
+              <ma14:wrappingTextBoxFlag xmlns:ma14="http://schemas.microsoft.com/office/mac/drawingml/2011/main" xmlns:a14="http://schemas.microsoft.com/office/drawing/2010/main" xmlns:m="http://schemas.openxmlformats.org/officeDocument/2006/math" xmlns="" val="1"/>
             </a:ext>
           </a:extLst>
         </p:spPr>
@@ -8797,7 +8865,6 @@
             </a:lvl1pPr>
           </a:lstStyle>
           <a:p>
-            <a:pPr/>
             <a:r>
               <a:t>Thanks for listening !</a:t>
             </a:r>
@@ -8823,7 +8890,7 @@
           </a:ln>
           <a:extLst>
             <a:ext uri="{C572A759-6A51-4108-AA02-DFA0A04FC94B}">
-              <ma14:wrappingTextBoxFlag xmlns:ma14="http://schemas.microsoft.com/office/mac/drawingml/2011/main" val="1"/>
+              <ma14:wrappingTextBoxFlag xmlns:ma14="http://schemas.microsoft.com/office/mac/drawingml/2011/main" xmlns:a14="http://schemas.microsoft.com/office/drawing/2010/main" xmlns:m="http://schemas.openxmlformats.org/officeDocument/2006/math" xmlns="" val="1"/>
             </a:ext>
           </a:extLst>
         </p:spPr>
@@ -8848,7 +8915,6 @@
             </a:lvl1pPr>
           </a:lstStyle>
           <a:p>
-            <a:pPr/>
             <a:r>
               <a:t>Payment App</a:t>
             </a:r>
@@ -8883,7 +8949,7 @@
           <a:bodyPr lIns="45719" rIns="45719"/>
           <a:lstStyle/>
           <a:p>
-            <a:pPr/>
+            <a:endParaRPr/>
           </a:p>
         </p:txBody>
       </p:sp>
@@ -8915,7 +8981,7 @@
           <a:bodyPr lIns="45719" rIns="45719"/>
           <a:lstStyle/>
           <a:p>
-            <a:pPr/>
+            <a:endParaRPr/>
           </a:p>
         </p:txBody>
       </p:sp>
@@ -8924,18 +8990,19 @@
   <p:clrMapOvr>
     <a:masterClrMapping/>
   </p:clrMapOvr>
-  <p:transition xmlns:p14="http://schemas.microsoft.com/office/powerpoint/2010/main" spd="med" advClick="1"/>
+  <p:transition spd="med"/>
 </p:sld>
 </file>
 
 <file path=ppt/slides/slide2.xml><?xml version="1.0" encoding="utf-8"?>
-<p:sld xmlns:a="http://schemas.openxmlformats.org/drawingml/2006/main" xmlns:r="http://schemas.openxmlformats.org/officeDocument/2006/relationships" xmlns:p="http://schemas.openxmlformats.org/presentationml/2006/main" xmlns:m="http://schemas.openxmlformats.org/officeDocument/2006/math" xmlns:a14="http://schemas.microsoft.com/office/drawing/2010/main" showMasterSp="1" showMasterPhAnim="1">
+<p:sld xmlns:a="http://schemas.openxmlformats.org/drawingml/2006/main" xmlns:r="http://schemas.openxmlformats.org/officeDocument/2006/relationships" xmlns:p="http://schemas.openxmlformats.org/presentationml/2006/main">
   <p:cSld>
     <p:bg>
       <p:bgPr>
         <a:solidFill>
           <a:srgbClr val="92A2CC"/>
         </a:solidFill>
+        <a:effectLst/>
       </p:bgPr>
     </p:bg>
     <p:spTree>
@@ -8983,7 +9050,7 @@
             </a:cxnLst>
             <a:rect l="0" t="0" r="r" b="b"/>
             <a:pathLst>
-              <a:path w="21600" h="21600" fill="norm" stroke="1" extrusionOk="0">
+              <a:path w="21600" h="21600" extrusionOk="0">
                 <a:moveTo>
                   <a:pt x="3762" y="0"/>
                 </a:moveTo>
@@ -9039,7 +9106,7 @@
           <a:bodyPr lIns="45719" rIns="45719"/>
           <a:lstStyle/>
           <a:p>
-            <a:pPr/>
+            <a:endParaRPr/>
           </a:p>
         </p:txBody>
       </p:sp>
@@ -9074,7 +9141,7 @@
             </a:cxnLst>
             <a:rect l="0" t="0" r="r" b="b"/>
             <a:pathLst>
-              <a:path w="21600" h="21600" fill="norm" stroke="1" extrusionOk="0">
+              <a:path w="21600" h="21600" extrusionOk="0">
                 <a:moveTo>
                   <a:pt x="2339" y="0"/>
                 </a:moveTo>
@@ -9145,7 +9212,7 @@
           <a:bodyPr lIns="45719" rIns="45719"/>
           <a:lstStyle/>
           <a:p>
-            <a:pPr/>
+            <a:endParaRPr/>
           </a:p>
         </p:txBody>
       </p:sp>
@@ -9168,7 +9235,7 @@
           </a:ln>
           <a:extLst>
             <a:ext uri="{C572A759-6A51-4108-AA02-DFA0A04FC94B}">
-              <ma14:wrappingTextBoxFlag xmlns:ma14="http://schemas.microsoft.com/office/mac/drawingml/2011/main" val="1"/>
+              <ma14:wrappingTextBoxFlag xmlns:ma14="http://schemas.microsoft.com/office/mac/drawingml/2011/main" xmlns:a14="http://schemas.microsoft.com/office/drawing/2010/main" xmlns:m="http://schemas.openxmlformats.org/officeDocument/2006/math" xmlns="" val="1"/>
             </a:ext>
           </a:extLst>
         </p:spPr>
@@ -9193,7 +9260,6 @@
             </a:lvl1pPr>
           </a:lstStyle>
           <a:p>
-            <a:pPr/>
             <a:r>
               <a:t>Introduction</a:t>
             </a:r>
@@ -9219,7 +9285,7 @@
           </a:ln>
           <a:extLst>
             <a:ext uri="{C572A759-6A51-4108-AA02-DFA0A04FC94B}">
-              <ma14:wrappingTextBoxFlag xmlns:ma14="http://schemas.microsoft.com/office/mac/drawingml/2011/main" val="1"/>
+              <ma14:wrappingTextBoxFlag xmlns:ma14="http://schemas.microsoft.com/office/mac/drawingml/2011/main" xmlns:a14="http://schemas.microsoft.com/office/drawing/2010/main" xmlns:m="http://schemas.openxmlformats.org/officeDocument/2006/math" xmlns="" val="1"/>
             </a:ext>
           </a:extLst>
         </p:spPr>
@@ -9244,7 +9310,6 @@
             </a:lvl1pPr>
           </a:lstStyle>
           <a:p>
-            <a:pPr/>
             <a:r>
               <a:t>Our project's goal is to develop an advanced client-server architecture for lending. With the increasing costs and interest rates imposed by financial institutions, there is a need for a more accessible and cost-effective lending platform. This system will serve as a leading solution for direct money lending between individuals, providing significant advantages for both borrowers and lenders.</a:t>
             </a:r>
@@ -9296,7 +9361,7 @@
               </a:cxnLst>
               <a:rect l="0" t="0" r="r" b="b"/>
               <a:pathLst>
-                <a:path w="21600" h="21600" fill="norm" stroke="1" extrusionOk="0">
+                <a:path w="21600" h="21600" extrusionOk="0">
                   <a:moveTo>
                     <a:pt x="18555" y="0"/>
                   </a:moveTo>
@@ -9463,7 +9528,7 @@
             </a:bodyPr>
             <a:lstStyle/>
             <a:p>
-              <a:pPr/>
+              <a:endParaRPr/>
             </a:p>
           </p:txBody>
         </p:sp>
@@ -9498,7 +9563,7 @@
               </a:cxnLst>
               <a:rect l="0" t="0" r="r" b="b"/>
               <a:pathLst>
-                <a:path w="21588" h="21600" fill="norm" stroke="1" extrusionOk="0">
+                <a:path w="21588" h="21600" extrusionOk="0">
                   <a:moveTo>
                     <a:pt x="19578" y="0"/>
                   </a:moveTo>
@@ -9581,7 +9646,7 @@
             </a:bodyPr>
             <a:lstStyle/>
             <a:p>
-              <a:pPr/>
+              <a:endParaRPr/>
             </a:p>
           </p:txBody>
         </p:sp>
@@ -9616,7 +9681,7 @@
               </a:cxnLst>
               <a:rect l="0" t="0" r="r" b="b"/>
               <a:pathLst>
-                <a:path w="21600" h="21600" fill="norm" stroke="1" extrusionOk="0">
+                <a:path w="21600" h="21600" extrusionOk="0">
                   <a:moveTo>
                     <a:pt x="20260" y="0"/>
                   </a:moveTo>
@@ -9665,7 +9730,7 @@
             </a:bodyPr>
             <a:lstStyle/>
             <a:p>
-              <a:pPr/>
+              <a:endParaRPr/>
             </a:p>
           </p:txBody>
         </p:sp>
@@ -9700,7 +9765,7 @@
               </a:cxnLst>
               <a:rect l="0" t="0" r="r" b="b"/>
               <a:pathLst>
-                <a:path w="20676" h="21566" fill="norm" stroke="1" extrusionOk="0">
+                <a:path w="20676" h="21566" extrusionOk="0">
                   <a:moveTo>
                     <a:pt x="10338" y="0"/>
                   </a:moveTo>
@@ -9753,7 +9818,7 @@
             </a:bodyPr>
             <a:lstStyle/>
             <a:p>
-              <a:pPr/>
+              <a:endParaRPr/>
             </a:p>
           </p:txBody>
         </p:sp>
@@ -9788,7 +9853,7 @@
               </a:cxnLst>
               <a:rect l="0" t="0" r="r" b="b"/>
               <a:pathLst>
-                <a:path w="21600" h="21600" fill="norm" stroke="1" extrusionOk="0">
+                <a:path w="21600" h="21600" extrusionOk="0">
                   <a:moveTo>
                     <a:pt x="0" y="2700"/>
                   </a:moveTo>
@@ -9827,7 +9892,7 @@
             </a:bodyPr>
             <a:lstStyle/>
             <a:p>
-              <a:pPr/>
+              <a:endParaRPr/>
             </a:p>
           </p:txBody>
         </p:sp>
@@ -9862,7 +9927,7 @@
               </a:cxnLst>
               <a:rect l="0" t="0" r="r" b="b"/>
               <a:pathLst>
-                <a:path w="21600" h="21600" fill="norm" stroke="1" extrusionOk="0">
+                <a:path w="21600" h="21600" extrusionOk="0">
                   <a:moveTo>
                     <a:pt x="0" y="1497"/>
                   </a:moveTo>
@@ -9901,7 +9966,7 @@
             </a:bodyPr>
             <a:lstStyle/>
             <a:p>
-              <a:pPr/>
+              <a:endParaRPr/>
             </a:p>
           </p:txBody>
         </p:sp>
@@ -9936,7 +10001,7 @@
               </a:cxnLst>
               <a:rect l="0" t="0" r="r" b="b"/>
               <a:pathLst>
-                <a:path w="21600" h="21600" fill="norm" stroke="1" extrusionOk="0">
+                <a:path w="21600" h="21600" extrusionOk="0">
                   <a:moveTo>
                     <a:pt x="0" y="1563"/>
                   </a:moveTo>
@@ -9975,7 +10040,7 @@
             </a:bodyPr>
             <a:lstStyle/>
             <a:p>
-              <a:pPr/>
+              <a:endParaRPr/>
             </a:p>
           </p:txBody>
         </p:sp>
@@ -10010,7 +10075,7 @@
               </a:cxnLst>
               <a:rect l="0" t="0" r="r" b="b"/>
               <a:pathLst>
-                <a:path w="21600" h="21600" fill="norm" stroke="1" extrusionOk="0">
+                <a:path w="21600" h="21600" extrusionOk="0">
                   <a:moveTo>
                     <a:pt x="0" y="0"/>
                   </a:moveTo>
@@ -10049,7 +10114,7 @@
             </a:bodyPr>
             <a:lstStyle/>
             <a:p>
-              <a:pPr/>
+              <a:endParaRPr/>
             </a:p>
           </p:txBody>
         </p:sp>
@@ -10084,7 +10149,7 @@
               </a:cxnLst>
               <a:rect l="0" t="0" r="r" b="b"/>
               <a:pathLst>
-                <a:path w="21600" h="21600" fill="norm" stroke="1" extrusionOk="0">
+                <a:path w="21600" h="21600" extrusionOk="0">
                   <a:moveTo>
                     <a:pt x="21600" y="4938"/>
                   </a:moveTo>
@@ -10251,7 +10316,7 @@
             </a:bodyPr>
             <a:lstStyle/>
             <a:p>
-              <a:pPr/>
+              <a:endParaRPr/>
             </a:p>
           </p:txBody>
         </p:sp>
@@ -10284,7 +10349,7 @@
           <a:bodyPr lIns="45719" rIns="45719"/>
           <a:lstStyle/>
           <a:p>
-            <a:pPr/>
+            <a:endParaRPr/>
           </a:p>
         </p:txBody>
       </p:sp>
@@ -10307,7 +10372,7 @@
           </a:ln>
           <a:extLst>
             <a:ext uri="{C572A759-6A51-4108-AA02-DFA0A04FC94B}">
-              <ma14:wrappingTextBoxFlag xmlns:ma14="http://schemas.microsoft.com/office/mac/drawingml/2011/main" val="1"/>
+              <ma14:wrappingTextBoxFlag xmlns:ma14="http://schemas.microsoft.com/office/mac/drawingml/2011/main" xmlns:a14="http://schemas.microsoft.com/office/drawing/2010/main" xmlns:m="http://schemas.openxmlformats.org/officeDocument/2006/math" xmlns="" val="1"/>
             </a:ext>
           </a:extLst>
         </p:spPr>
@@ -10332,7 +10397,6 @@
             </a:lvl1pPr>
           </a:lstStyle>
           <a:p>
-            <a:pPr/>
             <a:r>
               <a:t>Minterate</a:t>
             </a:r>
@@ -10358,7 +10422,7 @@
           </a:ln>
           <a:extLst>
             <a:ext uri="{C572A759-6A51-4108-AA02-DFA0A04FC94B}">
-              <ma14:wrappingTextBoxFlag xmlns:ma14="http://schemas.microsoft.com/office/mac/drawingml/2011/main" val="1"/>
+              <ma14:wrappingTextBoxFlag xmlns:ma14="http://schemas.microsoft.com/office/mac/drawingml/2011/main" xmlns:a14="http://schemas.microsoft.com/office/drawing/2010/main" xmlns:m="http://schemas.openxmlformats.org/officeDocument/2006/math" xmlns="" val="1"/>
             </a:ext>
           </a:extLst>
         </p:spPr>
@@ -10383,7 +10447,6 @@
             </a:lvl1pPr>
           </a:lstStyle>
           <a:p>
-            <a:pPr/>
             <a:r>
               <a:t>Payment App</a:t>
             </a:r>
@@ -10418,7 +10481,7 @@
           <a:bodyPr lIns="45719" rIns="45719"/>
           <a:lstStyle/>
           <a:p>
-            <a:pPr/>
+            <a:endParaRPr/>
           </a:p>
         </p:txBody>
       </p:sp>
@@ -10427,18 +10490,19 @@
   <p:clrMapOvr>
     <a:masterClrMapping/>
   </p:clrMapOvr>
-  <p:transition xmlns:p14="http://schemas.microsoft.com/office/powerpoint/2010/main" spd="med" advClick="1"/>
+  <p:transition spd="med"/>
 </p:sld>
 </file>
 
 <file path=ppt/slides/slide3.xml><?xml version="1.0" encoding="utf-8"?>
-<p:sld xmlns:a="http://schemas.openxmlformats.org/drawingml/2006/main" xmlns:r="http://schemas.openxmlformats.org/officeDocument/2006/relationships" xmlns:p="http://schemas.openxmlformats.org/presentationml/2006/main" xmlns:m="http://schemas.openxmlformats.org/officeDocument/2006/math" xmlns:a14="http://schemas.microsoft.com/office/drawing/2010/main" showMasterSp="1" showMasterPhAnim="1">
+<p:sld xmlns:a="http://schemas.openxmlformats.org/drawingml/2006/main" xmlns:r="http://schemas.openxmlformats.org/officeDocument/2006/relationships" xmlns:p="http://schemas.openxmlformats.org/presentationml/2006/main">
   <p:cSld>
     <p:bg>
       <p:bgPr>
         <a:solidFill>
           <a:srgbClr val="92A2CC"/>
         </a:solidFill>
+        <a:effectLst/>
       </p:bgPr>
     </p:bg>
     <p:spTree>
@@ -10486,7 +10550,7 @@
             </a:cxnLst>
             <a:rect l="0" t="0" r="r" b="b"/>
             <a:pathLst>
-              <a:path w="21600" h="21600" fill="norm" stroke="1" extrusionOk="0">
+              <a:path w="21600" h="21600" extrusionOk="0">
                 <a:moveTo>
                   <a:pt x="1096" y="0"/>
                 </a:moveTo>
@@ -10542,7 +10606,7 @@
           <a:bodyPr lIns="45719" rIns="45719"/>
           <a:lstStyle/>
           <a:p>
-            <a:pPr/>
+            <a:endParaRPr/>
           </a:p>
         </p:txBody>
       </p:sp>
@@ -10577,7 +10641,7 @@
             </a:cxnLst>
             <a:rect l="0" t="0" r="r" b="b"/>
             <a:pathLst>
-              <a:path w="21600" h="21600" fill="norm" stroke="1" extrusionOk="0">
+              <a:path w="21600" h="21600" extrusionOk="0">
                 <a:moveTo>
                   <a:pt x="1096" y="0"/>
                 </a:moveTo>
@@ -10633,7 +10697,7 @@
           <a:bodyPr lIns="45719" rIns="45719"/>
           <a:lstStyle/>
           <a:p>
-            <a:pPr/>
+            <a:endParaRPr/>
           </a:p>
         </p:txBody>
       </p:sp>
@@ -10668,7 +10732,7 @@
             </a:cxnLst>
             <a:rect l="0" t="0" r="r" b="b"/>
             <a:pathLst>
-              <a:path w="21600" h="21600" fill="norm" stroke="1" extrusionOk="0">
+              <a:path w="21600" h="21600" extrusionOk="0">
                 <a:moveTo>
                   <a:pt x="1096" y="0"/>
                 </a:moveTo>
@@ -10724,7 +10788,7 @@
           <a:bodyPr lIns="45719" rIns="45719"/>
           <a:lstStyle/>
           <a:p>
-            <a:pPr/>
+            <a:endParaRPr/>
           </a:p>
         </p:txBody>
       </p:sp>
@@ -10759,7 +10823,7 @@
             </a:cxnLst>
             <a:rect l="0" t="0" r="r" b="b"/>
             <a:pathLst>
-              <a:path w="21600" h="21600" fill="norm" stroke="1" extrusionOk="0">
+              <a:path w="21600" h="21600" extrusionOk="0">
                 <a:moveTo>
                   <a:pt x="802" y="0"/>
                 </a:moveTo>
@@ -10825,7 +10889,7 @@
           <a:bodyPr lIns="45719" rIns="45719"/>
           <a:lstStyle/>
           <a:p>
-            <a:pPr/>
+            <a:endParaRPr/>
           </a:p>
         </p:txBody>
       </p:sp>
@@ -10860,7 +10924,7 @@
             </a:cxnLst>
             <a:rect l="0" t="0" r="r" b="b"/>
             <a:pathLst>
-              <a:path w="21600" h="21600" fill="norm" stroke="1" extrusionOk="0">
+              <a:path w="21600" h="21600" extrusionOk="0">
                 <a:moveTo>
                   <a:pt x="802" y="0"/>
                 </a:moveTo>
@@ -10926,7 +10990,7 @@
           <a:bodyPr lIns="45719" rIns="45719"/>
           <a:lstStyle/>
           <a:p>
-            <a:pPr/>
+            <a:endParaRPr/>
           </a:p>
         </p:txBody>
       </p:sp>
@@ -10961,7 +11025,7 @@
             </a:cxnLst>
             <a:rect l="0" t="0" r="r" b="b"/>
             <a:pathLst>
-              <a:path w="21600" h="21600" fill="norm" stroke="1" extrusionOk="0">
+              <a:path w="21600" h="21600" extrusionOk="0">
                 <a:moveTo>
                   <a:pt x="802" y="0"/>
                 </a:moveTo>
@@ -11027,7 +11091,7 @@
           <a:bodyPr lIns="45719" rIns="45719"/>
           <a:lstStyle/>
           <a:p>
-            <a:pPr/>
+            <a:endParaRPr/>
           </a:p>
         </p:txBody>
       </p:sp>
@@ -11050,7 +11114,7 @@
           </a:ln>
           <a:extLst>
             <a:ext uri="{C572A759-6A51-4108-AA02-DFA0A04FC94B}">
-              <ma14:wrappingTextBoxFlag xmlns:ma14="http://schemas.microsoft.com/office/mac/drawingml/2011/main" val="1"/>
+              <ma14:wrappingTextBoxFlag xmlns:ma14="http://schemas.microsoft.com/office/mac/drawingml/2011/main" xmlns:a14="http://schemas.microsoft.com/office/drawing/2010/main" xmlns:m="http://schemas.openxmlformats.org/officeDocument/2006/math" xmlns="" val="1"/>
             </a:ext>
           </a:extLst>
         </p:spPr>
@@ -11075,7 +11139,6 @@
             </a:lvl1pPr>
           </a:lstStyle>
           <a:p>
-            <a:pPr/>
             <a:r>
               <a:t>Market</a:t>
             </a:r>
@@ -11101,7 +11164,7 @@
           </a:ln>
           <a:extLst>
             <a:ext uri="{C572A759-6A51-4108-AA02-DFA0A04FC94B}">
-              <ma14:wrappingTextBoxFlag xmlns:ma14="http://schemas.microsoft.com/office/mac/drawingml/2011/main" val="1"/>
+              <ma14:wrappingTextBoxFlag xmlns:ma14="http://schemas.microsoft.com/office/mac/drawingml/2011/main" xmlns:a14="http://schemas.microsoft.com/office/drawing/2010/main" xmlns:m="http://schemas.openxmlformats.org/officeDocument/2006/math" xmlns="" val="1"/>
             </a:ext>
           </a:extLst>
         </p:spPr>
@@ -11126,7 +11189,6 @@
             </a:lvl1pPr>
           </a:lstStyle>
           <a:p>
-            <a:pPr/>
             <a:r>
               <a:t>Research</a:t>
             </a:r>
@@ -11152,7 +11214,7 @@
           </a:ln>
           <a:extLst>
             <a:ext uri="{C572A759-6A51-4108-AA02-DFA0A04FC94B}">
-              <ma14:wrappingTextBoxFlag xmlns:ma14="http://schemas.microsoft.com/office/mac/drawingml/2011/main" val="1"/>
+              <ma14:wrappingTextBoxFlag xmlns:ma14="http://schemas.microsoft.com/office/mac/drawingml/2011/main" xmlns:a14="http://schemas.microsoft.com/office/drawing/2010/main" xmlns:m="http://schemas.openxmlformats.org/officeDocument/2006/math" xmlns="" val="1"/>
             </a:ext>
           </a:extLst>
         </p:spPr>
@@ -11177,7 +11239,6 @@
             </a:lvl1pPr>
           </a:lstStyle>
           <a:p>
-            <a:pPr/>
             <a:r>
               <a:t>Client-Server Model: where borrowers and investors connect to Upstart's servers to participate in peer-to-peer lending activities.</a:t>
             </a:r>
@@ -11203,7 +11264,7 @@
           </a:ln>
           <a:extLst>
             <a:ext uri="{C572A759-6A51-4108-AA02-DFA0A04FC94B}">
-              <ma14:wrappingTextBoxFlag xmlns:ma14="http://schemas.microsoft.com/office/mac/drawingml/2011/main" val="1"/>
+              <ma14:wrappingTextBoxFlag xmlns:ma14="http://schemas.microsoft.com/office/mac/drawingml/2011/main" xmlns:a14="http://schemas.microsoft.com/office/drawing/2010/main" xmlns:m="http://schemas.openxmlformats.org/officeDocument/2006/math" xmlns="" val="1"/>
             </a:ext>
           </a:extLst>
         </p:spPr>
@@ -11225,7 +11286,6 @@
             </a:lvl1pPr>
           </a:lstStyle>
           <a:p>
-            <a:pPr/>
             <a:r>
               <a:t>Upstart</a:t>
             </a:r>
@@ -11251,7 +11311,7 @@
           </a:ln>
           <a:extLst>
             <a:ext uri="{C572A759-6A51-4108-AA02-DFA0A04FC94B}">
-              <ma14:wrappingTextBoxFlag xmlns:ma14="http://schemas.microsoft.com/office/mac/drawingml/2011/main" val="1"/>
+              <ma14:wrappingTextBoxFlag xmlns:ma14="http://schemas.microsoft.com/office/mac/drawingml/2011/main" xmlns:a14="http://schemas.microsoft.com/office/drawing/2010/main" xmlns:m="http://schemas.openxmlformats.org/officeDocument/2006/math" xmlns="" val="1"/>
             </a:ext>
           </a:extLst>
         </p:spPr>
@@ -11276,7 +11336,6 @@
             </a:lvl1pPr>
           </a:lstStyle>
           <a:p>
-            <a:pPr/>
             <a:r>
               <a:t>Blender</a:t>
             </a:r>
@@ -11302,7 +11361,7 @@
           </a:ln>
           <a:extLst>
             <a:ext uri="{C572A759-6A51-4108-AA02-DFA0A04FC94B}">
-              <ma14:wrappingTextBoxFlag xmlns:ma14="http://schemas.microsoft.com/office/mac/drawingml/2011/main" val="1"/>
+              <ma14:wrappingTextBoxFlag xmlns:ma14="http://schemas.microsoft.com/office/mac/drawingml/2011/main" xmlns:a14="http://schemas.microsoft.com/office/drawing/2010/main" xmlns:m="http://schemas.openxmlformats.org/officeDocument/2006/math" xmlns="" val="1"/>
             </a:ext>
           </a:extLst>
         </p:spPr>
@@ -11327,7 +11386,6 @@
             </a:lvl1pPr>
           </a:lstStyle>
           <a:p>
-            <a:pPr/>
             <a:r>
               <a:t>Keywords: lending, personal loans, investor lending platform.</a:t>
             </a:r>
@@ -11353,7 +11411,7 @@
           </a:ln>
           <a:extLst>
             <a:ext uri="{C572A759-6A51-4108-AA02-DFA0A04FC94B}">
-              <ma14:wrappingTextBoxFlag xmlns:ma14="http://schemas.microsoft.com/office/mac/drawingml/2011/main" val="1"/>
+              <ma14:wrappingTextBoxFlag xmlns:ma14="http://schemas.microsoft.com/office/mac/drawingml/2011/main" xmlns:a14="http://schemas.microsoft.com/office/drawing/2010/main" xmlns:m="http://schemas.openxmlformats.org/officeDocument/2006/math" xmlns="" val="1"/>
             </a:ext>
           </a:extLst>
         </p:spPr>
@@ -11378,7 +11436,6 @@
             </a:lvl1pPr>
           </a:lstStyle>
           <a:p>
-            <a:pPr/>
             <a:r>
               <a:t>Prosper</a:t>
             </a:r>
@@ -11404,7 +11461,7 @@
           </a:ln>
           <a:extLst>
             <a:ext uri="{C572A759-6A51-4108-AA02-DFA0A04FC94B}">
-              <ma14:wrappingTextBoxFlag xmlns:ma14="http://schemas.microsoft.com/office/mac/drawingml/2011/main" val="1"/>
+              <ma14:wrappingTextBoxFlag xmlns:ma14="http://schemas.microsoft.com/office/mac/drawingml/2011/main" xmlns:a14="http://schemas.microsoft.com/office/drawing/2010/main" xmlns:m="http://schemas.openxmlformats.org/officeDocument/2006/math" xmlns="" val="1"/>
             </a:ext>
           </a:extLst>
         </p:spPr>
@@ -11429,7 +11486,6 @@
             </a:lvl1pPr>
           </a:lstStyle>
           <a:p>
-            <a:pPr/>
             <a:r>
               <a:t>A client-server lending platform that facilitates loans between individuals</a:t>
             </a:r>
@@ -11455,7 +11511,7 @@
           </a:ln>
           <a:extLst>
             <a:ext uri="{C572A759-6A51-4108-AA02-DFA0A04FC94B}">
-              <ma14:wrappingTextBoxFlag xmlns:ma14="http://schemas.microsoft.com/office/mac/drawingml/2011/main" val="1"/>
+              <ma14:wrappingTextBoxFlag xmlns:ma14="http://schemas.microsoft.com/office/mac/drawingml/2011/main" xmlns:a14="http://schemas.microsoft.com/office/drawing/2010/main" xmlns:m="http://schemas.openxmlformats.org/officeDocument/2006/math" xmlns="" val="1"/>
             </a:ext>
           </a:extLst>
         </p:spPr>
@@ -11480,7 +11536,6 @@
             </a:lvl1pPr>
           </a:lstStyle>
           <a:p>
-            <a:pPr/>
             <a:r>
               <a:t>Keywords: lending marketplace, online lending, borrower investor platform.</a:t>
             </a:r>
@@ -11506,7 +11561,7 @@
           </a:ln>
           <a:extLst>
             <a:ext uri="{C572A759-6A51-4108-AA02-DFA0A04FC94B}">
-              <ma14:wrappingTextBoxFlag xmlns:ma14="http://schemas.microsoft.com/office/mac/drawingml/2011/main" val="1"/>
+              <ma14:wrappingTextBoxFlag xmlns:ma14="http://schemas.microsoft.com/office/mac/drawingml/2011/main" xmlns:a14="http://schemas.microsoft.com/office/drawing/2010/main" xmlns:m="http://schemas.openxmlformats.org/officeDocument/2006/math" xmlns="" val="1"/>
             </a:ext>
           </a:extLst>
         </p:spPr>
@@ -11531,7 +11586,6 @@
             </a:lvl1pPr>
           </a:lstStyle>
           <a:p>
-            <a:pPr/>
             <a:r>
               <a:t>A peer-to-peer lending platform connecting borrowers and investors.</a:t>
             </a:r>
@@ -11557,7 +11611,7 @@
           </a:ln>
           <a:extLst>
             <a:ext uri="{C572A759-6A51-4108-AA02-DFA0A04FC94B}">
-              <ma14:wrappingTextBoxFlag xmlns:ma14="http://schemas.microsoft.com/office/mac/drawingml/2011/main" val="1"/>
+              <ma14:wrappingTextBoxFlag xmlns:ma14="http://schemas.microsoft.com/office/mac/drawingml/2011/main" xmlns:a14="http://schemas.microsoft.com/office/drawing/2010/main" xmlns:m="http://schemas.openxmlformats.org/officeDocument/2006/math" xmlns="" val="1"/>
             </a:ext>
           </a:extLst>
         </p:spPr>
@@ -11582,7 +11636,6 @@
             </a:lvl1pPr>
           </a:lstStyle>
           <a:p>
-            <a:pPr/>
             <a:r>
               <a:t>Keywords: lending, personal loans, investor lending platform.</a:t>
             </a:r>
@@ -11620,7 +11673,7 @@
             </a:cxnLst>
             <a:rect l="0" t="0" r="r" b="b"/>
             <a:pathLst>
-              <a:path w="21600" h="21600" fill="norm" stroke="1" extrusionOk="0">
+              <a:path w="21600" h="21600" extrusionOk="0">
                 <a:moveTo>
                   <a:pt x="3762" y="0"/>
                 </a:moveTo>
@@ -11676,7 +11729,7 @@
           <a:bodyPr lIns="45719" rIns="45719"/>
           <a:lstStyle/>
           <a:p>
-            <a:pPr/>
+            <a:endParaRPr/>
           </a:p>
         </p:txBody>
       </p:sp>
@@ -11708,7 +11761,7 @@
           <a:bodyPr lIns="45719" rIns="45719"/>
           <a:lstStyle/>
           <a:p>
-            <a:pPr/>
+            <a:endParaRPr/>
           </a:p>
         </p:txBody>
       </p:sp>
@@ -11717,18 +11770,19 @@
   <p:clrMapOvr>
     <a:masterClrMapping/>
   </p:clrMapOvr>
-  <p:transition xmlns:p14="http://schemas.microsoft.com/office/powerpoint/2010/main" spd="med" advClick="1"/>
+  <p:transition spd="med"/>
 </p:sld>
 </file>
 
 <file path=ppt/slides/slide4.xml><?xml version="1.0" encoding="utf-8"?>
-<p:sld xmlns:a="http://schemas.openxmlformats.org/drawingml/2006/main" xmlns:r="http://schemas.openxmlformats.org/officeDocument/2006/relationships" xmlns:p="http://schemas.openxmlformats.org/presentationml/2006/main" xmlns:m="http://schemas.openxmlformats.org/officeDocument/2006/math" xmlns:a14="http://schemas.microsoft.com/office/drawing/2010/main" showMasterSp="1" showMasterPhAnim="1">
+<p:sld xmlns:a="http://schemas.openxmlformats.org/drawingml/2006/main" xmlns:r="http://schemas.openxmlformats.org/officeDocument/2006/relationships" xmlns:p="http://schemas.openxmlformats.org/presentationml/2006/main">
   <p:cSld>
     <p:bg>
       <p:bgPr>
         <a:solidFill>
           <a:srgbClr val="92A2CC"/>
         </a:solidFill>
+        <a:effectLst/>
       </p:bgPr>
     </p:bg>
     <p:spTree>
@@ -11776,7 +11830,7 @@
             </a:cxnLst>
             <a:rect l="0" t="0" r="r" b="b"/>
             <a:pathLst>
-              <a:path w="21600" h="21600" fill="norm" stroke="1" extrusionOk="0">
+              <a:path w="21600" h="21600" extrusionOk="0">
                 <a:moveTo>
                   <a:pt x="2853" y="0"/>
                 </a:moveTo>
@@ -11842,7 +11896,7 @@
           <a:bodyPr lIns="45719" rIns="45719"/>
           <a:lstStyle/>
           <a:p>
-            <a:pPr/>
+            <a:endParaRPr/>
           </a:p>
         </p:txBody>
       </p:sp>
@@ -11877,7 +11931,7 @@
             </a:cxnLst>
             <a:rect l="0" t="0" r="r" b="b"/>
             <a:pathLst>
-              <a:path w="21600" h="21600" fill="norm" stroke="1" extrusionOk="0">
+              <a:path w="21600" h="21600" extrusionOk="0">
                 <a:moveTo>
                   <a:pt x="373" y="0"/>
                 </a:moveTo>
@@ -11928,7 +11982,7 @@
           <a:bodyPr lIns="45719" rIns="45719"/>
           <a:lstStyle/>
           <a:p>
-            <a:pPr/>
+            <a:endParaRPr/>
           </a:p>
         </p:txBody>
       </p:sp>
@@ -11957,7 +12011,7 @@
           <a:bodyPr lIns="45719" rIns="45719"/>
           <a:lstStyle/>
           <a:p>
-            <a:pPr/>
+            <a:endParaRPr/>
           </a:p>
         </p:txBody>
       </p:sp>
@@ -11980,7 +12034,7 @@
           </a:ln>
           <a:extLst>
             <a:ext uri="{C572A759-6A51-4108-AA02-DFA0A04FC94B}">
-              <ma14:wrappingTextBoxFlag xmlns:ma14="http://schemas.microsoft.com/office/mac/drawingml/2011/main" val="1"/>
+              <ma14:wrappingTextBoxFlag xmlns:ma14="http://schemas.microsoft.com/office/mac/drawingml/2011/main" xmlns:a14="http://schemas.microsoft.com/office/drawing/2010/main" xmlns:m="http://schemas.openxmlformats.org/officeDocument/2006/math" xmlns="" val="1"/>
             </a:ext>
           </a:extLst>
         </p:spPr>
@@ -12005,7 +12059,6 @@
             </a:lvl1pPr>
           </a:lstStyle>
           <a:p>
-            <a:pPr/>
             <a:r>
               <a:t>Authentication and Authorization</a:t>
             </a:r>
@@ -12031,7 +12084,7 @@
           </a:ln>
           <a:extLst>
             <a:ext uri="{C572A759-6A51-4108-AA02-DFA0A04FC94B}">
-              <ma14:wrappingTextBoxFlag xmlns:ma14="http://schemas.microsoft.com/office/mac/drawingml/2011/main" val="1"/>
+              <ma14:wrappingTextBoxFlag xmlns:ma14="http://schemas.microsoft.com/office/mac/drawingml/2011/main" xmlns:a14="http://schemas.microsoft.com/office/drawing/2010/main" xmlns:m="http://schemas.openxmlformats.org/officeDocument/2006/math" xmlns="" val="1"/>
             </a:ext>
           </a:extLst>
         </p:spPr>
@@ -12044,7 +12097,7 @@
               <a:lnSpc>
                 <a:spcPts val="3400"/>
               </a:lnSpc>
-              <a:defRPr spc="-125" sz="3200">
+              <a:defRPr sz="3200" spc="-125">
                 <a:solidFill>
                   <a:srgbClr val="2B2A2A"/>
                 </a:solidFill>
@@ -12056,7 +12109,6 @@
             </a:lvl1pPr>
           </a:lstStyle>
           <a:p>
-            <a:pPr/>
             <a:r>
               <a:t>1</a:t>
             </a:r>
@@ -12088,7 +12140,7 @@
           <a:bodyPr lIns="45719" rIns="45719"/>
           <a:lstStyle/>
           <a:p>
-            <a:pPr/>
+            <a:endParaRPr/>
           </a:p>
         </p:txBody>
       </p:sp>
@@ -12111,7 +12163,7 @@
           </a:ln>
           <a:extLst>
             <a:ext uri="{C572A759-6A51-4108-AA02-DFA0A04FC94B}">
-              <ma14:wrappingTextBoxFlag xmlns:ma14="http://schemas.microsoft.com/office/mac/drawingml/2011/main" val="1"/>
+              <ma14:wrappingTextBoxFlag xmlns:ma14="http://schemas.microsoft.com/office/mac/drawingml/2011/main" xmlns:a14="http://schemas.microsoft.com/office/drawing/2010/main" xmlns:m="http://schemas.openxmlformats.org/officeDocument/2006/math" xmlns="" val="1"/>
             </a:ext>
           </a:extLst>
         </p:spPr>
@@ -12124,7 +12176,7 @@
               <a:lnSpc>
                 <a:spcPts val="3400"/>
               </a:lnSpc>
-              <a:defRPr spc="-125" sz="3200">
+              <a:defRPr sz="3200" spc="-125">
                 <a:solidFill>
                   <a:srgbClr val="2B2A2A"/>
                 </a:solidFill>
@@ -12136,7 +12188,6 @@
             </a:lvl1pPr>
           </a:lstStyle>
           <a:p>
-            <a:pPr/>
             <a:r>
               <a:t>2</a:t>
             </a:r>
@@ -12168,7 +12219,7 @@
           <a:bodyPr lIns="45719" rIns="45719"/>
           <a:lstStyle/>
           <a:p>
-            <a:pPr/>
+            <a:endParaRPr/>
           </a:p>
         </p:txBody>
       </p:sp>
@@ -12191,7 +12242,7 @@
           </a:ln>
           <a:extLst>
             <a:ext uri="{C572A759-6A51-4108-AA02-DFA0A04FC94B}">
-              <ma14:wrappingTextBoxFlag xmlns:ma14="http://schemas.microsoft.com/office/mac/drawingml/2011/main" val="1"/>
+              <ma14:wrappingTextBoxFlag xmlns:ma14="http://schemas.microsoft.com/office/mac/drawingml/2011/main" xmlns:a14="http://schemas.microsoft.com/office/drawing/2010/main" xmlns:m="http://schemas.openxmlformats.org/officeDocument/2006/math" xmlns="" val="1"/>
             </a:ext>
           </a:extLst>
         </p:spPr>
@@ -12204,7 +12255,7 @@
               <a:lnSpc>
                 <a:spcPts val="3400"/>
               </a:lnSpc>
-              <a:defRPr spc="-125" sz="3200">
+              <a:defRPr sz="3200" spc="-125">
                 <a:solidFill>
                   <a:srgbClr val="2B2A2A"/>
                 </a:solidFill>
@@ -12216,7 +12267,6 @@
             </a:lvl1pPr>
           </a:lstStyle>
           <a:p>
-            <a:pPr/>
             <a:r>
               <a:t>3</a:t>
             </a:r>
@@ -12248,7 +12298,7 @@
           <a:bodyPr lIns="45719" rIns="45719"/>
           <a:lstStyle/>
           <a:p>
-            <a:pPr/>
+            <a:endParaRPr/>
           </a:p>
         </p:txBody>
       </p:sp>
@@ -12271,7 +12321,7 @@
           </a:ln>
           <a:extLst>
             <a:ext uri="{C572A759-6A51-4108-AA02-DFA0A04FC94B}">
-              <ma14:wrappingTextBoxFlag xmlns:ma14="http://schemas.microsoft.com/office/mac/drawingml/2011/main" val="1"/>
+              <ma14:wrappingTextBoxFlag xmlns:ma14="http://schemas.microsoft.com/office/mac/drawingml/2011/main" xmlns:a14="http://schemas.microsoft.com/office/drawing/2010/main" xmlns:m="http://schemas.openxmlformats.org/officeDocument/2006/math" xmlns="" val="1"/>
             </a:ext>
           </a:extLst>
         </p:spPr>
@@ -12284,7 +12334,7 @@
               <a:lnSpc>
                 <a:spcPts val="3400"/>
               </a:lnSpc>
-              <a:defRPr spc="-125" sz="3200">
+              <a:defRPr sz="3200" spc="-125">
                 <a:solidFill>
                   <a:srgbClr val="2B2A2A"/>
                 </a:solidFill>
@@ -12296,7 +12346,6 @@
             </a:lvl1pPr>
           </a:lstStyle>
           <a:p>
-            <a:pPr/>
             <a:r>
               <a:t>4</a:t>
             </a:r>
@@ -12322,7 +12371,7 @@
           </a:ln>
           <a:extLst>
             <a:ext uri="{C572A759-6A51-4108-AA02-DFA0A04FC94B}">
-              <ma14:wrappingTextBoxFlag xmlns:ma14="http://schemas.microsoft.com/office/mac/drawingml/2011/main" val="1"/>
+              <ma14:wrappingTextBoxFlag xmlns:ma14="http://schemas.microsoft.com/office/mac/drawingml/2011/main" xmlns:a14="http://schemas.microsoft.com/office/drawing/2010/main" xmlns:m="http://schemas.openxmlformats.org/officeDocument/2006/math" xmlns="" val="1"/>
             </a:ext>
           </a:extLst>
         </p:spPr>
@@ -12332,7 +12381,7 @@
           </a:bodyPr>
           <a:lstStyle/>
           <a:p>
-            <a:pPr lvl="1" marL="388617" indent="-194308">
+            <a:pPr marL="388617" lvl="1" indent="-194308">
               <a:lnSpc>
                 <a:spcPts val="2100"/>
               </a:lnSpc>
@@ -12361,15 +12410,9 @@
               </a:rPr>
               <a:t>Allow users to register the system and login securely via email, password and OTP (mobile).</a:t>
             </a:r>
-            <a:endParaRPr>
-              <a:latin typeface="Poppins Light"/>
-              <a:ea typeface="Poppins Light"/>
-              <a:cs typeface="Poppins Light"/>
-              <a:sym typeface="Poppins Light"/>
-            </a:endParaRPr>
-          </a:p>
-          <a:p>
-            <a:pPr lvl="1" marL="367029" indent="-183514">
+          </a:p>
+          <a:p>
+            <a:pPr marL="367029" lvl="1" indent="-183514">
               <a:lnSpc>
                 <a:spcPts val="1900"/>
               </a:lnSpc>
@@ -12420,7 +12463,7 @@
           </a:ln>
           <a:extLst>
             <a:ext uri="{C572A759-6A51-4108-AA02-DFA0A04FC94B}">
-              <ma14:wrappingTextBoxFlag xmlns:ma14="http://schemas.microsoft.com/office/mac/drawingml/2011/main" val="1"/>
+              <ma14:wrappingTextBoxFlag xmlns:ma14="http://schemas.microsoft.com/office/mac/drawingml/2011/main" xmlns:a14="http://schemas.microsoft.com/office/drawing/2010/main" xmlns:m="http://schemas.openxmlformats.org/officeDocument/2006/math" xmlns="" val="1"/>
             </a:ext>
           </a:extLst>
         </p:spPr>
@@ -12445,7 +12488,6 @@
             </a:lvl1pPr>
           </a:lstStyle>
           <a:p>
-            <a:pPr/>
             <a:r>
               <a:t>Apps Main</a:t>
             </a:r>
@@ -12471,7 +12513,7 @@
           </a:ln>
           <a:extLst>
             <a:ext uri="{C572A759-6A51-4108-AA02-DFA0A04FC94B}">
-              <ma14:wrappingTextBoxFlag xmlns:ma14="http://schemas.microsoft.com/office/mac/drawingml/2011/main" val="1"/>
+              <ma14:wrappingTextBoxFlag xmlns:ma14="http://schemas.microsoft.com/office/mac/drawingml/2011/main" xmlns:a14="http://schemas.microsoft.com/office/drawing/2010/main" xmlns:m="http://schemas.openxmlformats.org/officeDocument/2006/math" xmlns="" val="1"/>
             </a:ext>
           </a:extLst>
         </p:spPr>
@@ -12496,7 +12538,6 @@
             </a:lvl1pPr>
           </a:lstStyle>
           <a:p>
-            <a:pPr/>
             <a:r>
               <a:t>Features</a:t>
             </a:r>
@@ -12522,7 +12563,7 @@
           </a:ln>
           <a:extLst>
             <a:ext uri="{C572A759-6A51-4108-AA02-DFA0A04FC94B}">
-              <ma14:wrappingTextBoxFlag xmlns:ma14="http://schemas.microsoft.com/office/mac/drawingml/2011/main" val="1"/>
+              <ma14:wrappingTextBoxFlag xmlns:ma14="http://schemas.microsoft.com/office/mac/drawingml/2011/main" xmlns:a14="http://schemas.microsoft.com/office/drawing/2010/main" xmlns:m="http://schemas.openxmlformats.org/officeDocument/2006/math" xmlns="" val="1"/>
             </a:ext>
           </a:extLst>
         </p:spPr>
@@ -12547,7 +12588,6 @@
             </a:lvl1pPr>
           </a:lstStyle>
           <a:p>
-            <a:pPr/>
             <a:r>
               <a:t>Loan Management</a:t>
             </a:r>
@@ -12573,7 +12613,7 @@
           </a:ln>
           <a:extLst>
             <a:ext uri="{C572A759-6A51-4108-AA02-DFA0A04FC94B}">
-              <ma14:wrappingTextBoxFlag xmlns:ma14="http://schemas.microsoft.com/office/mac/drawingml/2011/main" val="1"/>
+              <ma14:wrappingTextBoxFlag xmlns:ma14="http://schemas.microsoft.com/office/mac/drawingml/2011/main" xmlns:a14="http://schemas.microsoft.com/office/drawing/2010/main" xmlns:m="http://schemas.openxmlformats.org/officeDocument/2006/math" xmlns="" val="1"/>
             </a:ext>
           </a:extLst>
         </p:spPr>
@@ -12583,7 +12623,7 @@
           </a:bodyPr>
           <a:lstStyle/>
           <a:p>
-            <a:pPr lvl="1" marL="388617" indent="-194308">
+            <a:pPr marL="388617" lvl="1" indent="-194308">
               <a:lnSpc>
                 <a:spcPts val="2100"/>
               </a:lnSpc>
@@ -12612,15 +12652,9 @@
               </a:rPr>
               <a:t> Enable users to apply for loans by providing necessary details such as loan amount, interest rate, and period.</a:t>
             </a:r>
-            <a:endParaRPr>
-              <a:latin typeface="Poppins"/>
-              <a:ea typeface="Poppins"/>
-              <a:cs typeface="Poppins"/>
-              <a:sym typeface="Poppins"/>
-            </a:endParaRPr>
-          </a:p>
-          <a:p>
-            <a:pPr lvl="1" marL="388617" indent="-194308">
+          </a:p>
+          <a:p>
+            <a:pPr marL="388617" lvl="1" indent="-194308">
               <a:lnSpc>
                 <a:spcPts val="2100"/>
               </a:lnSpc>
@@ -12649,15 +12683,9 @@
               </a:rPr>
               <a:t> Allow authorized personnel to review and approve loan applications.</a:t>
             </a:r>
-            <a:endParaRPr>
-              <a:latin typeface="Poppins"/>
-              <a:ea typeface="Poppins"/>
-              <a:cs typeface="Poppins"/>
-              <a:sym typeface="Poppins"/>
-            </a:endParaRPr>
-          </a:p>
-          <a:p>
-            <a:pPr lvl="1" marL="388617" indent="-194308">
+          </a:p>
+          <a:p>
+            <a:pPr marL="388617" lvl="1" indent="-194308">
               <a:lnSpc>
                 <a:spcPts val="2100"/>
               </a:lnSpc>
@@ -12686,15 +12714,9 @@
               </a:rPr>
               <a:t>Provide options for users to repay their loans in installments or full amount.</a:t>
             </a:r>
-            <a:endParaRPr>
-              <a:latin typeface="Poppins"/>
-              <a:ea typeface="Poppins"/>
-              <a:cs typeface="Poppins"/>
-              <a:sym typeface="Poppins"/>
-            </a:endParaRPr>
-          </a:p>
-          <a:p>
-            <a:pPr lvl="1" marL="388617" indent="-194308">
+          </a:p>
+          <a:p>
+            <a:pPr marL="388617" lvl="1" indent="-194308">
               <a:lnSpc>
                 <a:spcPts val="2100"/>
               </a:lnSpc>
@@ -12745,7 +12767,7 @@
           </a:ln>
           <a:extLst>
             <a:ext uri="{C572A759-6A51-4108-AA02-DFA0A04FC94B}">
-              <ma14:wrappingTextBoxFlag xmlns:ma14="http://schemas.microsoft.com/office/mac/drawingml/2011/main" val="1"/>
+              <ma14:wrappingTextBoxFlag xmlns:ma14="http://schemas.microsoft.com/office/mac/drawingml/2011/main" xmlns:a14="http://schemas.microsoft.com/office/drawing/2010/main" xmlns:m="http://schemas.openxmlformats.org/officeDocument/2006/math" xmlns="" val="1"/>
             </a:ext>
           </a:extLst>
         </p:spPr>
@@ -12770,7 +12792,6 @@
             </a:lvl1pPr>
           </a:lstStyle>
           <a:p>
-            <a:pPr/>
             <a:r>
               <a:t> Transaction Recording</a:t>
             </a:r>
@@ -12796,7 +12817,7 @@
           </a:ln>
           <a:extLst>
             <a:ext uri="{C572A759-6A51-4108-AA02-DFA0A04FC94B}">
-              <ma14:wrappingTextBoxFlag xmlns:ma14="http://schemas.microsoft.com/office/mac/drawingml/2011/main" val="1"/>
+              <ma14:wrappingTextBoxFlag xmlns:ma14="http://schemas.microsoft.com/office/mac/drawingml/2011/main" xmlns:a14="http://schemas.microsoft.com/office/drawing/2010/main" xmlns:m="http://schemas.openxmlformats.org/officeDocument/2006/math" xmlns="" val="1"/>
             </a:ext>
           </a:extLst>
         </p:spPr>
@@ -12806,7 +12827,7 @@
           </a:bodyPr>
           <a:lstStyle/>
           <a:p>
-            <a:pPr lvl="1" marL="388617" indent="-194308">
+            <a:pPr marL="388617" lvl="1" indent="-194308">
               <a:lnSpc>
                 <a:spcPts val="2100"/>
               </a:lnSpc>
@@ -12835,15 +12856,9 @@
               </a:rPr>
               <a:t>Record all financial transactions related to loans, including repayments and disbursements.</a:t>
             </a:r>
-            <a:endParaRPr>
-              <a:latin typeface="Poppins"/>
-              <a:ea typeface="Poppins"/>
-              <a:cs typeface="Poppins"/>
-              <a:sym typeface="Poppins"/>
-            </a:endParaRPr>
-          </a:p>
-          <a:p>
-            <a:pPr lvl="1" marL="388617" indent="-194308">
+          </a:p>
+          <a:p>
+            <a:pPr marL="388617" lvl="1" indent="-194308">
               <a:lnSpc>
                 <a:spcPts val="2100"/>
               </a:lnSpc>
@@ -12872,15 +12887,9 @@
               </a:rPr>
               <a:t>Update user balances automatically after each transaction to reflect accurate financial status.</a:t>
             </a:r>
-            <a:endParaRPr>
-              <a:latin typeface="Poppins"/>
-              <a:ea typeface="Poppins"/>
-              <a:cs typeface="Poppins"/>
-              <a:sym typeface="Poppins"/>
-            </a:endParaRPr>
-          </a:p>
-          <a:p>
-            <a:pPr lvl="1" marL="388617" indent="-194308">
+          </a:p>
+          <a:p>
+            <a:pPr marL="388617" lvl="1" indent="-194308">
               <a:lnSpc>
                 <a:spcPts val="2100"/>
               </a:lnSpc>
@@ -12931,7 +12940,7 @@
           </a:ln>
           <a:extLst>
             <a:ext uri="{C572A759-6A51-4108-AA02-DFA0A04FC94B}">
-              <ma14:wrappingTextBoxFlag xmlns:ma14="http://schemas.microsoft.com/office/mac/drawingml/2011/main" val="1"/>
+              <ma14:wrappingTextBoxFlag xmlns:ma14="http://schemas.microsoft.com/office/mac/drawingml/2011/main" xmlns:a14="http://schemas.microsoft.com/office/drawing/2010/main" xmlns:m="http://schemas.openxmlformats.org/officeDocument/2006/math" xmlns="" val="1"/>
             </a:ext>
           </a:extLst>
         </p:spPr>
@@ -12956,7 +12965,6 @@
             </a:lvl1pPr>
           </a:lstStyle>
           <a:p>
-            <a:pPr/>
             <a:r>
               <a:t>User Management</a:t>
             </a:r>
@@ -12982,7 +12990,7 @@
           </a:ln>
           <a:extLst>
             <a:ext uri="{C572A759-6A51-4108-AA02-DFA0A04FC94B}">
-              <ma14:wrappingTextBoxFlag xmlns:ma14="http://schemas.microsoft.com/office/mac/drawingml/2011/main" val="1"/>
+              <ma14:wrappingTextBoxFlag xmlns:ma14="http://schemas.microsoft.com/office/mac/drawingml/2011/main" xmlns:a14="http://schemas.microsoft.com/office/drawing/2010/main" xmlns:m="http://schemas.openxmlformats.org/officeDocument/2006/math" xmlns="" val="1"/>
             </a:ext>
           </a:extLst>
         </p:spPr>
@@ -12992,7 +13000,7 @@
           </a:bodyPr>
           <a:lstStyle/>
           <a:p>
-            <a:pPr lvl="1" marL="388617" indent="-194308">
+            <a:pPr marL="388617" lvl="1" indent="-194308">
               <a:lnSpc>
                 <a:spcPts val="2100"/>
               </a:lnSpc>
@@ -13021,15 +13029,9 @@
               </a:rPr>
               <a:t>Allow users to view and update their profile information, including personal details and contact information.</a:t>
             </a:r>
-            <a:endParaRPr>
-              <a:latin typeface="Poppins"/>
-              <a:ea typeface="Poppins"/>
-              <a:cs typeface="Poppins"/>
-              <a:sym typeface="Poppins"/>
-            </a:endParaRPr>
-          </a:p>
-          <a:p>
-            <a:pPr lvl="1" marL="388617" indent="-194308">
+          </a:p>
+          <a:p>
+            <a:pPr marL="388617" lvl="1" indent="-194308">
               <a:lnSpc>
                 <a:spcPts val="2100"/>
               </a:lnSpc>
@@ -13058,15 +13060,9 @@
               </a:rPr>
               <a:t>Provide functionality for users to reset their passwords in case they forget or need to change them.</a:t>
             </a:r>
-            <a:endParaRPr>
-              <a:latin typeface="Poppins"/>
-              <a:ea typeface="Poppins"/>
-              <a:cs typeface="Poppins"/>
-              <a:sym typeface="Poppins"/>
-            </a:endParaRPr>
-          </a:p>
-          <a:p>
-            <a:pPr lvl="1" marL="388617" indent="-194308">
+          </a:p>
+          <a:p>
+            <a:pPr marL="388617" lvl="1" indent="-194308">
               <a:lnSpc>
                 <a:spcPts val="2100"/>
               </a:lnSpc>
@@ -13123,7 +13119,7 @@
           <a:bodyPr lIns="45719" rIns="45719"/>
           <a:lstStyle/>
           <a:p>
-            <a:pPr/>
+            <a:endParaRPr/>
           </a:p>
         </p:txBody>
       </p:sp>
@@ -13146,7 +13142,7 @@
           </a:ln>
           <a:extLst>
             <a:ext uri="{C572A759-6A51-4108-AA02-DFA0A04FC94B}">
-              <ma14:wrappingTextBoxFlag xmlns:ma14="http://schemas.microsoft.com/office/mac/drawingml/2011/main" val="1"/>
+              <ma14:wrappingTextBoxFlag xmlns:ma14="http://schemas.microsoft.com/office/mac/drawingml/2011/main" xmlns:a14="http://schemas.microsoft.com/office/drawing/2010/main" xmlns:m="http://schemas.openxmlformats.org/officeDocument/2006/math" xmlns="" val="1"/>
             </a:ext>
           </a:extLst>
         </p:spPr>
@@ -13171,7 +13167,6 @@
             </a:lvl1pPr>
           </a:lstStyle>
           <a:p>
-            <a:pPr/>
             <a:r>
               <a:t> Reporting and Analytics</a:t>
             </a:r>
@@ -13197,7 +13192,7 @@
           </a:ln>
           <a:extLst>
             <a:ext uri="{C572A759-6A51-4108-AA02-DFA0A04FC94B}">
-              <ma14:wrappingTextBoxFlag xmlns:ma14="http://schemas.microsoft.com/office/mac/drawingml/2011/main" val="1"/>
+              <ma14:wrappingTextBoxFlag xmlns:ma14="http://schemas.microsoft.com/office/mac/drawingml/2011/main" xmlns:a14="http://schemas.microsoft.com/office/drawing/2010/main" xmlns:m="http://schemas.openxmlformats.org/officeDocument/2006/math" xmlns="" val="1"/>
             </a:ext>
           </a:extLst>
         </p:spPr>
@@ -13210,7 +13205,7 @@
               <a:lnSpc>
                 <a:spcPts val="3400"/>
               </a:lnSpc>
-              <a:defRPr spc="-125" sz="3200">
+              <a:defRPr sz="3200" spc="-125">
                 <a:solidFill>
                   <a:srgbClr val="2B2A2A"/>
                 </a:solidFill>
@@ -13222,7 +13217,6 @@
             </a:lvl1pPr>
           </a:lstStyle>
           <a:p>
-            <a:pPr/>
             <a:r>
               <a:t>5</a:t>
             </a:r>
@@ -13248,7 +13242,7 @@
           </a:ln>
           <a:extLst>
             <a:ext uri="{C572A759-6A51-4108-AA02-DFA0A04FC94B}">
-              <ma14:wrappingTextBoxFlag xmlns:ma14="http://schemas.microsoft.com/office/mac/drawingml/2011/main" val="1"/>
+              <ma14:wrappingTextBoxFlag xmlns:ma14="http://schemas.microsoft.com/office/mac/drawingml/2011/main" xmlns:a14="http://schemas.microsoft.com/office/drawing/2010/main" xmlns:m="http://schemas.openxmlformats.org/officeDocument/2006/math" xmlns="" val="1"/>
             </a:ext>
           </a:extLst>
         </p:spPr>
@@ -13258,7 +13252,7 @@
           </a:bodyPr>
           <a:lstStyle/>
           <a:p>
-            <a:pPr lvl="1" marL="388617" indent="-194308">
+            <a:pPr marL="388617" lvl="1" indent="-194308">
               <a:lnSpc>
                 <a:spcPts val="2100"/>
               </a:lnSpc>
@@ -13287,15 +13281,9 @@
               </a:rPr>
               <a:t>Provide users with insights into the status of their loans, including pending, active, and completed loans.</a:t>
             </a:r>
-            <a:endParaRPr>
-              <a:latin typeface="Poppins"/>
-              <a:ea typeface="Poppins"/>
-              <a:cs typeface="Poppins"/>
-              <a:sym typeface="Poppins"/>
-            </a:endParaRPr>
-          </a:p>
-          <a:p>
-            <a:pPr lvl="1" marL="388617" indent="-194308">
+          </a:p>
+          <a:p>
+            <a:pPr marL="388617" lvl="1" indent="-194308">
               <a:lnSpc>
                 <a:spcPts val="2100"/>
               </a:lnSpc>
@@ -13324,15 +13312,9 @@
               </a:rPr>
               <a:t>Enable users to view their transaction history, including details such as date, amount, and transaction type.</a:t>
             </a:r>
-            <a:endParaRPr>
-              <a:latin typeface="Poppins"/>
-              <a:ea typeface="Poppins"/>
-              <a:cs typeface="Poppins"/>
-              <a:sym typeface="Poppins"/>
-            </a:endParaRPr>
-          </a:p>
-          <a:p>
-            <a:pPr lvl="1" marL="388617" indent="-194308">
+          </a:p>
+          <a:p>
+            <a:pPr marL="388617" lvl="1" indent="-194308">
               <a:lnSpc>
                 <a:spcPts val="2100"/>
               </a:lnSpc>
@@ -13361,12 +13343,6 @@
               </a:rPr>
               <a:t> Generate reports and analytics to help users track their financial activities and make informed decisions.</a:t>
             </a:r>
-            <a:endParaRPr>
-              <a:latin typeface="Poppins"/>
-              <a:ea typeface="Poppins"/>
-              <a:cs typeface="Poppins"/>
-              <a:sym typeface="Poppins"/>
-            </a:endParaRPr>
           </a:p>
         </p:txBody>
       </p:sp>
@@ -13395,7 +13371,7 @@
           <a:bodyPr lIns="45719" rIns="45719"/>
           <a:lstStyle/>
           <a:p>
-            <a:pPr/>
+            <a:endParaRPr/>
           </a:p>
         </p:txBody>
       </p:sp>
@@ -13418,7 +13394,7 @@
           </a:ln>
           <a:extLst>
             <a:ext uri="{C572A759-6A51-4108-AA02-DFA0A04FC94B}">
-              <ma14:wrappingTextBoxFlag xmlns:ma14="http://schemas.microsoft.com/office/mac/drawingml/2011/main" val="1"/>
+              <ma14:wrappingTextBoxFlag xmlns:ma14="http://schemas.microsoft.com/office/mac/drawingml/2011/main" xmlns:a14="http://schemas.microsoft.com/office/drawing/2010/main" xmlns:m="http://schemas.openxmlformats.org/officeDocument/2006/math" xmlns="" val="1"/>
             </a:ext>
           </a:extLst>
         </p:spPr>
@@ -13431,7 +13407,7 @@
               <a:lnSpc>
                 <a:spcPts val="3400"/>
               </a:lnSpc>
-              <a:defRPr spc="-125" sz="3200">
+              <a:defRPr sz="3200" spc="-125">
                 <a:solidFill>
                   <a:srgbClr val="2B2A2A"/>
                 </a:solidFill>
@@ -13443,7 +13419,6 @@
             </a:lvl1pPr>
           </a:lstStyle>
           <a:p>
-            <a:pPr/>
             <a:r>
               <a:t>6</a:t>
             </a:r>
@@ -13469,7 +13444,7 @@
           </a:ln>
           <a:extLst>
             <a:ext uri="{C572A759-6A51-4108-AA02-DFA0A04FC94B}">
-              <ma14:wrappingTextBoxFlag xmlns:ma14="http://schemas.microsoft.com/office/mac/drawingml/2011/main" val="1"/>
+              <ma14:wrappingTextBoxFlag xmlns:ma14="http://schemas.microsoft.com/office/mac/drawingml/2011/main" xmlns:a14="http://schemas.microsoft.com/office/drawing/2010/main" xmlns:m="http://schemas.openxmlformats.org/officeDocument/2006/math" xmlns="" val="1"/>
             </a:ext>
           </a:extLst>
         </p:spPr>
@@ -13494,7 +13469,6 @@
             </a:lvl1pPr>
           </a:lstStyle>
           <a:p>
-            <a:pPr/>
             <a:r>
               <a:t>Security and Compliance</a:t>
             </a:r>
@@ -13520,7 +13494,7 @@
           </a:ln>
           <a:extLst>
             <a:ext uri="{C572A759-6A51-4108-AA02-DFA0A04FC94B}">
-              <ma14:wrappingTextBoxFlag xmlns:ma14="http://schemas.microsoft.com/office/mac/drawingml/2011/main" val="1"/>
+              <ma14:wrappingTextBoxFlag xmlns:ma14="http://schemas.microsoft.com/office/mac/drawingml/2011/main" xmlns:a14="http://schemas.microsoft.com/office/drawing/2010/main" xmlns:m="http://schemas.openxmlformats.org/officeDocument/2006/math" xmlns="" val="1"/>
             </a:ext>
           </a:extLst>
         </p:spPr>
@@ -13530,7 +13504,7 @@
           </a:bodyPr>
           <a:lstStyle/>
           <a:p>
-            <a:pPr lvl="1" marL="388617" indent="-194308">
+            <a:pPr marL="388617" lvl="1" indent="-194308">
               <a:lnSpc>
                 <a:spcPts val="2100"/>
               </a:lnSpc>
@@ -13590,7 +13564,7 @@
           <a:bodyPr lIns="45719" rIns="45719"/>
           <a:lstStyle/>
           <a:p>
-            <a:pPr/>
+            <a:endParaRPr/>
           </a:p>
         </p:txBody>
       </p:sp>
@@ -13599,18 +13573,19 @@
   <p:clrMapOvr>
     <a:masterClrMapping/>
   </p:clrMapOvr>
-  <p:transition xmlns:p14="http://schemas.microsoft.com/office/powerpoint/2010/main" spd="med" advClick="1"/>
+  <p:transition spd="med"/>
 </p:sld>
 </file>
 
 <file path=ppt/slides/slide5.xml><?xml version="1.0" encoding="utf-8"?>
-<p:sld xmlns:a="http://schemas.openxmlformats.org/drawingml/2006/main" xmlns:r="http://schemas.openxmlformats.org/officeDocument/2006/relationships" xmlns:p="http://schemas.openxmlformats.org/presentationml/2006/main" xmlns:m="http://schemas.openxmlformats.org/officeDocument/2006/math" xmlns:a14="http://schemas.microsoft.com/office/drawing/2010/main" showMasterSp="1" showMasterPhAnim="1">
+<p:sld xmlns:a="http://schemas.openxmlformats.org/drawingml/2006/main" xmlns:r="http://schemas.openxmlformats.org/officeDocument/2006/relationships" xmlns:p="http://schemas.openxmlformats.org/presentationml/2006/main">
   <p:cSld>
     <p:bg>
       <p:bgPr>
         <a:solidFill>
           <a:srgbClr val="92A2CC"/>
         </a:solidFill>
+        <a:effectLst/>
       </p:bgPr>
     </p:bg>
     <p:spTree>
@@ -13658,7 +13633,7 @@
             </a:cxnLst>
             <a:rect l="0" t="0" r="r" b="b"/>
             <a:pathLst>
-              <a:path w="21600" h="21600" fill="norm" stroke="1" extrusionOk="0">
+              <a:path w="21600" h="21600" extrusionOk="0">
                 <a:moveTo>
                   <a:pt x="3762" y="0"/>
                 </a:moveTo>
@@ -13714,7 +13689,7 @@
           <a:bodyPr lIns="45719" rIns="45719"/>
           <a:lstStyle/>
           <a:p>
-            <a:pPr/>
+            <a:endParaRPr/>
           </a:p>
         </p:txBody>
       </p:sp>
@@ -13749,7 +13724,7 @@
             </a:cxnLst>
             <a:rect l="0" t="0" r="r" b="b"/>
             <a:pathLst>
-              <a:path w="21600" h="21600" fill="norm" stroke="1" extrusionOk="0">
+              <a:path w="21600" h="21600" extrusionOk="0">
                 <a:moveTo>
                   <a:pt x="2339" y="0"/>
                 </a:moveTo>
@@ -13820,7 +13795,7 @@
           <a:bodyPr lIns="45719" rIns="45719"/>
           <a:lstStyle/>
           <a:p>
-            <a:pPr/>
+            <a:endParaRPr/>
           </a:p>
         </p:txBody>
       </p:sp>
@@ -13855,7 +13830,7 @@
             </a:cxnLst>
             <a:rect l="0" t="0" r="r" b="b"/>
             <a:pathLst>
-              <a:path w="21600" h="21600" fill="norm" stroke="1" extrusionOk="0">
+              <a:path w="21600" h="21600" extrusionOk="0">
                 <a:moveTo>
                   <a:pt x="498" y="0"/>
                 </a:moveTo>
@@ -13921,7 +13896,7 @@
           <a:bodyPr lIns="45719" rIns="45719"/>
           <a:lstStyle/>
           <a:p>
-            <a:pPr/>
+            <a:endParaRPr/>
           </a:p>
         </p:txBody>
       </p:sp>
@@ -13956,7 +13931,7 @@
             </a:cxnLst>
             <a:rect l="0" t="0" r="r" b="b"/>
             <a:pathLst>
-              <a:path w="21600" h="21600" fill="norm" stroke="1" extrusionOk="0">
+              <a:path w="21600" h="21600" extrusionOk="0">
                 <a:moveTo>
                   <a:pt x="315" y="0"/>
                 </a:moveTo>
@@ -14007,7 +13982,7 @@
           <a:bodyPr lIns="45719" rIns="45719"/>
           <a:lstStyle/>
           <a:p>
-            <a:pPr/>
+            <a:endParaRPr/>
           </a:p>
         </p:txBody>
       </p:sp>
@@ -14042,7 +14017,7 @@
             </a:cxnLst>
             <a:rect l="0" t="0" r="r" b="b"/>
             <a:pathLst>
-              <a:path w="21600" h="21600" fill="norm" stroke="1" extrusionOk="0">
+              <a:path w="21600" h="21600" extrusionOk="0">
                 <a:moveTo>
                   <a:pt x="315" y="0"/>
                 </a:moveTo>
@@ -14093,7 +14068,7 @@
           <a:bodyPr lIns="45719" rIns="45719"/>
           <a:lstStyle/>
           <a:p>
-            <a:pPr/>
+            <a:endParaRPr/>
           </a:p>
         </p:txBody>
       </p:sp>
@@ -14116,7 +14091,7 @@
           </a:ln>
           <a:extLst>
             <a:ext uri="{C572A759-6A51-4108-AA02-DFA0A04FC94B}">
-              <ma14:wrappingTextBoxFlag xmlns:ma14="http://schemas.microsoft.com/office/mac/drawingml/2011/main" val="1"/>
+              <ma14:wrappingTextBoxFlag xmlns:ma14="http://schemas.microsoft.com/office/mac/drawingml/2011/main" xmlns:a14="http://schemas.microsoft.com/office/drawing/2010/main" xmlns:m="http://schemas.openxmlformats.org/officeDocument/2006/math" xmlns="" val="1"/>
             </a:ext>
           </a:extLst>
         </p:spPr>
@@ -14141,7 +14116,6 @@
             </a:lvl1pPr>
           </a:lstStyle>
           <a:p>
-            <a:pPr/>
             <a:r>
               <a:t>The Server’s</a:t>
             </a:r>
@@ -14167,7 +14141,7 @@
           </a:ln>
           <a:extLst>
             <a:ext uri="{C572A759-6A51-4108-AA02-DFA0A04FC94B}">
-              <ma14:wrappingTextBoxFlag xmlns:ma14="http://schemas.microsoft.com/office/mac/drawingml/2011/main" val="1"/>
+              <ma14:wrappingTextBoxFlag xmlns:ma14="http://schemas.microsoft.com/office/mac/drawingml/2011/main" xmlns:a14="http://schemas.microsoft.com/office/drawing/2010/main" xmlns:m="http://schemas.openxmlformats.org/officeDocument/2006/math" xmlns="" val="1"/>
             </a:ext>
           </a:extLst>
         </p:spPr>
@@ -14192,7 +14166,6 @@
             </a:lvl1pPr>
           </a:lstStyle>
           <a:p>
-            <a:pPr/>
             <a:r>
               <a:t>uses</a:t>
             </a:r>
@@ -14244,7 +14217,7 @@
               </a:cxnLst>
               <a:rect l="0" t="0" r="r" b="b"/>
               <a:pathLst>
-                <a:path w="21600" h="21600" fill="norm" stroke="1" extrusionOk="0">
+                <a:path w="21600" h="21600" extrusionOk="0">
                   <a:moveTo>
                     <a:pt x="18555" y="0"/>
                   </a:moveTo>
@@ -14411,7 +14384,7 @@
             </a:bodyPr>
             <a:lstStyle/>
             <a:p>
-              <a:pPr/>
+              <a:endParaRPr/>
             </a:p>
           </p:txBody>
         </p:sp>
@@ -14446,7 +14419,7 @@
               </a:cxnLst>
               <a:rect l="0" t="0" r="r" b="b"/>
               <a:pathLst>
-                <a:path w="21588" h="21600" fill="norm" stroke="1" extrusionOk="0">
+                <a:path w="21588" h="21600" extrusionOk="0">
                   <a:moveTo>
                     <a:pt x="19578" y="0"/>
                   </a:moveTo>
@@ -14529,7 +14502,7 @@
             </a:bodyPr>
             <a:lstStyle/>
             <a:p>
-              <a:pPr/>
+              <a:endParaRPr/>
             </a:p>
           </p:txBody>
         </p:sp>
@@ -14564,7 +14537,7 @@
               </a:cxnLst>
               <a:rect l="0" t="0" r="r" b="b"/>
               <a:pathLst>
-                <a:path w="21600" h="21600" fill="norm" stroke="1" extrusionOk="0">
+                <a:path w="21600" h="21600" extrusionOk="0">
                   <a:moveTo>
                     <a:pt x="20260" y="0"/>
                   </a:moveTo>
@@ -14613,7 +14586,7 @@
             </a:bodyPr>
             <a:lstStyle/>
             <a:p>
-              <a:pPr/>
+              <a:endParaRPr/>
             </a:p>
           </p:txBody>
         </p:sp>
@@ -14648,7 +14621,7 @@
               </a:cxnLst>
               <a:rect l="0" t="0" r="r" b="b"/>
               <a:pathLst>
-                <a:path w="20676" h="21566" fill="norm" stroke="1" extrusionOk="0">
+                <a:path w="20676" h="21566" extrusionOk="0">
                   <a:moveTo>
                     <a:pt x="10338" y="0"/>
                   </a:moveTo>
@@ -14701,7 +14674,7 @@
             </a:bodyPr>
             <a:lstStyle/>
             <a:p>
-              <a:pPr/>
+              <a:endParaRPr/>
             </a:p>
           </p:txBody>
         </p:sp>
@@ -14736,7 +14709,7 @@
               </a:cxnLst>
               <a:rect l="0" t="0" r="r" b="b"/>
               <a:pathLst>
-                <a:path w="21600" h="21600" fill="norm" stroke="1" extrusionOk="0">
+                <a:path w="21600" h="21600" extrusionOk="0">
                   <a:moveTo>
                     <a:pt x="0" y="2700"/>
                   </a:moveTo>
@@ -14775,7 +14748,7 @@
             </a:bodyPr>
             <a:lstStyle/>
             <a:p>
-              <a:pPr/>
+              <a:endParaRPr/>
             </a:p>
           </p:txBody>
         </p:sp>
@@ -14810,7 +14783,7 @@
               </a:cxnLst>
               <a:rect l="0" t="0" r="r" b="b"/>
               <a:pathLst>
-                <a:path w="21600" h="21600" fill="norm" stroke="1" extrusionOk="0">
+                <a:path w="21600" h="21600" extrusionOk="0">
                   <a:moveTo>
                     <a:pt x="0" y="1497"/>
                   </a:moveTo>
@@ -14849,7 +14822,7 @@
             </a:bodyPr>
             <a:lstStyle/>
             <a:p>
-              <a:pPr/>
+              <a:endParaRPr/>
             </a:p>
           </p:txBody>
         </p:sp>
@@ -14884,7 +14857,7 @@
               </a:cxnLst>
               <a:rect l="0" t="0" r="r" b="b"/>
               <a:pathLst>
-                <a:path w="21600" h="21600" fill="norm" stroke="1" extrusionOk="0">
+                <a:path w="21600" h="21600" extrusionOk="0">
                   <a:moveTo>
                     <a:pt x="0" y="1563"/>
                   </a:moveTo>
@@ -14923,7 +14896,7 @@
             </a:bodyPr>
             <a:lstStyle/>
             <a:p>
-              <a:pPr/>
+              <a:endParaRPr/>
             </a:p>
           </p:txBody>
         </p:sp>
@@ -14958,7 +14931,7 @@
               </a:cxnLst>
               <a:rect l="0" t="0" r="r" b="b"/>
               <a:pathLst>
-                <a:path w="21600" h="21600" fill="norm" stroke="1" extrusionOk="0">
+                <a:path w="21600" h="21600" extrusionOk="0">
                   <a:moveTo>
                     <a:pt x="0" y="0"/>
                   </a:moveTo>
@@ -14997,7 +14970,7 @@
             </a:bodyPr>
             <a:lstStyle/>
             <a:p>
-              <a:pPr/>
+              <a:endParaRPr/>
             </a:p>
           </p:txBody>
         </p:sp>
@@ -15032,7 +15005,7 @@
               </a:cxnLst>
               <a:rect l="0" t="0" r="r" b="b"/>
               <a:pathLst>
-                <a:path w="21600" h="21600" fill="norm" stroke="1" extrusionOk="0">
+                <a:path w="21600" h="21600" extrusionOk="0">
                   <a:moveTo>
                     <a:pt x="21600" y="4938"/>
                   </a:moveTo>
@@ -15199,7 +15172,7 @@
             </a:bodyPr>
             <a:lstStyle/>
             <a:p>
-              <a:pPr/>
+              <a:endParaRPr/>
             </a:p>
           </p:txBody>
         </p:sp>
@@ -15232,7 +15205,7 @@
           <a:bodyPr lIns="45719" rIns="45719"/>
           <a:lstStyle/>
           <a:p>
-            <a:pPr/>
+            <a:endParaRPr/>
           </a:p>
         </p:txBody>
       </p:sp>
@@ -15255,7 +15228,7 @@
           </a:ln>
           <a:extLst>
             <a:ext uri="{C572A759-6A51-4108-AA02-DFA0A04FC94B}">
-              <ma14:wrappingTextBoxFlag xmlns:ma14="http://schemas.microsoft.com/office/mac/drawingml/2011/main" val="1"/>
+              <ma14:wrappingTextBoxFlag xmlns:ma14="http://schemas.microsoft.com/office/mac/drawingml/2011/main" xmlns:a14="http://schemas.microsoft.com/office/drawing/2010/main" xmlns:m="http://schemas.openxmlformats.org/officeDocument/2006/math" xmlns="" val="1"/>
             </a:ext>
           </a:extLst>
         </p:spPr>
@@ -15280,7 +15253,6 @@
             </a:lvl1pPr>
           </a:lstStyle>
           <a:p>
-            <a:pPr/>
             <a:r>
               <a:t>Minterate</a:t>
             </a:r>
@@ -15306,7 +15278,7 @@
           </a:ln>
           <a:extLst>
             <a:ext uri="{C572A759-6A51-4108-AA02-DFA0A04FC94B}">
-              <ma14:wrappingTextBoxFlag xmlns:ma14="http://schemas.microsoft.com/office/mac/drawingml/2011/main" val="1"/>
+              <ma14:wrappingTextBoxFlag xmlns:ma14="http://schemas.microsoft.com/office/mac/drawingml/2011/main" xmlns:a14="http://schemas.microsoft.com/office/drawing/2010/main" xmlns:m="http://schemas.openxmlformats.org/officeDocument/2006/math" xmlns="" val="1"/>
             </a:ext>
           </a:extLst>
         </p:spPr>
@@ -15331,7 +15303,6 @@
             </a:lvl1pPr>
           </a:lstStyle>
           <a:p>
-            <a:pPr/>
             <a:r>
               <a:t>Payment App</a:t>
             </a:r>
@@ -15357,7 +15328,7 @@
           </a:ln>
           <a:extLst>
             <a:ext uri="{C572A759-6A51-4108-AA02-DFA0A04FC94B}">
-              <ma14:wrappingTextBoxFlag xmlns:ma14="http://schemas.microsoft.com/office/mac/drawingml/2011/main" val="1"/>
+              <ma14:wrappingTextBoxFlag xmlns:ma14="http://schemas.microsoft.com/office/mac/drawingml/2011/main" xmlns:a14="http://schemas.microsoft.com/office/drawing/2010/main" xmlns:m="http://schemas.openxmlformats.org/officeDocument/2006/math" xmlns="" val="1"/>
             </a:ext>
           </a:extLst>
         </p:spPr>
@@ -15382,7 +15353,6 @@
             </a:lvl1pPr>
           </a:lstStyle>
           <a:p>
-            <a:pPr/>
             <a:r>
               <a:t>Express.js for Server-Side Routing</a:t>
             </a:r>
@@ -15408,7 +15378,7 @@
           </a:ln>
           <a:extLst>
             <a:ext uri="{C572A759-6A51-4108-AA02-DFA0A04FC94B}">
-              <ma14:wrappingTextBoxFlag xmlns:ma14="http://schemas.microsoft.com/office/mac/drawingml/2011/main" val="1"/>
+              <ma14:wrappingTextBoxFlag xmlns:ma14="http://schemas.microsoft.com/office/mac/drawingml/2011/main" xmlns:a14="http://schemas.microsoft.com/office/drawing/2010/main" xmlns:m="http://schemas.openxmlformats.org/officeDocument/2006/math" xmlns="" val="1"/>
             </a:ext>
           </a:extLst>
         </p:spPr>
@@ -15433,7 +15403,6 @@
             </a:lvl1pPr>
           </a:lstStyle>
           <a:p>
-            <a:pPr/>
             <a:r>
               <a:t>Authentication and Authorization</a:t>
             </a:r>
@@ -15459,7 +15428,7 @@
           </a:ln>
           <a:extLst>
             <a:ext uri="{C572A759-6A51-4108-AA02-DFA0A04FC94B}">
-              <ma14:wrappingTextBoxFlag xmlns:ma14="http://schemas.microsoft.com/office/mac/drawingml/2011/main" val="1"/>
+              <ma14:wrappingTextBoxFlag xmlns:ma14="http://schemas.microsoft.com/office/mac/drawingml/2011/main" xmlns:a14="http://schemas.microsoft.com/office/drawing/2010/main" xmlns:m="http://schemas.openxmlformats.org/officeDocument/2006/math" xmlns="" val="1"/>
             </a:ext>
           </a:extLst>
         </p:spPr>
@@ -15484,7 +15453,6 @@
             </a:lvl1pPr>
           </a:lstStyle>
           <a:p>
-            <a:pPr/>
             <a:r>
               <a:t>Data Processing and Storage</a:t>
             </a:r>
@@ -15510,7 +15478,7 @@
           </a:ln>
           <a:extLst>
             <a:ext uri="{C572A759-6A51-4108-AA02-DFA0A04FC94B}">
-              <ma14:wrappingTextBoxFlag xmlns:ma14="http://schemas.microsoft.com/office/mac/drawingml/2011/main" val="1"/>
+              <ma14:wrappingTextBoxFlag xmlns:ma14="http://schemas.microsoft.com/office/mac/drawingml/2011/main" xmlns:a14="http://schemas.microsoft.com/office/drawing/2010/main" xmlns:m="http://schemas.openxmlformats.org/officeDocument/2006/math" xmlns="" val="1"/>
             </a:ext>
           </a:extLst>
         </p:spPr>
@@ -15520,7 +15488,7 @@
           </a:bodyPr>
           <a:lstStyle/>
           <a:p>
-            <a:pPr lvl="1" marL="367029" indent="-183514">
+            <a:pPr marL="367029" lvl="1" indent="-183514">
               <a:lnSpc>
                 <a:spcPts val="1900"/>
               </a:lnSpc>
@@ -15542,7 +15510,7 @@
             </a:r>
           </a:p>
           <a:p>
-            <a:pPr lvl="1" marL="367029" indent="-183514">
+            <a:pPr marL="367029" lvl="1" indent="-183514">
               <a:lnSpc>
                 <a:spcPts val="1900"/>
               </a:lnSpc>
@@ -15584,7 +15552,7 @@
           </a:ln>
           <a:extLst>
             <a:ext uri="{C572A759-6A51-4108-AA02-DFA0A04FC94B}">
-              <ma14:wrappingTextBoxFlag xmlns:ma14="http://schemas.microsoft.com/office/mac/drawingml/2011/main" val="1"/>
+              <ma14:wrappingTextBoxFlag xmlns:ma14="http://schemas.microsoft.com/office/mac/drawingml/2011/main" xmlns:a14="http://schemas.microsoft.com/office/drawing/2010/main" xmlns:m="http://schemas.openxmlformats.org/officeDocument/2006/math" xmlns="" val="1"/>
             </a:ext>
           </a:extLst>
         </p:spPr>
@@ -15594,7 +15562,7 @@
           </a:bodyPr>
           <a:lstStyle/>
           <a:p>
-            <a:pPr lvl="1" marL="367029" indent="-183514">
+            <a:pPr marL="367029" lvl="1" indent="-183514">
               <a:lnSpc>
                 <a:spcPts val="1900"/>
               </a:lnSpc>
@@ -15616,7 +15584,7 @@
             </a:r>
           </a:p>
           <a:p>
-            <a:pPr lvl="1" marL="367029" indent="-183514">
+            <a:pPr marL="367029" lvl="1" indent="-183514">
               <a:lnSpc>
                 <a:spcPts val="1900"/>
               </a:lnSpc>
@@ -15670,7 +15638,7 @@
             </a:cxnLst>
             <a:rect l="0" t="0" r="r" b="b"/>
             <a:pathLst>
-              <a:path w="21600" h="21600" fill="norm" stroke="1" extrusionOk="0">
+              <a:path w="21600" h="21600" extrusionOk="0">
                 <a:moveTo>
                   <a:pt x="315" y="0"/>
                 </a:moveTo>
@@ -15721,7 +15689,7 @@
           <a:bodyPr lIns="45719" rIns="45719"/>
           <a:lstStyle/>
           <a:p>
-            <a:pPr/>
+            <a:endParaRPr/>
           </a:p>
         </p:txBody>
       </p:sp>
@@ -15744,7 +15712,7 @@
           </a:ln>
           <a:extLst>
             <a:ext uri="{C572A759-6A51-4108-AA02-DFA0A04FC94B}">
-              <ma14:wrappingTextBoxFlag xmlns:ma14="http://schemas.microsoft.com/office/mac/drawingml/2011/main" val="1"/>
+              <ma14:wrappingTextBoxFlag xmlns:ma14="http://schemas.microsoft.com/office/mac/drawingml/2011/main" xmlns:a14="http://schemas.microsoft.com/office/drawing/2010/main" xmlns:m="http://schemas.openxmlformats.org/officeDocument/2006/math" xmlns="" val="1"/>
             </a:ext>
           </a:extLst>
         </p:spPr>
@@ -15769,7 +15737,6 @@
             </a:lvl1pPr>
           </a:lstStyle>
           <a:p>
-            <a:pPr/>
             <a:r>
               <a:t>Error Handling and Logging</a:t>
             </a:r>
@@ -15795,7 +15762,7 @@
           </a:ln>
           <a:extLst>
             <a:ext uri="{C572A759-6A51-4108-AA02-DFA0A04FC94B}">
-              <ma14:wrappingTextBoxFlag xmlns:ma14="http://schemas.microsoft.com/office/mac/drawingml/2011/main" val="1"/>
+              <ma14:wrappingTextBoxFlag xmlns:ma14="http://schemas.microsoft.com/office/mac/drawingml/2011/main" xmlns:a14="http://schemas.microsoft.com/office/drawing/2010/main" xmlns:m="http://schemas.openxmlformats.org/officeDocument/2006/math" xmlns="" val="1"/>
             </a:ext>
           </a:extLst>
         </p:spPr>
@@ -15805,7 +15772,7 @@
           </a:bodyPr>
           <a:lstStyle/>
           <a:p>
-            <a:pPr lvl="1" marL="367029" indent="-183514">
+            <a:pPr marL="367029" lvl="1" indent="-183514">
               <a:lnSpc>
                 <a:spcPts val="1900"/>
               </a:lnSpc>
@@ -15827,7 +15794,7 @@
             </a:r>
           </a:p>
           <a:p>
-            <a:pPr lvl="1" marL="367029" indent="-183514">
+            <a:pPr marL="367029" lvl="1" indent="-183514">
               <a:lnSpc>
                 <a:spcPts val="1900"/>
               </a:lnSpc>
@@ -15881,7 +15848,7 @@
             </a:cxnLst>
             <a:rect l="0" t="0" r="r" b="b"/>
             <a:pathLst>
-              <a:path w="21600" h="21600" fill="norm" stroke="1" extrusionOk="0">
+              <a:path w="21600" h="21600" extrusionOk="0">
                 <a:moveTo>
                   <a:pt x="582" y="0"/>
                 </a:moveTo>
@@ -15932,7 +15899,7 @@
           <a:bodyPr lIns="45719" rIns="45719"/>
           <a:lstStyle/>
           <a:p>
-            <a:pPr/>
+            <a:endParaRPr/>
           </a:p>
         </p:txBody>
       </p:sp>
@@ -15955,7 +15922,7 @@
           </a:ln>
           <a:extLst>
             <a:ext uri="{C572A759-6A51-4108-AA02-DFA0A04FC94B}">
-              <ma14:wrappingTextBoxFlag xmlns:ma14="http://schemas.microsoft.com/office/mac/drawingml/2011/main" val="1"/>
+              <ma14:wrappingTextBoxFlag xmlns:ma14="http://schemas.microsoft.com/office/mac/drawingml/2011/main" xmlns:a14="http://schemas.microsoft.com/office/drawing/2010/main" xmlns:m="http://schemas.openxmlformats.org/officeDocument/2006/math" xmlns="" val="1"/>
             </a:ext>
           </a:extLst>
         </p:spPr>
@@ -15980,7 +15947,6 @@
             </a:lvl1pPr>
           </a:lstStyle>
           <a:p>
-            <a:pPr/>
             <a:r>
               <a:t>Real-Time Communication</a:t>
             </a:r>
@@ -16006,7 +15972,7 @@
           </a:ln>
           <a:extLst>
             <a:ext uri="{C572A759-6A51-4108-AA02-DFA0A04FC94B}">
-              <ma14:wrappingTextBoxFlag xmlns:ma14="http://schemas.microsoft.com/office/mac/drawingml/2011/main" val="1"/>
+              <ma14:wrappingTextBoxFlag xmlns:ma14="http://schemas.microsoft.com/office/mac/drawingml/2011/main" xmlns:a14="http://schemas.microsoft.com/office/drawing/2010/main" xmlns:m="http://schemas.openxmlformats.org/officeDocument/2006/math" xmlns="" val="1"/>
             </a:ext>
           </a:extLst>
         </p:spPr>
@@ -16016,7 +15982,7 @@
           </a:bodyPr>
           <a:lstStyle/>
           <a:p>
-            <a:pPr lvl="1" marL="367029" indent="-183514">
+            <a:pPr marL="367029" lvl="1" indent="-183514">
               <a:lnSpc>
                 <a:spcPts val="1900"/>
               </a:lnSpc>
@@ -16067,7 +16033,7 @@
           <a:bodyPr lIns="45719" rIns="45719"/>
           <a:lstStyle/>
           <a:p>
-            <a:pPr/>
+            <a:endParaRPr/>
           </a:p>
         </p:txBody>
       </p:sp>
@@ -16102,7 +16068,7 @@
             </a:cxnLst>
             <a:rect l="0" t="0" r="r" b="b"/>
             <a:pathLst>
-              <a:path w="21600" h="21600" fill="norm" stroke="1" extrusionOk="0">
+              <a:path w="21600" h="21600" extrusionOk="0">
                 <a:moveTo>
                   <a:pt x="498" y="0"/>
                 </a:moveTo>
@@ -16168,7 +16134,7 @@
           <a:bodyPr lIns="45719" rIns="45719"/>
           <a:lstStyle/>
           <a:p>
-            <a:pPr/>
+            <a:endParaRPr/>
           </a:p>
         </p:txBody>
       </p:sp>
@@ -16191,7 +16157,7 @@
           </a:ln>
           <a:extLst>
             <a:ext uri="{C572A759-6A51-4108-AA02-DFA0A04FC94B}">
-              <ma14:wrappingTextBoxFlag xmlns:ma14="http://schemas.microsoft.com/office/mac/drawingml/2011/main" val="1"/>
+              <ma14:wrappingTextBoxFlag xmlns:ma14="http://schemas.microsoft.com/office/mac/drawingml/2011/main" xmlns:a14="http://schemas.microsoft.com/office/drawing/2010/main" xmlns:m="http://schemas.openxmlformats.org/officeDocument/2006/math" xmlns="" val="1"/>
             </a:ext>
           </a:extLst>
         </p:spPr>
@@ -16216,7 +16182,6 @@
             </a:lvl1pPr>
           </a:lstStyle>
           <a:p>
-            <a:pPr/>
             <a:r>
               <a:t>Retrofit</a:t>
             </a:r>
@@ -16242,7 +16207,7 @@
           </a:ln>
           <a:extLst>
             <a:ext uri="{C572A759-6A51-4108-AA02-DFA0A04FC94B}">
-              <ma14:wrappingTextBoxFlag xmlns:ma14="http://schemas.microsoft.com/office/mac/drawingml/2011/main" val="1"/>
+              <ma14:wrappingTextBoxFlag xmlns:ma14="http://schemas.microsoft.com/office/mac/drawingml/2011/main" xmlns:a14="http://schemas.microsoft.com/office/drawing/2010/main" xmlns:m="http://schemas.openxmlformats.org/officeDocument/2006/math" xmlns="" val="1"/>
             </a:ext>
           </a:extLst>
         </p:spPr>
@@ -16252,7 +16217,7 @@
           </a:bodyPr>
           <a:lstStyle/>
           <a:p>
-            <a:pPr lvl="1" marL="373597" indent="-186799">
+            <a:pPr marL="373597" lvl="1" indent="-186799">
               <a:lnSpc>
                 <a:spcPts val="2000"/>
               </a:lnSpc>
@@ -16294,7 +16259,7 @@
           </a:ln>
           <a:extLst>
             <a:ext uri="{C572A759-6A51-4108-AA02-DFA0A04FC94B}">
-              <ma14:wrappingTextBoxFlag xmlns:ma14="http://schemas.microsoft.com/office/mac/drawingml/2011/main" val="1"/>
+              <ma14:wrappingTextBoxFlag xmlns:ma14="http://schemas.microsoft.com/office/mac/drawingml/2011/main" xmlns:a14="http://schemas.microsoft.com/office/drawing/2010/main" xmlns:m="http://schemas.openxmlformats.org/officeDocument/2006/math" xmlns="" val="1"/>
             </a:ext>
           </a:extLst>
         </p:spPr>
@@ -16304,7 +16269,7 @@
           </a:bodyPr>
           <a:lstStyle/>
           <a:p>
-            <a:pPr lvl="1" marL="373597" indent="-186799">
+            <a:pPr marL="373597" lvl="1" indent="-186799">
               <a:lnSpc>
                 <a:spcPts val="2000"/>
               </a:lnSpc>
@@ -16358,7 +16323,7 @@
             </a:cxnLst>
             <a:rect l="0" t="0" r="r" b="b"/>
             <a:pathLst>
-              <a:path w="21600" h="21600" fill="norm" stroke="1" extrusionOk="0">
+              <a:path w="21600" h="21600" extrusionOk="0">
                 <a:moveTo>
                   <a:pt x="498" y="0"/>
                 </a:moveTo>
@@ -16424,7 +16389,7 @@
           <a:bodyPr lIns="45719" rIns="45719"/>
           <a:lstStyle/>
           <a:p>
-            <a:pPr/>
+            <a:endParaRPr/>
           </a:p>
         </p:txBody>
       </p:sp>
@@ -16447,7 +16412,7 @@
           </a:ln>
           <a:extLst>
             <a:ext uri="{C572A759-6A51-4108-AA02-DFA0A04FC94B}">
-              <ma14:wrappingTextBoxFlag xmlns:ma14="http://schemas.microsoft.com/office/mac/drawingml/2011/main" val="1"/>
+              <ma14:wrappingTextBoxFlag xmlns:ma14="http://schemas.microsoft.com/office/mac/drawingml/2011/main" xmlns:a14="http://schemas.microsoft.com/office/drawing/2010/main" xmlns:m="http://schemas.openxmlformats.org/officeDocument/2006/math" xmlns="" val="1"/>
             </a:ext>
           </a:extLst>
         </p:spPr>
@@ -16472,7 +16437,6 @@
             </a:lvl1pPr>
           </a:lstStyle>
           <a:p>
-            <a:pPr/>
             <a:r>
               <a:t>External API Integration:</a:t>
             </a:r>
@@ -16498,7 +16462,7 @@
           </a:ln>
           <a:extLst>
             <a:ext uri="{C572A759-6A51-4108-AA02-DFA0A04FC94B}">
-              <ma14:wrappingTextBoxFlag xmlns:ma14="http://schemas.microsoft.com/office/mac/drawingml/2011/main" val="1"/>
+              <ma14:wrappingTextBoxFlag xmlns:ma14="http://schemas.microsoft.com/office/mac/drawingml/2011/main" xmlns:a14="http://schemas.microsoft.com/office/drawing/2010/main" xmlns:m="http://schemas.openxmlformats.org/officeDocument/2006/math" xmlns="" val="1"/>
             </a:ext>
           </a:extLst>
         </p:spPr>
@@ -16508,7 +16472,7 @@
           </a:bodyPr>
           <a:lstStyle/>
           <a:p>
-            <a:pPr lvl="1" marL="373597" indent="-186799">
+            <a:pPr marL="373597" lvl="1" indent="-186799">
               <a:lnSpc>
                 <a:spcPts val="2000"/>
               </a:lnSpc>
@@ -16536,18 +16500,19 @@
   <p:clrMapOvr>
     <a:masterClrMapping/>
   </p:clrMapOvr>
-  <p:transition xmlns:p14="http://schemas.microsoft.com/office/powerpoint/2010/main" spd="med" advClick="1"/>
+  <p:transition spd="med"/>
 </p:sld>
 </file>
 
 <file path=ppt/slides/slide6.xml><?xml version="1.0" encoding="utf-8"?>
-<p:sld xmlns:a="http://schemas.openxmlformats.org/drawingml/2006/main" xmlns:r="http://schemas.openxmlformats.org/officeDocument/2006/relationships" xmlns:p="http://schemas.openxmlformats.org/presentationml/2006/main" xmlns:m="http://schemas.openxmlformats.org/officeDocument/2006/math" xmlns:a14="http://schemas.microsoft.com/office/drawing/2010/main" showMasterSp="1" showMasterPhAnim="1">
+<p:sld xmlns:a="http://schemas.openxmlformats.org/drawingml/2006/main" xmlns:r="http://schemas.openxmlformats.org/officeDocument/2006/relationships" xmlns:p="http://schemas.openxmlformats.org/presentationml/2006/main">
   <p:cSld>
     <p:bg>
       <p:bgPr>
         <a:solidFill>
           <a:srgbClr val="92A2CC"/>
         </a:solidFill>
+        <a:effectLst/>
       </p:bgPr>
     </p:bg>
     <p:spTree>
@@ -16595,7 +16560,7 @@
             </a:cxnLst>
             <a:rect l="0" t="0" r="r" b="b"/>
             <a:pathLst>
-              <a:path w="21600" h="21600" fill="norm" stroke="1" extrusionOk="0">
+              <a:path w="21600" h="21600" extrusionOk="0">
                 <a:moveTo>
                   <a:pt x="3762" y="0"/>
                 </a:moveTo>
@@ -16651,7 +16616,7 @@
           <a:bodyPr lIns="45719" rIns="45719"/>
           <a:lstStyle/>
           <a:p>
-            <a:pPr/>
+            <a:endParaRPr/>
           </a:p>
         </p:txBody>
       </p:sp>
@@ -16674,7 +16639,7 @@
           </a:ln>
           <a:extLst>
             <a:ext uri="{C572A759-6A51-4108-AA02-DFA0A04FC94B}">
-              <ma14:wrappingTextBoxFlag xmlns:ma14="http://schemas.microsoft.com/office/mac/drawingml/2011/main" val="1"/>
+              <ma14:wrappingTextBoxFlag xmlns:ma14="http://schemas.microsoft.com/office/mac/drawingml/2011/main" xmlns:a14="http://schemas.microsoft.com/office/drawing/2010/main" xmlns:m="http://schemas.openxmlformats.org/officeDocument/2006/math" xmlns="" val="1"/>
             </a:ext>
           </a:extLst>
         </p:spPr>
@@ -16687,7 +16652,7 @@
               <a:lnSpc>
                 <a:spcPts val="8000"/>
               </a:lnSpc>
-              <a:defRPr b="1" sz="10700">
+              <a:defRPr sz="10700" b="1">
                 <a:solidFill>
                   <a:srgbClr val="E4DCCF"/>
                 </a:solidFill>
@@ -16699,7 +16664,6 @@
             </a:lvl1pPr>
           </a:lstStyle>
           <a:p>
-            <a:pPr/>
             <a:r>
               <a:t>Application Screens</a:t>
             </a:r>
@@ -16734,7 +16698,7 @@
           <a:bodyPr lIns="45719" rIns="45719"/>
           <a:lstStyle/>
           <a:p>
-            <a:pPr/>
+            <a:endParaRPr/>
           </a:p>
         </p:txBody>
       </p:sp>
@@ -16743,18 +16707,19 @@
   <p:clrMapOvr>
     <a:masterClrMapping/>
   </p:clrMapOvr>
-  <p:transition xmlns:p14="http://schemas.microsoft.com/office/powerpoint/2010/main" spd="med" advClick="1"/>
+  <p:transition spd="med"/>
 </p:sld>
 </file>
 
 <file path=ppt/slides/slide7.xml><?xml version="1.0" encoding="utf-8"?>
-<p:sld xmlns:a="http://schemas.openxmlformats.org/drawingml/2006/main" xmlns:r="http://schemas.openxmlformats.org/officeDocument/2006/relationships" xmlns:p="http://schemas.openxmlformats.org/presentationml/2006/main" xmlns:m="http://schemas.openxmlformats.org/officeDocument/2006/math" xmlns:a14="http://schemas.microsoft.com/office/drawing/2010/main" showMasterSp="1" showMasterPhAnim="1">
+<p:sld xmlns:a="http://schemas.openxmlformats.org/drawingml/2006/main" xmlns:r="http://schemas.openxmlformats.org/officeDocument/2006/relationships" xmlns:p="http://schemas.openxmlformats.org/presentationml/2006/main">
   <p:cSld>
     <p:bg>
       <p:bgPr>
         <a:solidFill>
           <a:srgbClr val="92A2CC"/>
         </a:solidFill>
+        <a:effectLst/>
       </p:bgPr>
     </p:bg>
     <p:spTree>
@@ -16802,7 +16767,7 @@
             </a:cxnLst>
             <a:rect l="0" t="0" r="r" b="b"/>
             <a:pathLst>
-              <a:path w="21600" h="21600" fill="norm" stroke="1" extrusionOk="0">
+              <a:path w="21600" h="21600" extrusionOk="0">
                 <a:moveTo>
                   <a:pt x="3762" y="0"/>
                 </a:moveTo>
@@ -16858,7 +16823,7 @@
           <a:bodyPr lIns="45719" rIns="45719"/>
           <a:lstStyle/>
           <a:p>
-            <a:pPr/>
+            <a:endParaRPr/>
           </a:p>
         </p:txBody>
       </p:sp>
@@ -16893,7 +16858,7 @@
             </a:cxnLst>
             <a:rect l="0" t="0" r="r" b="b"/>
             <a:pathLst>
-              <a:path w="21600" h="21600" fill="norm" stroke="1" extrusionOk="0">
+              <a:path w="21600" h="21600" extrusionOk="0">
                 <a:moveTo>
                   <a:pt x="251" y="0"/>
                 </a:moveTo>
@@ -16944,7 +16909,7 @@
           <a:bodyPr lIns="45719" rIns="45719"/>
           <a:lstStyle/>
           <a:p>
-            <a:pPr/>
+            <a:endParaRPr/>
           </a:p>
         </p:txBody>
       </p:sp>
@@ -16976,7 +16941,7 @@
           <a:bodyPr lIns="45719" rIns="45719"/>
           <a:lstStyle/>
           <a:p>
-            <a:pPr/>
+            <a:endParaRPr/>
           </a:p>
         </p:txBody>
       </p:sp>
@@ -17008,7 +16973,7 @@
           <a:bodyPr lIns="45719" rIns="45719"/>
           <a:lstStyle/>
           <a:p>
-            <a:pPr/>
+            <a:endParaRPr/>
           </a:p>
         </p:txBody>
       </p:sp>
@@ -17040,7 +17005,7 @@
           <a:bodyPr lIns="45719" rIns="45719"/>
           <a:lstStyle/>
           <a:p>
-            <a:pPr/>
+            <a:endParaRPr/>
           </a:p>
         </p:txBody>
       </p:sp>
@@ -17072,7 +17037,7 @@
           <a:bodyPr lIns="45719" rIns="45719"/>
           <a:lstStyle/>
           <a:p>
-            <a:pPr/>
+            <a:endParaRPr/>
           </a:p>
         </p:txBody>
       </p:sp>
@@ -17104,7 +17069,7 @@
           <a:bodyPr lIns="45719" rIns="45719"/>
           <a:lstStyle/>
           <a:p>
-            <a:pPr/>
+            <a:endParaRPr/>
           </a:p>
         </p:txBody>
       </p:sp>
@@ -17127,7 +17092,7 @@
           </a:ln>
           <a:extLst>
             <a:ext uri="{C572A759-6A51-4108-AA02-DFA0A04FC94B}">
-              <ma14:wrappingTextBoxFlag xmlns:ma14="http://schemas.microsoft.com/office/mac/drawingml/2011/main" val="1"/>
+              <ma14:wrappingTextBoxFlag xmlns:ma14="http://schemas.microsoft.com/office/mac/drawingml/2011/main" xmlns:a14="http://schemas.microsoft.com/office/drawing/2010/main" xmlns:m="http://schemas.openxmlformats.org/officeDocument/2006/math" xmlns="" val="1"/>
             </a:ext>
           </a:extLst>
         </p:spPr>
@@ -17152,7 +17117,6 @@
             </a:lvl1pPr>
           </a:lstStyle>
           <a:p>
-            <a:pPr/>
             <a:r>
               <a:t>User registration process</a:t>
             </a:r>
@@ -17187,7 +17151,7 @@
           <a:bodyPr lIns="45719" rIns="45719"/>
           <a:lstStyle/>
           <a:p>
-            <a:pPr/>
+            <a:endParaRPr/>
           </a:p>
         </p:txBody>
       </p:sp>
@@ -17196,18 +17160,19 @@
   <p:clrMapOvr>
     <a:masterClrMapping/>
   </p:clrMapOvr>
-  <p:transition xmlns:p14="http://schemas.microsoft.com/office/powerpoint/2010/main" spd="med" advClick="1"/>
+  <p:transition spd="med"/>
 </p:sld>
 </file>
 
 <file path=ppt/slides/slide8.xml><?xml version="1.0" encoding="utf-8"?>
-<p:sld xmlns:a="http://schemas.openxmlformats.org/drawingml/2006/main" xmlns:r="http://schemas.openxmlformats.org/officeDocument/2006/relationships" xmlns:p="http://schemas.openxmlformats.org/presentationml/2006/main" xmlns:m="http://schemas.openxmlformats.org/officeDocument/2006/math" xmlns:a14="http://schemas.microsoft.com/office/drawing/2010/main" showMasterSp="1" showMasterPhAnim="1">
+<p:sld xmlns:a="http://schemas.openxmlformats.org/drawingml/2006/main" xmlns:r="http://schemas.openxmlformats.org/officeDocument/2006/relationships" xmlns:p="http://schemas.openxmlformats.org/presentationml/2006/main">
   <p:cSld>
     <p:bg>
       <p:bgPr>
         <a:solidFill>
           <a:srgbClr val="92A2CC"/>
         </a:solidFill>
+        <a:effectLst/>
       </p:bgPr>
     </p:bg>
     <p:spTree>
@@ -17255,7 +17220,7 @@
             </a:cxnLst>
             <a:rect l="0" t="0" r="r" b="b"/>
             <a:pathLst>
-              <a:path w="21600" h="21600" fill="norm" stroke="1" extrusionOk="0">
+              <a:path w="21600" h="21600" extrusionOk="0">
                 <a:moveTo>
                   <a:pt x="3762" y="0"/>
                 </a:moveTo>
@@ -17311,7 +17276,7 @@
           <a:bodyPr lIns="45719" rIns="45719"/>
           <a:lstStyle/>
           <a:p>
-            <a:pPr/>
+            <a:endParaRPr/>
           </a:p>
         </p:txBody>
       </p:sp>
@@ -17346,7 +17311,7 @@
             </a:cxnLst>
             <a:rect l="0" t="0" r="r" b="b"/>
             <a:pathLst>
-              <a:path w="21600" h="21600" fill="norm" stroke="1" extrusionOk="0">
+              <a:path w="21600" h="21600" extrusionOk="0">
                 <a:moveTo>
                   <a:pt x="139" y="0"/>
                 </a:moveTo>
@@ -17397,7 +17362,7 @@
           <a:bodyPr lIns="45719" rIns="45719"/>
           <a:lstStyle/>
           <a:p>
-            <a:pPr/>
+            <a:endParaRPr/>
           </a:p>
         </p:txBody>
       </p:sp>
@@ -17429,7 +17394,7 @@
           <a:bodyPr lIns="45719" rIns="45719"/>
           <a:lstStyle/>
           <a:p>
-            <a:pPr/>
+            <a:endParaRPr/>
           </a:p>
         </p:txBody>
       </p:sp>
@@ -17461,7 +17426,7 @@
           <a:bodyPr lIns="45719" rIns="45719"/>
           <a:lstStyle/>
           <a:p>
-            <a:pPr/>
+            <a:endParaRPr/>
           </a:p>
         </p:txBody>
       </p:sp>
@@ -17493,7 +17458,7 @@
           <a:bodyPr lIns="45719" rIns="45719"/>
           <a:lstStyle/>
           <a:p>
-            <a:pPr/>
+            <a:endParaRPr/>
           </a:p>
         </p:txBody>
       </p:sp>
@@ -17516,7 +17481,7 @@
           </a:ln>
           <a:extLst>
             <a:ext uri="{C572A759-6A51-4108-AA02-DFA0A04FC94B}">
-              <ma14:wrappingTextBoxFlag xmlns:ma14="http://schemas.microsoft.com/office/mac/drawingml/2011/main" val="1"/>
+              <ma14:wrappingTextBoxFlag xmlns:ma14="http://schemas.microsoft.com/office/mac/drawingml/2011/main" xmlns:a14="http://schemas.microsoft.com/office/drawing/2010/main" xmlns:m="http://schemas.openxmlformats.org/officeDocument/2006/math" xmlns="" val="1"/>
             </a:ext>
           </a:extLst>
         </p:spPr>
@@ -17541,7 +17506,6 @@
             </a:lvl1pPr>
           </a:lstStyle>
           <a:p>
-            <a:pPr/>
             <a:r>
               <a:t>Login of the user and reaching the main screen</a:t>
             </a:r>
@@ -17576,7 +17540,7 @@
           <a:bodyPr lIns="45719" rIns="45719"/>
           <a:lstStyle/>
           <a:p>
-            <a:pPr/>
+            <a:endParaRPr/>
           </a:p>
         </p:txBody>
       </p:sp>
@@ -17585,18 +17549,19 @@
   <p:clrMapOvr>
     <a:masterClrMapping/>
   </p:clrMapOvr>
-  <p:transition xmlns:p14="http://schemas.microsoft.com/office/powerpoint/2010/main" spd="med" advClick="1"/>
+  <p:transition spd="med"/>
 </p:sld>
 </file>
 
 <file path=ppt/slides/slide9.xml><?xml version="1.0" encoding="utf-8"?>
-<p:sld xmlns:a="http://schemas.openxmlformats.org/drawingml/2006/main" xmlns:r="http://schemas.openxmlformats.org/officeDocument/2006/relationships" xmlns:p="http://schemas.openxmlformats.org/presentationml/2006/main" xmlns:m="http://schemas.openxmlformats.org/officeDocument/2006/math" xmlns:a14="http://schemas.microsoft.com/office/drawing/2010/main" showMasterSp="1" showMasterPhAnim="1">
+<p:sld xmlns:a="http://schemas.openxmlformats.org/drawingml/2006/main" xmlns:r="http://schemas.openxmlformats.org/officeDocument/2006/relationships" xmlns:p="http://schemas.openxmlformats.org/presentationml/2006/main">
   <p:cSld>
     <p:bg>
       <p:bgPr>
         <a:solidFill>
           <a:srgbClr val="92A2CC"/>
         </a:solidFill>
+        <a:effectLst/>
       </p:bgPr>
     </p:bg>
     <p:spTree>
@@ -17644,7 +17609,7 @@
             </a:cxnLst>
             <a:rect l="0" t="0" r="r" b="b"/>
             <a:pathLst>
-              <a:path w="21600" h="21600" fill="norm" stroke="1" extrusionOk="0">
+              <a:path w="21600" h="21600" extrusionOk="0">
                 <a:moveTo>
                   <a:pt x="3762" y="0"/>
                 </a:moveTo>
@@ -17700,7 +17665,7 @@
           <a:bodyPr lIns="45719" rIns="45719"/>
           <a:lstStyle/>
           <a:p>
-            <a:pPr/>
+            <a:endParaRPr/>
           </a:p>
         </p:txBody>
       </p:sp>
@@ -17735,7 +17700,7 @@
             </a:cxnLst>
             <a:rect l="0" t="0" r="r" b="b"/>
             <a:pathLst>
-              <a:path w="21600" h="21600" fill="norm" stroke="1" extrusionOk="0">
+              <a:path w="21600" h="21600" extrusionOk="0">
                 <a:moveTo>
                   <a:pt x="251" y="0"/>
                 </a:moveTo>
@@ -17786,7 +17751,7 @@
           <a:bodyPr lIns="45719" rIns="45719"/>
           <a:lstStyle/>
           <a:p>
-            <a:pPr/>
+            <a:endParaRPr/>
           </a:p>
         </p:txBody>
       </p:sp>
@@ -17818,7 +17783,7 @@
           <a:bodyPr lIns="45719" rIns="45719"/>
           <a:lstStyle/>
           <a:p>
-            <a:pPr/>
+            <a:endParaRPr/>
           </a:p>
         </p:txBody>
       </p:sp>
@@ -17850,7 +17815,7 @@
           <a:bodyPr lIns="45719" rIns="45719"/>
           <a:lstStyle/>
           <a:p>
-            <a:pPr/>
+            <a:endParaRPr/>
           </a:p>
         </p:txBody>
       </p:sp>
@@ -17882,7 +17847,7 @@
           <a:bodyPr lIns="45719" rIns="45719"/>
           <a:lstStyle/>
           <a:p>
-            <a:pPr/>
+            <a:endParaRPr/>
           </a:p>
         </p:txBody>
       </p:sp>
@@ -17914,7 +17879,7 @@
           <a:bodyPr lIns="45719" rIns="45719"/>
           <a:lstStyle/>
           <a:p>
-            <a:pPr/>
+            <a:endParaRPr/>
           </a:p>
         </p:txBody>
       </p:sp>
@@ -17946,7 +17911,7 @@
           <a:bodyPr lIns="45719" rIns="45719"/>
           <a:lstStyle/>
           <a:p>
-            <a:pPr/>
+            <a:endParaRPr/>
           </a:p>
         </p:txBody>
       </p:sp>
@@ -17969,7 +17934,7 @@
           </a:ln>
           <a:extLst>
             <a:ext uri="{C572A759-6A51-4108-AA02-DFA0A04FC94B}">
-              <ma14:wrappingTextBoxFlag xmlns:ma14="http://schemas.microsoft.com/office/mac/drawingml/2011/main" val="1"/>
+              <ma14:wrappingTextBoxFlag xmlns:ma14="http://schemas.microsoft.com/office/mac/drawingml/2011/main" xmlns:a14="http://schemas.microsoft.com/office/drawing/2010/main" xmlns:m="http://schemas.openxmlformats.org/officeDocument/2006/math" xmlns="" val="1"/>
             </a:ext>
           </a:extLst>
         </p:spPr>
@@ -17994,7 +17959,6 @@
             </a:lvl1pPr>
           </a:lstStyle>
           <a:p>
-            <a:pPr/>
             <a:r>
               <a:t>User's personal menu</a:t>
             </a:r>
@@ -18029,7 +17993,7 @@
           <a:bodyPr lIns="45719" rIns="45719"/>
           <a:lstStyle/>
           <a:p>
-            <a:pPr/>
+            <a:endParaRPr/>
           </a:p>
         </p:txBody>
       </p:sp>
@@ -18038,12 +18002,12 @@
   <p:clrMapOvr>
     <a:masterClrMapping/>
   </p:clrMapOvr>
-  <p:transition xmlns:p14="http://schemas.microsoft.com/office/powerpoint/2010/main" spd="med" advClick="1"/>
+  <p:transition spd="med"/>
 </p:sld>
 </file>
 
 <file path=ppt/theme/theme1.xml><?xml version="1.0" encoding="utf-8"?>
-<a:theme xmlns:a="http://schemas.openxmlformats.org/drawingml/2006/main" xmlns:r="http://schemas.openxmlformats.org/officeDocument/2006/relationships" name="Office Theme">
+<a:theme xmlns:a="http://schemas.openxmlformats.org/drawingml/2006/main" name="Office Theme">
   <a:themeElements>
     <a:clrScheme name="Office Theme">
       <a:dk1>
@@ -18169,7 +18133,7 @@
       <a:effectStyleLst>
         <a:effectStyle>
           <a:effectLst>
-            <a:outerShdw sx="100000" sy="100000" kx="0" ky="0" algn="b" rotWithShape="0" blurRad="38100" dist="23000" dir="5400000">
+            <a:outerShdw blurRad="38100" dist="23000" dir="5400000" rotWithShape="0">
               <a:srgbClr val="000000">
                 <a:alpha val="35000"/>
               </a:srgbClr>
@@ -18178,7 +18142,7 @@
         </a:effectStyle>
         <a:effectStyle>
           <a:effectLst>
-            <a:outerShdw sx="100000" sy="100000" kx="0" ky="0" algn="b" rotWithShape="0" blurRad="38100" dist="23000" dir="5400000">
+            <a:outerShdw blurRad="38100" dist="23000" dir="5400000" rotWithShape="0">
               <a:srgbClr val="000000">
                 <a:alpha val="35000"/>
               </a:srgbClr>
@@ -18187,7 +18151,7 @@
         </a:effectStyle>
         <a:effectStyle>
           <a:effectLst>
-            <a:outerShdw sx="100000" sy="100000" kx="0" ky="0" algn="b" rotWithShape="0" blurRad="38100" dist="20000" dir="5400000">
+            <a:outerShdw blurRad="38100" dist="20000" dir="5400000" rotWithShape="0">
               <a:srgbClr val="000000">
                 <a:alpha val="38000"/>
               </a:srgbClr>
@@ -18261,7 +18225,7 @@
           <a:round/>
         </a:ln>
         <a:effectLst>
-          <a:outerShdw sx="100000" sy="100000" kx="0" ky="0" algn="b" rotWithShape="0" blurRad="38100" dist="23000" dir="5400000">
+          <a:outerShdw blurRad="38100" dist="23000" dir="5400000" rotWithShape="0">
             <a:srgbClr val="000000">
               <a:alpha val="35000"/>
             </a:srgbClr>
@@ -18269,7 +18233,7 @@
         </a:effectLst>
         <a:sp3d/>
       </a:spPr>
-      <a:bodyPr rot="0" spcFirstLastPara="1" vertOverflow="overflow" horzOverflow="overflow" vert="horz" wrap="square" lIns="45719" tIns="45719" rIns="45719" bIns="45719" numCol="1" spcCol="38100" rtlCol="0" anchor="ctr" upright="0">
+      <a:bodyPr rot="0" spcFirstLastPara="1" vertOverflow="overflow" horzOverflow="overflow" vert="horz" wrap="square" lIns="45719" tIns="45719" rIns="45719" bIns="45719" numCol="1" spcCol="38100" rtlCol="0" anchor="ctr">
         <a:spAutoFit/>
       </a:bodyPr>
       <a:lstStyle>
@@ -18288,7 +18252,7 @@
           <a:buFontTx/>
           <a:buNone/>
           <a:tabLst/>
-          <a:defRPr b="0" baseline="0" cap="none" i="0" spc="0" strike="noStrike" sz="1800" u="none" kumimoji="0" normalizeH="0">
+          <a:defRPr kumimoji="0" sz="1800" b="0" i="0" u="none" strike="noStrike" cap="none" spc="0" normalizeH="0" baseline="0">
             <a:ln>
               <a:noFill/>
             </a:ln>
@@ -18318,7 +18282,7 @@
           <a:buFontTx/>
           <a:buNone/>
           <a:tabLst/>
-          <a:defRPr b="0" baseline="0" cap="none" i="0" spc="0" strike="noStrike" sz="1800" u="none" kumimoji="0" normalizeH="0">
+          <a:defRPr kumimoji="0" sz="1800" b="0" i="0" u="none" strike="noStrike" cap="none" spc="0" normalizeH="0" baseline="0">
             <a:ln>
               <a:noFill/>
             </a:ln>
@@ -18344,7 +18308,7 @@
           <a:buFontTx/>
           <a:buNone/>
           <a:tabLst/>
-          <a:defRPr b="0" baseline="0" cap="none" i="0" spc="0" strike="noStrike" sz="1800" u="none" kumimoji="0" normalizeH="0">
+          <a:defRPr kumimoji="0" sz="1800" b="0" i="0" u="none" strike="noStrike" cap="none" spc="0" normalizeH="0" baseline="0">
             <a:ln>
               <a:noFill/>
             </a:ln>
@@ -18370,7 +18334,7 @@
           <a:buFontTx/>
           <a:buNone/>
           <a:tabLst/>
-          <a:defRPr b="0" baseline="0" cap="none" i="0" spc="0" strike="noStrike" sz="1800" u="none" kumimoji="0" normalizeH="0">
+          <a:defRPr kumimoji="0" sz="1800" b="0" i="0" u="none" strike="noStrike" cap="none" spc="0" normalizeH="0" baseline="0">
             <a:ln>
               <a:noFill/>
             </a:ln>
@@ -18396,7 +18360,7 @@
           <a:buFontTx/>
           <a:buNone/>
           <a:tabLst/>
-          <a:defRPr b="0" baseline="0" cap="none" i="0" spc="0" strike="noStrike" sz="1800" u="none" kumimoji="0" normalizeH="0">
+          <a:defRPr kumimoji="0" sz="1800" b="0" i="0" u="none" strike="noStrike" cap="none" spc="0" normalizeH="0" baseline="0">
             <a:ln>
               <a:noFill/>
             </a:ln>
@@ -18422,7 +18386,7 @@
           <a:buFontTx/>
           <a:buNone/>
           <a:tabLst/>
-          <a:defRPr b="0" baseline="0" cap="none" i="0" spc="0" strike="noStrike" sz="1800" u="none" kumimoji="0" normalizeH="0">
+          <a:defRPr kumimoji="0" sz="1800" b="0" i="0" u="none" strike="noStrike" cap="none" spc="0" normalizeH="0" baseline="0">
             <a:ln>
               <a:noFill/>
             </a:ln>
@@ -18448,7 +18412,7 @@
           <a:buFontTx/>
           <a:buNone/>
           <a:tabLst/>
-          <a:defRPr b="0" baseline="0" cap="none" i="0" spc="0" strike="noStrike" sz="1800" u="none" kumimoji="0" normalizeH="0">
+          <a:defRPr kumimoji="0" sz="1800" b="0" i="0" u="none" strike="noStrike" cap="none" spc="0" normalizeH="0" baseline="0">
             <a:ln>
               <a:noFill/>
             </a:ln>
@@ -18474,7 +18438,7 @@
           <a:buFontTx/>
           <a:buNone/>
           <a:tabLst/>
-          <a:defRPr b="0" baseline="0" cap="none" i="0" spc="0" strike="noStrike" sz="1800" u="none" kumimoji="0" normalizeH="0">
+          <a:defRPr kumimoji="0" sz="1800" b="0" i="0" u="none" strike="noStrike" cap="none" spc="0" normalizeH="0" baseline="0">
             <a:ln>
               <a:noFill/>
             </a:ln>
@@ -18500,7 +18464,7 @@
           <a:buFontTx/>
           <a:buNone/>
           <a:tabLst/>
-          <a:defRPr b="0" baseline="0" cap="none" i="0" spc="0" strike="noStrike" sz="1800" u="none" kumimoji="0" normalizeH="0">
+          <a:defRPr kumimoji="0" sz="1800" b="0" i="0" u="none" strike="noStrike" cap="none" spc="0" normalizeH="0" baseline="0">
             <a:ln>
               <a:noFill/>
             </a:ln>
@@ -18526,7 +18490,7 @@
           <a:buFontTx/>
           <a:buNone/>
           <a:tabLst/>
-          <a:defRPr b="0" baseline="0" cap="none" i="0" spc="0" strike="noStrike" sz="1800" u="none" kumimoji="0" normalizeH="0">
+          <a:defRPr kumimoji="0" sz="1800" b="0" i="0" u="none" strike="noStrike" cap="none" spc="0" normalizeH="0" baseline="0">
             <a:ln>
               <a:noFill/>
             </a:ln>
@@ -18539,9 +18503,15 @@
         </a:lvl9pPr>
       </a:lstStyle>
       <a:style>
-        <a:lnRef idx="0"/>
-        <a:fillRef idx="0"/>
-        <a:effectRef idx="0"/>
+        <a:lnRef idx="0">
+          <a:scrgbClr r="0" g="0" b="0"/>
+        </a:lnRef>
+        <a:fillRef idx="0">
+          <a:scrgbClr r="0" g="0" b="0"/>
+        </a:fillRef>
+        <a:effectRef idx="0">
+          <a:scrgbClr r="0" g="0" b="0"/>
+        </a:effectRef>
         <a:fontRef idx="none"/>
       </a:style>
     </a:spDef>
@@ -18556,7 +18526,7 @@
           <a:round/>
         </a:ln>
         <a:effectLst>
-          <a:outerShdw sx="100000" sy="100000" kx="0" ky="0" algn="b" rotWithShape="0" blurRad="38100" dist="20000" dir="5400000">
+          <a:outerShdw blurRad="38100" dist="20000" dir="5400000" rotWithShape="0">
             <a:srgbClr val="000000">
               <a:alpha val="38000"/>
             </a:srgbClr>
@@ -18564,7 +18534,7 @@
         </a:effectLst>
         <a:sp3d/>
       </a:spPr>
-      <a:bodyPr rot="0" spcFirstLastPara="1" vertOverflow="overflow" horzOverflow="overflow" vert="horz" wrap="square" lIns="91439" tIns="45719" rIns="91439" bIns="45719" numCol="1" spcCol="38100" rtlCol="0" anchor="t" upright="0">
+      <a:bodyPr rot="0" spcFirstLastPara="1" vertOverflow="overflow" horzOverflow="overflow" vert="horz" wrap="square" lIns="91439" tIns="45719" rIns="91439" bIns="45719" numCol="1" spcCol="38100" rtlCol="0" anchor="t">
         <a:noAutofit/>
       </a:bodyPr>
       <a:lstStyle>
@@ -18583,7 +18553,7 @@
           <a:buFontTx/>
           <a:buNone/>
           <a:tabLst/>
-          <a:defRPr b="0" baseline="0" cap="none" i="0" spc="0" strike="noStrike" sz="1800" u="none" kumimoji="0" normalizeH="0">
+          <a:defRPr kumimoji="0" sz="1800" b="0" i="0" u="none" strike="noStrike" cap="none" spc="0" normalizeH="0" baseline="0">
             <a:ln>
               <a:noFill/>
             </a:ln>
@@ -18609,7 +18579,7 @@
           <a:buFontTx/>
           <a:buNone/>
           <a:tabLst/>
-          <a:defRPr b="0" baseline="0" cap="none" i="0" spc="0" strike="noStrike" sz="1800" u="none" kumimoji="0" normalizeH="0">
+          <a:defRPr kumimoji="0" sz="1800" b="0" i="0" u="none" strike="noStrike" cap="none" spc="0" normalizeH="0" baseline="0">
             <a:ln>
               <a:noFill/>
             </a:ln>
@@ -18635,7 +18605,7 @@
           <a:buFontTx/>
           <a:buNone/>
           <a:tabLst/>
-          <a:defRPr b="0" baseline="0" cap="none" i="0" spc="0" strike="noStrike" sz="1800" u="none" kumimoji="0" normalizeH="0">
+          <a:defRPr kumimoji="0" sz="1800" b="0" i="0" u="none" strike="noStrike" cap="none" spc="0" normalizeH="0" baseline="0">
             <a:ln>
               <a:noFill/>
             </a:ln>
@@ -18661,7 +18631,7 @@
           <a:buFontTx/>
           <a:buNone/>
           <a:tabLst/>
-          <a:defRPr b="0" baseline="0" cap="none" i="0" spc="0" strike="noStrike" sz="1800" u="none" kumimoji="0" normalizeH="0">
+          <a:defRPr kumimoji="0" sz="1800" b="0" i="0" u="none" strike="noStrike" cap="none" spc="0" normalizeH="0" baseline="0">
             <a:ln>
               <a:noFill/>
             </a:ln>
@@ -18687,7 +18657,7 @@
           <a:buFontTx/>
           <a:buNone/>
           <a:tabLst/>
-          <a:defRPr b="0" baseline="0" cap="none" i="0" spc="0" strike="noStrike" sz="1800" u="none" kumimoji="0" normalizeH="0">
+          <a:defRPr kumimoji="0" sz="1800" b="0" i="0" u="none" strike="noStrike" cap="none" spc="0" normalizeH="0" baseline="0">
             <a:ln>
               <a:noFill/>
             </a:ln>
@@ -18713,7 +18683,7 @@
           <a:buFontTx/>
           <a:buNone/>
           <a:tabLst/>
-          <a:defRPr b="0" baseline="0" cap="none" i="0" spc="0" strike="noStrike" sz="1800" u="none" kumimoji="0" normalizeH="0">
+          <a:defRPr kumimoji="0" sz="1800" b="0" i="0" u="none" strike="noStrike" cap="none" spc="0" normalizeH="0" baseline="0">
             <a:ln>
               <a:noFill/>
             </a:ln>
@@ -18739,7 +18709,7 @@
           <a:buFontTx/>
           <a:buNone/>
           <a:tabLst/>
-          <a:defRPr b="0" baseline="0" cap="none" i="0" spc="0" strike="noStrike" sz="1800" u="none" kumimoji="0" normalizeH="0">
+          <a:defRPr kumimoji="0" sz="1800" b="0" i="0" u="none" strike="noStrike" cap="none" spc="0" normalizeH="0" baseline="0">
             <a:ln>
               <a:noFill/>
             </a:ln>
@@ -18765,7 +18735,7 @@
           <a:buFontTx/>
           <a:buNone/>
           <a:tabLst/>
-          <a:defRPr b="0" baseline="0" cap="none" i="0" spc="0" strike="noStrike" sz="1800" u="none" kumimoji="0" normalizeH="0">
+          <a:defRPr kumimoji="0" sz="1800" b="0" i="0" u="none" strike="noStrike" cap="none" spc="0" normalizeH="0" baseline="0">
             <a:ln>
               <a:noFill/>
             </a:ln>
@@ -18791,7 +18761,7 @@
           <a:buFontTx/>
           <a:buNone/>
           <a:tabLst/>
-          <a:defRPr b="0" baseline="0" cap="none" i="0" spc="0" strike="noStrike" sz="1800" u="none" kumimoji="0" normalizeH="0">
+          <a:defRPr kumimoji="0" sz="1800" b="0" i="0" u="none" strike="noStrike" cap="none" spc="0" normalizeH="0" baseline="0">
             <a:ln>
               <a:noFill/>
             </a:ln>
@@ -18817,7 +18787,7 @@
           <a:buFontTx/>
           <a:buNone/>
           <a:tabLst/>
-          <a:defRPr b="0" baseline="0" cap="none" i="0" spc="0" strike="noStrike" sz="1800" u="none" kumimoji="0" normalizeH="0">
+          <a:defRPr kumimoji="0" sz="1800" b="0" i="0" u="none" strike="noStrike" cap="none" spc="0" normalizeH="0" baseline="0">
             <a:ln>
               <a:noFill/>
             </a:ln>
@@ -18830,9 +18800,15 @@
         </a:lvl9pPr>
       </a:lstStyle>
       <a:style>
-        <a:lnRef idx="0"/>
-        <a:fillRef idx="0"/>
-        <a:effectRef idx="0"/>
+        <a:lnRef idx="0">
+          <a:scrgbClr r="0" g="0" b="0"/>
+        </a:lnRef>
+        <a:fillRef idx="0">
+          <a:scrgbClr r="0" g="0" b="0"/>
+        </a:fillRef>
+        <a:effectRef idx="0">
+          <a:scrgbClr r="0" g="0" b="0"/>
+        </a:effectRef>
         <a:fontRef idx="none"/>
       </a:style>
     </a:lnDef>
@@ -18846,7 +18822,7 @@
         <a:effectLst/>
         <a:sp3d/>
       </a:spPr>
-      <a:bodyPr rot="0" spcFirstLastPara="1" vertOverflow="overflow" horzOverflow="overflow" vert="horz" wrap="square" lIns="45719" tIns="45719" rIns="45719" bIns="45719" numCol="1" spcCol="38100" rtlCol="0" anchor="t" upright="0">
+      <a:bodyPr rot="0" spcFirstLastPara="1" vertOverflow="overflow" horzOverflow="overflow" vert="horz" wrap="square" lIns="45719" tIns="45719" rIns="45719" bIns="45719" numCol="1" spcCol="38100" rtlCol="0" anchor="t">
         <a:spAutoFit/>
       </a:bodyPr>
       <a:lstStyle>
@@ -18865,7 +18841,7 @@
           <a:buFontTx/>
           <a:buNone/>
           <a:tabLst/>
-          <a:defRPr b="0" baseline="0" cap="none" i="0" spc="0" strike="noStrike" sz="1800" u="none" kumimoji="0" normalizeH="0">
+          <a:defRPr kumimoji="0" sz="1800" b="0" i="0" u="none" strike="noStrike" cap="none" spc="0" normalizeH="0" baseline="0">
             <a:ln>
               <a:noFill/>
             </a:ln>
@@ -18895,7 +18871,7 @@
           <a:buFontTx/>
           <a:buNone/>
           <a:tabLst/>
-          <a:defRPr b="0" baseline="0" cap="none" i="0" spc="0" strike="noStrike" sz="1800" u="none" kumimoji="0" normalizeH="0">
+          <a:defRPr kumimoji="0" sz="1800" b="0" i="0" u="none" strike="noStrike" cap="none" spc="0" normalizeH="0" baseline="0">
             <a:ln>
               <a:noFill/>
             </a:ln>
@@ -18921,7 +18897,7 @@
           <a:buFontTx/>
           <a:buNone/>
           <a:tabLst/>
-          <a:defRPr b="0" baseline="0" cap="none" i="0" spc="0" strike="noStrike" sz="1800" u="none" kumimoji="0" normalizeH="0">
+          <a:defRPr kumimoji="0" sz="1800" b="0" i="0" u="none" strike="noStrike" cap="none" spc="0" normalizeH="0" baseline="0">
             <a:ln>
               <a:noFill/>
             </a:ln>
@@ -18947,7 +18923,7 @@
           <a:buFontTx/>
           <a:buNone/>
           <a:tabLst/>
-          <a:defRPr b="0" baseline="0" cap="none" i="0" spc="0" strike="noStrike" sz="1800" u="none" kumimoji="0" normalizeH="0">
+          <a:defRPr kumimoji="0" sz="1800" b="0" i="0" u="none" strike="noStrike" cap="none" spc="0" normalizeH="0" baseline="0">
             <a:ln>
               <a:noFill/>
             </a:ln>
@@ -18973,7 +18949,7 @@
           <a:buFontTx/>
           <a:buNone/>
           <a:tabLst/>
-          <a:defRPr b="0" baseline="0" cap="none" i="0" spc="0" strike="noStrike" sz="1800" u="none" kumimoji="0" normalizeH="0">
+          <a:defRPr kumimoji="0" sz="1800" b="0" i="0" u="none" strike="noStrike" cap="none" spc="0" normalizeH="0" baseline="0">
             <a:ln>
               <a:noFill/>
             </a:ln>
@@ -18999,7 +18975,7 @@
           <a:buFontTx/>
           <a:buNone/>
           <a:tabLst/>
-          <a:defRPr b="0" baseline="0" cap="none" i="0" spc="0" strike="noStrike" sz="1800" u="none" kumimoji="0" normalizeH="0">
+          <a:defRPr kumimoji="0" sz="1800" b="0" i="0" u="none" strike="noStrike" cap="none" spc="0" normalizeH="0" baseline="0">
             <a:ln>
               <a:noFill/>
             </a:ln>
@@ -19025,7 +19001,7 @@
           <a:buFontTx/>
           <a:buNone/>
           <a:tabLst/>
-          <a:defRPr b="0" baseline="0" cap="none" i="0" spc="0" strike="noStrike" sz="1800" u="none" kumimoji="0" normalizeH="0">
+          <a:defRPr kumimoji="0" sz="1800" b="0" i="0" u="none" strike="noStrike" cap="none" spc="0" normalizeH="0" baseline="0">
             <a:ln>
               <a:noFill/>
             </a:ln>
@@ -19051,7 +19027,7 @@
           <a:buFontTx/>
           <a:buNone/>
           <a:tabLst/>
-          <a:defRPr b="0" baseline="0" cap="none" i="0" spc="0" strike="noStrike" sz="1800" u="none" kumimoji="0" normalizeH="0">
+          <a:defRPr kumimoji="0" sz="1800" b="0" i="0" u="none" strike="noStrike" cap="none" spc="0" normalizeH="0" baseline="0">
             <a:ln>
               <a:noFill/>
             </a:ln>
@@ -19077,7 +19053,7 @@
           <a:buFontTx/>
           <a:buNone/>
           <a:tabLst/>
-          <a:defRPr b="0" baseline="0" cap="none" i="0" spc="0" strike="noStrike" sz="1800" u="none" kumimoji="0" normalizeH="0">
+          <a:defRPr kumimoji="0" sz="1800" b="0" i="0" u="none" strike="noStrike" cap="none" spc="0" normalizeH="0" baseline="0">
             <a:ln>
               <a:noFill/>
             </a:ln>
@@ -19103,7 +19079,7 @@
           <a:buFontTx/>
           <a:buNone/>
           <a:tabLst/>
-          <a:defRPr b="0" baseline="0" cap="none" i="0" spc="0" strike="noStrike" sz="1800" u="none" kumimoji="0" normalizeH="0">
+          <a:defRPr kumimoji="0" sz="1800" b="0" i="0" u="none" strike="noStrike" cap="none" spc="0" normalizeH="0" baseline="0">
             <a:ln>
               <a:noFill/>
             </a:ln>
@@ -19116,18 +19092,25 @@
         </a:lvl9pPr>
       </a:lstStyle>
       <a:style>
-        <a:lnRef idx="0"/>
-        <a:fillRef idx="0"/>
-        <a:effectRef idx="0"/>
+        <a:lnRef idx="0">
+          <a:scrgbClr r="0" g="0" b="0"/>
+        </a:lnRef>
+        <a:fillRef idx="0">
+          <a:scrgbClr r="0" g="0" b="0"/>
+        </a:fillRef>
+        <a:effectRef idx="0">
+          <a:scrgbClr r="0" g="0" b="0"/>
+        </a:effectRef>
         <a:fontRef idx="none"/>
       </a:style>
     </a:txDef>
   </a:objectDefaults>
+  <a:extraClrSchemeLst/>
 </a:theme>
 </file>
 
 <file path=ppt/theme/theme2.xml><?xml version="1.0" encoding="utf-8"?>
-<a:theme xmlns:a="http://schemas.openxmlformats.org/drawingml/2006/main" xmlns:r="http://schemas.openxmlformats.org/officeDocument/2006/relationships" name="Office Theme">
+<a:theme xmlns:a="http://schemas.openxmlformats.org/drawingml/2006/main" name="Office Theme">
   <a:themeElements>
     <a:clrScheme name="Office Theme">
       <a:dk1>
@@ -19253,7 +19236,7 @@
       <a:effectStyleLst>
         <a:effectStyle>
           <a:effectLst>
-            <a:outerShdw sx="100000" sy="100000" kx="0" ky="0" algn="b" rotWithShape="0" blurRad="38100" dist="23000" dir="5400000">
+            <a:outerShdw blurRad="38100" dist="23000" dir="5400000" rotWithShape="0">
               <a:srgbClr val="000000">
                 <a:alpha val="35000"/>
               </a:srgbClr>
@@ -19262,7 +19245,7 @@
         </a:effectStyle>
         <a:effectStyle>
           <a:effectLst>
-            <a:outerShdw sx="100000" sy="100000" kx="0" ky="0" algn="b" rotWithShape="0" blurRad="38100" dist="23000" dir="5400000">
+            <a:outerShdw blurRad="38100" dist="23000" dir="5400000" rotWithShape="0">
               <a:srgbClr val="000000">
                 <a:alpha val="35000"/>
               </a:srgbClr>
@@ -19271,7 +19254,7 @@
         </a:effectStyle>
         <a:effectStyle>
           <a:effectLst>
-            <a:outerShdw sx="100000" sy="100000" kx="0" ky="0" algn="b" rotWithShape="0" blurRad="38100" dist="20000" dir="5400000">
+            <a:outerShdw blurRad="38100" dist="20000" dir="5400000" rotWithShape="0">
               <a:srgbClr val="000000">
                 <a:alpha val="38000"/>
               </a:srgbClr>
@@ -19345,7 +19328,7 @@
           <a:round/>
         </a:ln>
         <a:effectLst>
-          <a:outerShdw sx="100000" sy="100000" kx="0" ky="0" algn="b" rotWithShape="0" blurRad="38100" dist="23000" dir="5400000">
+          <a:outerShdw blurRad="38100" dist="23000" dir="5400000" rotWithShape="0">
             <a:srgbClr val="000000">
               <a:alpha val="35000"/>
             </a:srgbClr>
@@ -19353,7 +19336,7 @@
         </a:effectLst>
         <a:sp3d/>
       </a:spPr>
-      <a:bodyPr rot="0" spcFirstLastPara="1" vertOverflow="overflow" horzOverflow="overflow" vert="horz" wrap="square" lIns="45719" tIns="45719" rIns="45719" bIns="45719" numCol="1" spcCol="38100" rtlCol="0" anchor="ctr" upright="0">
+      <a:bodyPr rot="0" spcFirstLastPara="1" vertOverflow="overflow" horzOverflow="overflow" vert="horz" wrap="square" lIns="45719" tIns="45719" rIns="45719" bIns="45719" numCol="1" spcCol="38100" rtlCol="0" anchor="ctr">
         <a:spAutoFit/>
       </a:bodyPr>
       <a:lstStyle>
@@ -19372,7 +19355,7 @@
           <a:buFontTx/>
           <a:buNone/>
           <a:tabLst/>
-          <a:defRPr b="0" baseline="0" cap="none" i="0" spc="0" strike="noStrike" sz="1800" u="none" kumimoji="0" normalizeH="0">
+          <a:defRPr kumimoji="0" sz="1800" b="0" i="0" u="none" strike="noStrike" cap="none" spc="0" normalizeH="0" baseline="0">
             <a:ln>
               <a:noFill/>
             </a:ln>
@@ -19402,7 +19385,7 @@
           <a:buFontTx/>
           <a:buNone/>
           <a:tabLst/>
-          <a:defRPr b="0" baseline="0" cap="none" i="0" spc="0" strike="noStrike" sz="1800" u="none" kumimoji="0" normalizeH="0">
+          <a:defRPr kumimoji="0" sz="1800" b="0" i="0" u="none" strike="noStrike" cap="none" spc="0" normalizeH="0" baseline="0">
             <a:ln>
               <a:noFill/>
             </a:ln>
@@ -19428,7 +19411,7 @@
           <a:buFontTx/>
           <a:buNone/>
           <a:tabLst/>
-          <a:defRPr b="0" baseline="0" cap="none" i="0" spc="0" strike="noStrike" sz="1800" u="none" kumimoji="0" normalizeH="0">
+          <a:defRPr kumimoji="0" sz="1800" b="0" i="0" u="none" strike="noStrike" cap="none" spc="0" normalizeH="0" baseline="0">
             <a:ln>
               <a:noFill/>
             </a:ln>
@@ -19454,7 +19437,7 @@
           <a:buFontTx/>
           <a:buNone/>
           <a:tabLst/>
-          <a:defRPr b="0" baseline="0" cap="none" i="0" spc="0" strike="noStrike" sz="1800" u="none" kumimoji="0" normalizeH="0">
+          <a:defRPr kumimoji="0" sz="1800" b="0" i="0" u="none" strike="noStrike" cap="none" spc="0" normalizeH="0" baseline="0">
             <a:ln>
               <a:noFill/>
             </a:ln>
@@ -19480,7 +19463,7 @@
           <a:buFontTx/>
           <a:buNone/>
           <a:tabLst/>
-          <a:defRPr b="0" baseline="0" cap="none" i="0" spc="0" strike="noStrike" sz="1800" u="none" kumimoji="0" normalizeH="0">
+          <a:defRPr kumimoji="0" sz="1800" b="0" i="0" u="none" strike="noStrike" cap="none" spc="0" normalizeH="0" baseline="0">
             <a:ln>
               <a:noFill/>
             </a:ln>
@@ -19506,7 +19489,7 @@
           <a:buFontTx/>
           <a:buNone/>
           <a:tabLst/>
-          <a:defRPr b="0" baseline="0" cap="none" i="0" spc="0" strike="noStrike" sz="1800" u="none" kumimoji="0" normalizeH="0">
+          <a:defRPr kumimoji="0" sz="1800" b="0" i="0" u="none" strike="noStrike" cap="none" spc="0" normalizeH="0" baseline="0">
             <a:ln>
               <a:noFill/>
             </a:ln>
@@ -19532,7 +19515,7 @@
           <a:buFontTx/>
           <a:buNone/>
           <a:tabLst/>
-          <a:defRPr b="0" baseline="0" cap="none" i="0" spc="0" strike="noStrike" sz="1800" u="none" kumimoji="0" normalizeH="0">
+          <a:defRPr kumimoji="0" sz="1800" b="0" i="0" u="none" strike="noStrike" cap="none" spc="0" normalizeH="0" baseline="0">
             <a:ln>
               <a:noFill/>
             </a:ln>
@@ -19558,7 +19541,7 @@
           <a:buFontTx/>
           <a:buNone/>
           <a:tabLst/>
-          <a:defRPr b="0" baseline="0" cap="none" i="0" spc="0" strike="noStrike" sz="1800" u="none" kumimoji="0" normalizeH="0">
+          <a:defRPr kumimoji="0" sz="1800" b="0" i="0" u="none" strike="noStrike" cap="none" spc="0" normalizeH="0" baseline="0">
             <a:ln>
               <a:noFill/>
             </a:ln>
@@ -19584,7 +19567,7 @@
           <a:buFontTx/>
           <a:buNone/>
           <a:tabLst/>
-          <a:defRPr b="0" baseline="0" cap="none" i="0" spc="0" strike="noStrike" sz="1800" u="none" kumimoji="0" normalizeH="0">
+          <a:defRPr kumimoji="0" sz="1800" b="0" i="0" u="none" strike="noStrike" cap="none" spc="0" normalizeH="0" baseline="0">
             <a:ln>
               <a:noFill/>
             </a:ln>
@@ -19610,7 +19593,7 @@
           <a:buFontTx/>
           <a:buNone/>
           <a:tabLst/>
-          <a:defRPr b="0" baseline="0" cap="none" i="0" spc="0" strike="noStrike" sz="1800" u="none" kumimoji="0" normalizeH="0">
+          <a:defRPr kumimoji="0" sz="1800" b="0" i="0" u="none" strike="noStrike" cap="none" spc="0" normalizeH="0" baseline="0">
             <a:ln>
               <a:noFill/>
             </a:ln>
@@ -19623,9 +19606,15 @@
         </a:lvl9pPr>
       </a:lstStyle>
       <a:style>
-        <a:lnRef idx="0"/>
-        <a:fillRef idx="0"/>
-        <a:effectRef idx="0"/>
+        <a:lnRef idx="0">
+          <a:scrgbClr r="0" g="0" b="0"/>
+        </a:lnRef>
+        <a:fillRef idx="0">
+          <a:scrgbClr r="0" g="0" b="0"/>
+        </a:fillRef>
+        <a:effectRef idx="0">
+          <a:scrgbClr r="0" g="0" b="0"/>
+        </a:effectRef>
         <a:fontRef idx="none"/>
       </a:style>
     </a:spDef>
@@ -19640,7 +19629,7 @@
           <a:round/>
         </a:ln>
         <a:effectLst>
-          <a:outerShdw sx="100000" sy="100000" kx="0" ky="0" algn="b" rotWithShape="0" blurRad="38100" dist="20000" dir="5400000">
+          <a:outerShdw blurRad="38100" dist="20000" dir="5400000" rotWithShape="0">
             <a:srgbClr val="000000">
               <a:alpha val="38000"/>
             </a:srgbClr>
@@ -19648,7 +19637,7 @@
         </a:effectLst>
         <a:sp3d/>
       </a:spPr>
-      <a:bodyPr rot="0" spcFirstLastPara="1" vertOverflow="overflow" horzOverflow="overflow" vert="horz" wrap="square" lIns="91439" tIns="45719" rIns="91439" bIns="45719" numCol="1" spcCol="38100" rtlCol="0" anchor="t" upright="0">
+      <a:bodyPr rot="0" spcFirstLastPara="1" vertOverflow="overflow" horzOverflow="overflow" vert="horz" wrap="square" lIns="91439" tIns="45719" rIns="91439" bIns="45719" numCol="1" spcCol="38100" rtlCol="0" anchor="t">
         <a:noAutofit/>
       </a:bodyPr>
       <a:lstStyle>
@@ -19667,7 +19656,7 @@
           <a:buFontTx/>
           <a:buNone/>
           <a:tabLst/>
-          <a:defRPr b="0" baseline="0" cap="none" i="0" spc="0" strike="noStrike" sz="1800" u="none" kumimoji="0" normalizeH="0">
+          <a:defRPr kumimoji="0" sz="1800" b="0" i="0" u="none" strike="noStrike" cap="none" spc="0" normalizeH="0" baseline="0">
             <a:ln>
               <a:noFill/>
             </a:ln>
@@ -19693,7 +19682,7 @@
           <a:buFontTx/>
           <a:buNone/>
           <a:tabLst/>
-          <a:defRPr b="0" baseline="0" cap="none" i="0" spc="0" strike="noStrike" sz="1800" u="none" kumimoji="0" normalizeH="0">
+          <a:defRPr kumimoji="0" sz="1800" b="0" i="0" u="none" strike="noStrike" cap="none" spc="0" normalizeH="0" baseline="0">
             <a:ln>
               <a:noFill/>
             </a:ln>
@@ -19719,7 +19708,7 @@
           <a:buFontTx/>
           <a:buNone/>
           <a:tabLst/>
-          <a:defRPr b="0" baseline="0" cap="none" i="0" spc="0" strike="noStrike" sz="1800" u="none" kumimoji="0" normalizeH="0">
+          <a:defRPr kumimoji="0" sz="1800" b="0" i="0" u="none" strike="noStrike" cap="none" spc="0" normalizeH="0" baseline="0">
             <a:ln>
               <a:noFill/>
             </a:ln>
@@ -19745,7 +19734,7 @@
           <a:buFontTx/>
           <a:buNone/>
           <a:tabLst/>
-          <a:defRPr b="0" baseline="0" cap="none" i="0" spc="0" strike="noStrike" sz="1800" u="none" kumimoji="0" normalizeH="0">
+          <a:defRPr kumimoji="0" sz="1800" b="0" i="0" u="none" strike="noStrike" cap="none" spc="0" normalizeH="0" baseline="0">
             <a:ln>
               <a:noFill/>
             </a:ln>
@@ -19771,7 +19760,7 @@
           <a:buFontTx/>
           <a:buNone/>
           <a:tabLst/>
-          <a:defRPr b="0" baseline="0" cap="none" i="0" spc="0" strike="noStrike" sz="1800" u="none" kumimoji="0" normalizeH="0">
+          <a:defRPr kumimoji="0" sz="1800" b="0" i="0" u="none" strike="noStrike" cap="none" spc="0" normalizeH="0" baseline="0">
             <a:ln>
               <a:noFill/>
             </a:ln>
@@ -19797,7 +19786,7 @@
           <a:buFontTx/>
           <a:buNone/>
           <a:tabLst/>
-          <a:defRPr b="0" baseline="0" cap="none" i="0" spc="0" strike="noStrike" sz="1800" u="none" kumimoji="0" normalizeH="0">
+          <a:defRPr kumimoji="0" sz="1800" b="0" i="0" u="none" strike="noStrike" cap="none" spc="0" normalizeH="0" baseline="0">
             <a:ln>
               <a:noFill/>
             </a:ln>
@@ -19823,7 +19812,7 @@
           <a:buFontTx/>
           <a:buNone/>
           <a:tabLst/>
-          <a:defRPr b="0" baseline="0" cap="none" i="0" spc="0" strike="noStrike" sz="1800" u="none" kumimoji="0" normalizeH="0">
+          <a:defRPr kumimoji="0" sz="1800" b="0" i="0" u="none" strike="noStrike" cap="none" spc="0" normalizeH="0" baseline="0">
             <a:ln>
               <a:noFill/>
             </a:ln>
@@ -19849,7 +19838,7 @@
           <a:buFontTx/>
           <a:buNone/>
           <a:tabLst/>
-          <a:defRPr b="0" baseline="0" cap="none" i="0" spc="0" strike="noStrike" sz="1800" u="none" kumimoji="0" normalizeH="0">
+          <a:defRPr kumimoji="0" sz="1800" b="0" i="0" u="none" strike="noStrike" cap="none" spc="0" normalizeH="0" baseline="0">
             <a:ln>
               <a:noFill/>
             </a:ln>
@@ -19875,7 +19864,7 @@
           <a:buFontTx/>
           <a:buNone/>
           <a:tabLst/>
-          <a:defRPr b="0" baseline="0" cap="none" i="0" spc="0" strike="noStrike" sz="1800" u="none" kumimoji="0" normalizeH="0">
+          <a:defRPr kumimoji="0" sz="1800" b="0" i="0" u="none" strike="noStrike" cap="none" spc="0" normalizeH="0" baseline="0">
             <a:ln>
               <a:noFill/>
             </a:ln>
@@ -19901,7 +19890,7 @@
           <a:buFontTx/>
           <a:buNone/>
           <a:tabLst/>
-          <a:defRPr b="0" baseline="0" cap="none" i="0" spc="0" strike="noStrike" sz="1800" u="none" kumimoji="0" normalizeH="0">
+          <a:defRPr kumimoji="0" sz="1800" b="0" i="0" u="none" strike="noStrike" cap="none" spc="0" normalizeH="0" baseline="0">
             <a:ln>
               <a:noFill/>
             </a:ln>
@@ -19914,9 +19903,15 @@
         </a:lvl9pPr>
       </a:lstStyle>
       <a:style>
-        <a:lnRef idx="0"/>
-        <a:fillRef idx="0"/>
-        <a:effectRef idx="0"/>
+        <a:lnRef idx="0">
+          <a:scrgbClr r="0" g="0" b="0"/>
+        </a:lnRef>
+        <a:fillRef idx="0">
+          <a:scrgbClr r="0" g="0" b="0"/>
+        </a:fillRef>
+        <a:effectRef idx="0">
+          <a:scrgbClr r="0" g="0" b="0"/>
+        </a:effectRef>
         <a:fontRef idx="none"/>
       </a:style>
     </a:lnDef>
@@ -19930,7 +19925,7 @@
         <a:effectLst/>
         <a:sp3d/>
       </a:spPr>
-      <a:bodyPr rot="0" spcFirstLastPara="1" vertOverflow="overflow" horzOverflow="overflow" vert="horz" wrap="square" lIns="45719" tIns="45719" rIns="45719" bIns="45719" numCol="1" spcCol="38100" rtlCol="0" anchor="t" upright="0">
+      <a:bodyPr rot="0" spcFirstLastPara="1" vertOverflow="overflow" horzOverflow="overflow" vert="horz" wrap="square" lIns="45719" tIns="45719" rIns="45719" bIns="45719" numCol="1" spcCol="38100" rtlCol="0" anchor="t">
         <a:spAutoFit/>
       </a:bodyPr>
       <a:lstStyle>
@@ -19949,7 +19944,7 @@
           <a:buFontTx/>
           <a:buNone/>
           <a:tabLst/>
-          <a:defRPr b="0" baseline="0" cap="none" i="0" spc="0" strike="noStrike" sz="1800" u="none" kumimoji="0" normalizeH="0">
+          <a:defRPr kumimoji="0" sz="1800" b="0" i="0" u="none" strike="noStrike" cap="none" spc="0" normalizeH="0" baseline="0">
             <a:ln>
               <a:noFill/>
             </a:ln>
@@ -19979,7 +19974,7 @@
           <a:buFontTx/>
           <a:buNone/>
           <a:tabLst/>
-          <a:defRPr b="0" baseline="0" cap="none" i="0" spc="0" strike="noStrike" sz="1800" u="none" kumimoji="0" normalizeH="0">
+          <a:defRPr kumimoji="0" sz="1800" b="0" i="0" u="none" strike="noStrike" cap="none" spc="0" normalizeH="0" baseline="0">
             <a:ln>
               <a:noFill/>
             </a:ln>
@@ -20005,7 +20000,7 @@
           <a:buFontTx/>
           <a:buNone/>
           <a:tabLst/>
-          <a:defRPr b="0" baseline="0" cap="none" i="0" spc="0" strike="noStrike" sz="1800" u="none" kumimoji="0" normalizeH="0">
+          <a:defRPr kumimoji="0" sz="1800" b="0" i="0" u="none" strike="noStrike" cap="none" spc="0" normalizeH="0" baseline="0">
             <a:ln>
               <a:noFill/>
             </a:ln>
@@ -20031,7 +20026,7 @@
           <a:buFontTx/>
           <a:buNone/>
           <a:tabLst/>
-          <a:defRPr b="0" baseline="0" cap="none" i="0" spc="0" strike="noStrike" sz="1800" u="none" kumimoji="0" normalizeH="0">
+          <a:defRPr kumimoji="0" sz="1800" b="0" i="0" u="none" strike="noStrike" cap="none" spc="0" normalizeH="0" baseline="0">
             <a:ln>
               <a:noFill/>
             </a:ln>
@@ -20057,7 +20052,7 @@
           <a:buFontTx/>
           <a:buNone/>
           <a:tabLst/>
-          <a:defRPr b="0" baseline="0" cap="none" i="0" spc="0" strike="noStrike" sz="1800" u="none" kumimoji="0" normalizeH="0">
+          <a:defRPr kumimoji="0" sz="1800" b="0" i="0" u="none" strike="noStrike" cap="none" spc="0" normalizeH="0" baseline="0">
             <a:ln>
               <a:noFill/>
             </a:ln>
@@ -20083,7 +20078,7 @@
           <a:buFontTx/>
           <a:buNone/>
           <a:tabLst/>
-          <a:defRPr b="0" baseline="0" cap="none" i="0" spc="0" strike="noStrike" sz="1800" u="none" kumimoji="0" normalizeH="0">
+          <a:defRPr kumimoji="0" sz="1800" b="0" i="0" u="none" strike="noStrike" cap="none" spc="0" normalizeH="0" baseline="0">
             <a:ln>
               <a:noFill/>
             </a:ln>
@@ -20109,7 +20104,7 @@
           <a:buFontTx/>
           <a:buNone/>
           <a:tabLst/>
-          <a:defRPr b="0" baseline="0" cap="none" i="0" spc="0" strike="noStrike" sz="1800" u="none" kumimoji="0" normalizeH="0">
+          <a:defRPr kumimoji="0" sz="1800" b="0" i="0" u="none" strike="noStrike" cap="none" spc="0" normalizeH="0" baseline="0">
             <a:ln>
               <a:noFill/>
             </a:ln>
@@ -20135,7 +20130,7 @@
           <a:buFontTx/>
           <a:buNone/>
           <a:tabLst/>
-          <a:defRPr b="0" baseline="0" cap="none" i="0" spc="0" strike="noStrike" sz="1800" u="none" kumimoji="0" normalizeH="0">
+          <a:defRPr kumimoji="0" sz="1800" b="0" i="0" u="none" strike="noStrike" cap="none" spc="0" normalizeH="0" baseline="0">
             <a:ln>
               <a:noFill/>
             </a:ln>
@@ -20161,7 +20156,7 @@
           <a:buFontTx/>
           <a:buNone/>
           <a:tabLst/>
-          <a:defRPr b="0" baseline="0" cap="none" i="0" spc="0" strike="noStrike" sz="1800" u="none" kumimoji="0" normalizeH="0">
+          <a:defRPr kumimoji="0" sz="1800" b="0" i="0" u="none" strike="noStrike" cap="none" spc="0" normalizeH="0" baseline="0">
             <a:ln>
               <a:noFill/>
             </a:ln>
@@ -20187,7 +20182,7 @@
           <a:buFontTx/>
           <a:buNone/>
           <a:tabLst/>
-          <a:defRPr b="0" baseline="0" cap="none" i="0" spc="0" strike="noStrike" sz="1800" u="none" kumimoji="0" normalizeH="0">
+          <a:defRPr kumimoji="0" sz="1800" b="0" i="0" u="none" strike="noStrike" cap="none" spc="0" normalizeH="0" baseline="0">
             <a:ln>
               <a:noFill/>
             </a:ln>
@@ -20200,12 +20195,19 @@
         </a:lvl9pPr>
       </a:lstStyle>
       <a:style>
-        <a:lnRef idx="0"/>
-        <a:fillRef idx="0"/>
-        <a:effectRef idx="0"/>
+        <a:lnRef idx="0">
+          <a:scrgbClr r="0" g="0" b="0"/>
+        </a:lnRef>
+        <a:fillRef idx="0">
+          <a:scrgbClr r="0" g="0" b="0"/>
+        </a:fillRef>
+        <a:effectRef idx="0">
+          <a:scrgbClr r="0" g="0" b="0"/>
+        </a:effectRef>
         <a:fontRef idx="none"/>
       </a:style>
     </a:txDef>
   </a:objectDefaults>
+  <a:extraClrSchemeLst/>
 </a:theme>
 </file>